--- a/02-Introduccion-Javascript/Javascript101.pptx
+++ b/02-Introduccion-Javascript/Javascript101.pptx
@@ -211,7 +211,7 @@
           <a:p>
             <a:fld id="{6D56E425-C946-AA48-AEA6-D0119D9DB7FC}" type="datetimeFigureOut">
               <a:rPr lang="en-US" smtClean="0"/>
-              <a:t>4/30/2013</a:t>
+              <a:t>5/9/2013</a:t>
             </a:fld>
             <a:endParaRPr lang="en-US"/>
           </a:p>
@@ -598,6 +598,18 @@
               </a:rPr>
               <a:t>cierto</a:t>
             </a:r>
+            <a:r>
+              <a:rPr lang="en-US" baseline="0" dirty="0" smtClean="0">
+                <a:sym typeface="Wingdings" pitchFamily="2" charset="2"/>
+              </a:rPr>
+              <a:t>: </a:t>
+            </a:r>
+            <a:r>
+              <a:rPr lang="en-US" baseline="0" dirty="0" err="1" smtClean="0">
+                <a:sym typeface="Wingdings" pitchFamily="2" charset="2"/>
+              </a:rPr>
+              <a:t>NodeJS</a:t>
+            </a:r>
             <a:endParaRPr lang="en-US" baseline="0" dirty="0" smtClean="0">
               <a:sym typeface="Wingdings" pitchFamily="2" charset="2"/>
             </a:endParaRPr>
@@ -2152,6 +2164,38 @@
           <a:bodyPr/>
           <a:lstStyle/>
           <a:p>
+            <a:r>
+              <a:rPr lang="en-US" dirty="0" smtClean="0"/>
+              <a:t>basicUse.html</a:t>
+            </a:r>
+            <a:r>
+              <a:rPr lang="en-US" baseline="0" dirty="0" smtClean="0"/>
+              <a:t> </a:t>
+            </a:r>
+            <a:r>
+              <a:rPr lang="en-US" baseline="0" dirty="0" smtClean="0">
+                <a:sym typeface="Wingdings" pitchFamily="2" charset="2"/>
+              </a:rPr>
+              <a:t> “Pro”: </a:t>
+            </a:r>
+            <a:r>
+              <a:rPr lang="en-US" baseline="0" dirty="0" err="1" smtClean="0">
+                <a:sym typeface="Wingdings" pitchFamily="2" charset="2"/>
+              </a:rPr>
+              <a:t>Archivo</a:t>
+            </a:r>
+            <a:r>
+              <a:rPr lang="en-US" baseline="0" dirty="0" smtClean="0">
+                <a:sym typeface="Wingdings" pitchFamily="2" charset="2"/>
+              </a:rPr>
+              <a:t> </a:t>
+            </a:r>
+            <a:r>
+              <a:rPr lang="en-US" baseline="0" dirty="0" err="1" smtClean="0">
+                <a:sym typeface="Wingdings" pitchFamily="2" charset="2"/>
+              </a:rPr>
+              <a:t>externo</a:t>
+            </a:r>
             <a:endParaRPr lang="en-US" dirty="0"/>
           </a:p>
         </p:txBody>
@@ -2236,7 +2280,232 @@
           <a:bodyPr/>
           <a:lstStyle/>
           <a:p>
-            <a:endParaRPr lang="en-US" dirty="0"/>
+            <a:r>
+              <a:rPr lang="en-US" dirty="0" smtClean="0"/>
+              <a:t>** </a:t>
+            </a:r>
+            <a:r>
+              <a:rPr lang="en-US" dirty="0" err="1" smtClean="0"/>
+              <a:t>Sí</a:t>
+            </a:r>
+            <a:r>
+              <a:rPr lang="en-US" dirty="0" smtClean="0"/>
+              <a:t>, Undefined </a:t>
+            </a:r>
+            <a:r>
+              <a:rPr lang="en-US" dirty="0" err="1" smtClean="0"/>
+              <a:t>es</a:t>
+            </a:r>
+            <a:r>
+              <a:rPr lang="en-US" dirty="0" smtClean="0"/>
+              <a:t> un </a:t>
+            </a:r>
+            <a:r>
+              <a:rPr lang="en-US" dirty="0" err="1" smtClean="0"/>
+              <a:t>tipo</a:t>
+            </a:r>
+            <a:r>
+              <a:rPr lang="en-US" dirty="0" smtClean="0"/>
+              <a:t> </a:t>
+            </a:r>
+            <a:r>
+              <a:rPr lang="en-US" dirty="0" err="1" smtClean="0"/>
+              <a:t>aparte</a:t>
+            </a:r>
+            <a:r>
+              <a:rPr lang="en-US" dirty="0" smtClean="0"/>
+              <a:t>. </a:t>
+            </a:r>
+          </a:p>
+          <a:p>
+            <a:endParaRPr lang="en-US" dirty="0" smtClean="0"/>
+          </a:p>
+          <a:p>
+            <a:pPr marL="171450" indent="-171450">
+              <a:buFont typeface="Arial" charset="0"/>
+              <a:buChar char="•"/>
+            </a:pPr>
+            <a:r>
+              <a:rPr lang="en-US" dirty="0" err="1" smtClean="0"/>
+              <a:t>Cómo</a:t>
+            </a:r>
+            <a:r>
+              <a:rPr lang="en-US" dirty="0" smtClean="0"/>
+              <a:t> </a:t>
+            </a:r>
+            <a:r>
+              <a:rPr lang="en-US" dirty="0" err="1" smtClean="0"/>
+              <a:t>sé</a:t>
+            </a:r>
+            <a:r>
+              <a:rPr lang="en-US" dirty="0" smtClean="0"/>
+              <a:t> </a:t>
+            </a:r>
+            <a:r>
+              <a:rPr lang="en-US" dirty="0" err="1" smtClean="0"/>
+              <a:t>cuando</a:t>
+            </a:r>
+            <a:r>
+              <a:rPr lang="en-US" baseline="0" dirty="0" smtClean="0"/>
+              <a:t> un </a:t>
+            </a:r>
+            <a:r>
+              <a:rPr lang="en-US" baseline="0" dirty="0" err="1" smtClean="0"/>
+              <a:t>objeto</a:t>
+            </a:r>
+            <a:r>
+              <a:rPr lang="en-US" baseline="0" dirty="0" smtClean="0"/>
+              <a:t> </a:t>
+            </a:r>
+            <a:r>
+              <a:rPr lang="en-US" baseline="0" dirty="0" err="1" smtClean="0"/>
+              <a:t>es</a:t>
+            </a:r>
+            <a:r>
+              <a:rPr lang="en-US" baseline="0" dirty="0" smtClean="0"/>
+              <a:t> un </a:t>
+            </a:r>
+            <a:r>
+              <a:rPr lang="en-US" baseline="0" dirty="0" err="1" smtClean="0"/>
+              <a:t>arreglo</a:t>
+            </a:r>
+            <a:r>
+              <a:rPr lang="en-US" baseline="0" dirty="0" smtClean="0"/>
+              <a:t>? Hay </a:t>
+            </a:r>
+            <a:r>
+              <a:rPr lang="en-US" baseline="0" dirty="0" err="1" smtClean="0"/>
+              <a:t>que</a:t>
+            </a:r>
+            <a:r>
+              <a:rPr lang="en-US" baseline="0" dirty="0" smtClean="0"/>
+              <a:t> </a:t>
+            </a:r>
+            <a:r>
+              <a:rPr lang="en-US" baseline="0" dirty="0" err="1" smtClean="0"/>
+              <a:t>ejecutar</a:t>
+            </a:r>
+            <a:r>
+              <a:rPr lang="en-US" baseline="0" dirty="0" smtClean="0"/>
+              <a:t> el </a:t>
+            </a:r>
+            <a:r>
+              <a:rPr lang="en-US" baseline="0" dirty="0" err="1" smtClean="0"/>
+              <a:t>instanceof</a:t>
+            </a:r>
+            <a:r>
+              <a:rPr lang="en-US" baseline="0" dirty="0" smtClean="0"/>
+              <a:t>. </a:t>
+            </a:r>
+            <a:r>
+              <a:rPr lang="en-US" baseline="0" dirty="0" err="1" smtClean="0"/>
+              <a:t>Aplica</a:t>
+            </a:r>
+            <a:r>
+              <a:rPr lang="en-US" baseline="0" dirty="0" smtClean="0"/>
+              <a:t> </a:t>
+            </a:r>
+            <a:r>
+              <a:rPr lang="en-US" baseline="0" dirty="0" err="1" smtClean="0"/>
+              <a:t>también</a:t>
+            </a:r>
+            <a:r>
+              <a:rPr lang="en-US" baseline="0" dirty="0" smtClean="0"/>
+              <a:t> </a:t>
+            </a:r>
+            <a:r>
+              <a:rPr lang="en-US" baseline="0" dirty="0" err="1" smtClean="0"/>
+              <a:t>para</a:t>
+            </a:r>
+            <a:r>
+              <a:rPr lang="en-US" baseline="0" dirty="0" smtClean="0"/>
+              <a:t> Date. </a:t>
+            </a:r>
+          </a:p>
+          <a:p>
+            <a:pPr marL="171450" indent="-171450">
+              <a:buFont typeface="Arial" charset="0"/>
+              <a:buChar char="•"/>
+            </a:pPr>
+            <a:endParaRPr lang="en-US" baseline="0" dirty="0" smtClean="0"/>
+          </a:p>
+          <a:p>
+            <a:pPr marL="171450" indent="-171450">
+              <a:buFont typeface="Arial" charset="0"/>
+              <a:buChar char="•"/>
+            </a:pPr>
+            <a:r>
+              <a:rPr lang="en-US" baseline="0" dirty="0" err="1" smtClean="0"/>
+              <a:t>Todos</a:t>
+            </a:r>
+            <a:r>
+              <a:rPr lang="en-US" baseline="0" dirty="0" smtClean="0"/>
+              <a:t> los </a:t>
+            </a:r>
+            <a:r>
+              <a:rPr lang="en-US" baseline="0" dirty="0" err="1" smtClean="0"/>
+              <a:t>valores</a:t>
+            </a:r>
+            <a:r>
+              <a:rPr lang="en-US" baseline="0" dirty="0" smtClean="0"/>
+              <a:t> al final se </a:t>
+            </a:r>
+            <a:r>
+              <a:rPr lang="en-US" baseline="0" dirty="0" err="1" smtClean="0"/>
+              <a:t>comportan</a:t>
+            </a:r>
+            <a:r>
+              <a:rPr lang="en-US" baseline="0" dirty="0" smtClean="0"/>
+              <a:t> </a:t>
+            </a:r>
+            <a:r>
+              <a:rPr lang="en-US" baseline="0" dirty="0" err="1" smtClean="0"/>
+              <a:t>como</a:t>
+            </a:r>
+            <a:r>
+              <a:rPr lang="en-US" baseline="0" dirty="0" smtClean="0"/>
+              <a:t> </a:t>
+            </a:r>
+            <a:r>
+              <a:rPr lang="en-US" baseline="0" dirty="0" err="1" smtClean="0"/>
+              <a:t>objetos</a:t>
+            </a:r>
+            <a:r>
+              <a:rPr lang="en-US" baseline="0" dirty="0" smtClean="0"/>
+              <a:t>, a </a:t>
+            </a:r>
+            <a:r>
+              <a:rPr lang="en-US" baseline="0" dirty="0" err="1" smtClean="0"/>
+              <a:t>todos</a:t>
+            </a:r>
+            <a:r>
+              <a:rPr lang="en-US" baseline="0" dirty="0" smtClean="0"/>
+              <a:t> se le </a:t>
+            </a:r>
+            <a:r>
+              <a:rPr lang="en-US" baseline="0" dirty="0" err="1" smtClean="0"/>
+              <a:t>pueden</a:t>
+            </a:r>
+            <a:r>
+              <a:rPr lang="en-US" baseline="0" dirty="0" smtClean="0"/>
+              <a:t> </a:t>
+            </a:r>
+            <a:r>
+              <a:rPr lang="en-US" baseline="0" dirty="0" err="1" smtClean="0"/>
+              <a:t>ejecutar</a:t>
+            </a:r>
+            <a:r>
+              <a:rPr lang="en-US" baseline="0" dirty="0" smtClean="0"/>
+              <a:t> </a:t>
+            </a:r>
+            <a:r>
+              <a:rPr lang="en-US" baseline="0" dirty="0" err="1" smtClean="0"/>
+              <a:t>funciones</a:t>
+            </a:r>
+            <a:r>
+              <a:rPr lang="en-US" baseline="0" dirty="0" smtClean="0"/>
+              <a:t>. </a:t>
+            </a:r>
           </a:p>
         </p:txBody>
       </p:sp>
@@ -2908,7 +3177,7 @@
           <a:p>
             <a:fld id="{D728701E-CAF4-4159-9B3E-41C86DFFA30D}" type="datetimeFigureOut">
               <a:rPr lang="en-US" smtClean="0"/>
-              <a:t>4/30/2013</a:t>
+              <a:t>5/9/2013</a:t>
             </a:fld>
             <a:endParaRPr lang="en-US"/>
           </a:p>
@@ -3362,7 +3631,7 @@
           <a:p>
             <a:fld id="{D728701E-CAF4-4159-9B3E-41C86DFFA30D}" type="datetimeFigureOut">
               <a:rPr lang="en-US" smtClean="0"/>
-              <a:t>4/30/2013</a:t>
+              <a:t>5/9/2013</a:t>
             </a:fld>
             <a:endParaRPr lang="en-US"/>
           </a:p>
@@ -3905,7 +4174,7 @@
           <a:p>
             <a:fld id="{D728701E-CAF4-4159-9B3E-41C86DFFA30D}" type="datetimeFigureOut">
               <a:rPr lang="en-US" smtClean="0"/>
-              <a:t>4/30/2013</a:t>
+              <a:t>5/9/2013</a:t>
             </a:fld>
             <a:endParaRPr lang="en-US"/>
           </a:p>
@@ -4041,7 +4310,7 @@
           <a:p>
             <a:fld id="{D728701E-CAF4-4159-9B3E-41C86DFFA30D}" type="datetimeFigureOut">
               <a:rPr lang="en-US" smtClean="0"/>
-              <a:t>4/30/2013</a:t>
+              <a:t>5/9/2013</a:t>
             </a:fld>
             <a:endParaRPr lang="en-US"/>
           </a:p>
@@ -4379,7 +4648,7 @@
           <a:p>
             <a:fld id="{D728701E-CAF4-4159-9B3E-41C86DFFA30D}" type="datetimeFigureOut">
               <a:rPr lang="en-US" smtClean="0"/>
-              <a:t>4/30/2013</a:t>
+              <a:t>5/9/2013</a:t>
             </a:fld>
             <a:endParaRPr lang="en-US"/>
           </a:p>
@@ -4705,7 +4974,7 @@
           <a:p>
             <a:fld id="{D728701E-CAF4-4159-9B3E-41C86DFFA30D}" type="datetimeFigureOut">
               <a:rPr lang="en-US" smtClean="0"/>
-              <a:t>4/30/2013</a:t>
+              <a:t>5/9/2013</a:t>
             </a:fld>
             <a:endParaRPr lang="en-US"/>
           </a:p>
@@ -5003,7 +5272,7 @@
           <a:p>
             <a:fld id="{D728701E-CAF4-4159-9B3E-41C86DFFA30D}" type="datetimeFigureOut">
               <a:rPr lang="en-US" smtClean="0"/>
-              <a:t>4/30/2013</a:t>
+              <a:t>5/9/2013</a:t>
             </a:fld>
             <a:endParaRPr lang="en-US"/>
           </a:p>
@@ -5390,7 +5659,7 @@
           <a:p>
             <a:fld id="{D728701E-CAF4-4159-9B3E-41C86DFFA30D}" type="datetimeFigureOut">
               <a:rPr lang="en-US" smtClean="0"/>
-              <a:t>4/30/2013</a:t>
+              <a:t>5/9/2013</a:t>
             </a:fld>
             <a:endParaRPr lang="en-US"/>
           </a:p>
@@ -5810,7 +6079,7 @@
           <a:p>
             <a:fld id="{D728701E-CAF4-4159-9B3E-41C86DFFA30D}" type="datetimeFigureOut">
               <a:rPr lang="en-US" smtClean="0"/>
-              <a:t>4/30/2013</a:t>
+              <a:t>5/9/2013</a:t>
             </a:fld>
             <a:endParaRPr lang="en-US"/>
           </a:p>
@@ -6358,7 +6627,7 @@
           <a:p>
             <a:fld id="{D728701E-CAF4-4159-9B3E-41C86DFFA30D}" type="datetimeFigureOut">
               <a:rPr lang="en-US" smtClean="0"/>
-              <a:t>4/30/2013</a:t>
+              <a:t>5/9/2013</a:t>
             </a:fld>
             <a:endParaRPr lang="en-US"/>
           </a:p>
@@ -6716,7 +6985,7 @@
           <a:p>
             <a:fld id="{D728701E-CAF4-4159-9B3E-41C86DFFA30D}" type="datetimeFigureOut">
               <a:rPr lang="en-US" smtClean="0"/>
-              <a:t>4/30/2013</a:t>
+              <a:t>5/9/2013</a:t>
             </a:fld>
             <a:endParaRPr lang="en-US"/>
           </a:p>
@@ -6931,7 +7200,7 @@
           <a:p>
             <a:fld id="{D728701E-CAF4-4159-9B3E-41C86DFFA30D}" type="datetimeFigureOut">
               <a:rPr lang="en-US" smtClean="0"/>
-              <a:t>4/30/2013</a:t>
+              <a:t>5/9/2013</a:t>
             </a:fld>
             <a:endParaRPr lang="en-US"/>
           </a:p>
@@ -7238,7 +7507,7 @@
           <a:p>
             <a:fld id="{D728701E-CAF4-4159-9B3E-41C86DFFA30D}" type="datetimeFigureOut">
               <a:rPr lang="en-US" smtClean="0"/>
-              <a:t>4/30/2013</a:t>
+              <a:t>5/9/2013</a:t>
             </a:fld>
             <a:endParaRPr lang="en-US"/>
           </a:p>
@@ -7494,7 +7763,7 @@
           <a:p>
             <a:fld id="{D728701E-CAF4-4159-9B3E-41C86DFFA30D}" type="datetimeFigureOut">
               <a:rPr lang="en-US" smtClean="0"/>
-              <a:t>4/30/2013</a:t>
+              <a:t>5/9/2013</a:t>
             </a:fld>
             <a:endParaRPr lang="en-US"/>
           </a:p>
@@ -7883,7 +8152,7 @@
           <a:p>
             <a:fld id="{D728701E-CAF4-4159-9B3E-41C86DFFA30D}" type="datetimeFigureOut">
               <a:rPr lang="en-US" smtClean="0"/>
-              <a:t>4/30/2013</a:t>
+              <a:t>5/9/2013</a:t>
             </a:fld>
             <a:endParaRPr lang="en-US"/>
           </a:p>
@@ -8472,7 +8741,7 @@
           <a:p>
             <a:fld id="{D728701E-CAF4-4159-9B3E-41C86DFFA30D}" type="datetimeFigureOut">
               <a:rPr lang="en-US" smtClean="0"/>
-              <a:t>4/30/2013</a:t>
+              <a:t>5/9/2013</a:t>
             </a:fld>
             <a:endParaRPr lang="en-US"/>
           </a:p>
@@ -8987,7 +9256,7 @@
           <a:p>
             <a:fld id="{D728701E-CAF4-4159-9B3E-41C86DFFA30D}" type="datetimeFigureOut">
               <a:rPr lang="en-US" smtClean="0"/>
-              <a:t>4/30/2013</a:t>
+              <a:t>5/9/2013</a:t>
             </a:fld>
             <a:endParaRPr lang="en-US"/>
           </a:p>
@@ -9360,7 +9629,7 @@
           <a:p>
             <a:fld id="{D728701E-CAF4-4159-9B3E-41C86DFFA30D}" type="datetimeFigureOut">
               <a:rPr lang="en-US" smtClean="0"/>
-              <a:t>4/30/2013</a:t>
+              <a:t>5/9/2013</a:t>
             </a:fld>
             <a:endParaRPr lang="en-US"/>
           </a:p>
@@ -9759,7 +10028,7 @@
           <a:p>
             <a:fld id="{D728701E-CAF4-4159-9B3E-41C86DFFA30D}" type="datetimeFigureOut">
               <a:rPr lang="en-US" smtClean="0"/>
-              <a:t>4/30/2013</a:t>
+              <a:t>5/9/2013</a:t>
             </a:fld>
             <a:endParaRPr lang="en-US"/>
           </a:p>
@@ -10179,7 +10448,7 @@
           <a:p>
             <a:fld id="{D728701E-CAF4-4159-9B3E-41C86DFFA30D}" type="datetimeFigureOut">
               <a:rPr lang="en-US" smtClean="0"/>
-              <a:t>4/30/2013</a:t>
+              <a:t>5/9/2013</a:t>
             </a:fld>
             <a:endParaRPr lang="en-US"/>
           </a:p>
@@ -10562,7 +10831,7 @@
           <a:p>
             <a:fld id="{D728701E-CAF4-4159-9B3E-41C86DFFA30D}" type="datetimeFigureOut">
               <a:rPr lang="en-US" smtClean="0"/>
-              <a:t>4/30/2013</a:t>
+              <a:t>5/9/2013</a:t>
             </a:fld>
             <a:endParaRPr lang="en-US"/>
           </a:p>
@@ -15950,10 +16219,10 @@
               <a:t> </a:t>
             </a:r>
             <a:r>
-              <a:rPr lang="en-US" sz="3600" dirty="0" err="1" smtClean="0">
-                <a:sym typeface="Wingdings"/>
-              </a:rPr>
-              <a:t>SpiderMonkey</a:t>
+              <a:rPr lang="en-US" sz="3600" dirty="0" smtClean="0">
+                <a:sym typeface="Wingdings"/>
+              </a:rPr>
+              <a:t>Rhino</a:t>
             </a:r>
             <a:endParaRPr lang="es-CO" sz="3600" dirty="0" smtClean="0">
               <a:sym typeface="Wingdings" pitchFamily="2" charset="2"/>
@@ -16323,22 +16592,20 @@
               <a:rPr lang="en-US" sz="2800" dirty="0" smtClean="0"/>
               <a:t>**</a:t>
             </a:r>
+          </a:p>
+          <a:p>
+            <a:pPr lvl="1"/>
+            <a:r>
+              <a:rPr lang="en-US" sz="2800" dirty="0"/>
+              <a:t>String</a:t>
+            </a:r>
+          </a:p>
+          <a:p>
+            <a:pPr lvl="1"/>
             <a:endParaRPr lang="en-US" sz="2800" dirty="0"/>
           </a:p>
           <a:p>
-            <a:pPr marL="228600" lvl="1" indent="0">
-              <a:buNone/>
-            </a:pPr>
-            <a:endParaRPr lang="en-US" sz="2800" dirty="0" smtClean="0"/>
-          </a:p>
-          <a:p>
-            <a:pPr marL="228600" lvl="1" indent="0">
-              <a:buNone/>
-            </a:pPr>
-            <a:endParaRPr lang="en-US" sz="2800" dirty="0"/>
-          </a:p>
-          <a:p>
-            <a:pPr marL="228600" lvl="1" indent="0">
+            <a:pPr marL="457200" lvl="2" indent="0">
               <a:buNone/>
             </a:pPr>
             <a:r>
@@ -16351,25 +16618,28 @@
             <a:endParaRPr lang="en-US" sz="2800" dirty="0" smtClean="0"/>
           </a:p>
           <a:p>
+            <a:pPr lvl="2"/>
+            <a:endParaRPr lang="en-US" sz="2800" dirty="0"/>
+          </a:p>
+          <a:p>
+            <a:pPr lvl="2"/>
+            <a:endParaRPr lang="en-US" sz="2800" dirty="0" smtClean="0"/>
+          </a:p>
+          <a:p>
+            <a:pPr lvl="1"/>
+            <a:r>
+              <a:rPr lang="en-US" sz="2800" dirty="0" smtClean="0"/>
+              <a:t>Function</a:t>
+            </a:r>
+            <a:endParaRPr lang="en-US" sz="2800" dirty="0"/>
+          </a:p>
+          <a:p>
             <a:pPr lvl="1"/>
             <a:r>
               <a:rPr lang="en-US" sz="2800" dirty="0" smtClean="0"/>
               <a:t>Objects</a:t>
             </a:r>
-          </a:p>
-          <a:p>
-            <a:pPr lvl="2"/>
-            <a:r>
-              <a:rPr lang="en-US" sz="2800" dirty="0" smtClean="0"/>
-              <a:t>String</a:t>
-            </a:r>
-          </a:p>
-          <a:p>
-            <a:pPr lvl="2"/>
-            <a:r>
-              <a:rPr lang="en-US" sz="2800" dirty="0" smtClean="0"/>
-              <a:t>Function</a:t>
-            </a:r>
+            <a:endParaRPr lang="en-US" sz="2800" dirty="0" smtClean="0"/>
           </a:p>
           <a:p>
             <a:pPr lvl="2"/>
@@ -16377,6 +16647,7 @@
               <a:rPr lang="en-US" sz="2800" dirty="0" smtClean="0"/>
               <a:t>Array</a:t>
             </a:r>
+            <a:endParaRPr lang="en-US" sz="2800" dirty="0" smtClean="0"/>
           </a:p>
           <a:p>
             <a:pPr lvl="2"/>

--- a/02-Introduccion-Javascript/Javascript101.pptx
+++ b/02-Introduccion-Javascript/Javascript101.pptx
@@ -5,7 +5,7 @@
     <p:sldMasterId id="2147483660" r:id="rId1"/>
   </p:sldMasterIdLst>
   <p:notesMasterIdLst>
-    <p:notesMasterId r:id="rId22"/>
+    <p:notesMasterId r:id="rId21"/>
   </p:notesMasterIdLst>
   <p:sldIdLst>
     <p:sldId id="256" r:id="rId2"/>
@@ -18,16 +18,15 @@
     <p:sldId id="264" r:id="rId9"/>
     <p:sldId id="265" r:id="rId10"/>
     <p:sldId id="266" r:id="rId11"/>
-    <p:sldId id="270" r:id="rId12"/>
-    <p:sldId id="267" r:id="rId13"/>
-    <p:sldId id="273" r:id="rId14"/>
-    <p:sldId id="271" r:id="rId15"/>
-    <p:sldId id="272" r:id="rId16"/>
-    <p:sldId id="268" r:id="rId17"/>
-    <p:sldId id="269" r:id="rId18"/>
-    <p:sldId id="274" r:id="rId19"/>
-    <p:sldId id="275" r:id="rId20"/>
-    <p:sldId id="276" r:id="rId21"/>
+    <p:sldId id="267" r:id="rId12"/>
+    <p:sldId id="273" r:id="rId13"/>
+    <p:sldId id="271" r:id="rId14"/>
+    <p:sldId id="272" r:id="rId15"/>
+    <p:sldId id="268" r:id="rId16"/>
+    <p:sldId id="269" r:id="rId17"/>
+    <p:sldId id="274" r:id="rId18"/>
+    <p:sldId id="275" r:id="rId19"/>
+    <p:sldId id="276" r:id="rId20"/>
   </p:sldIdLst>
   <p:sldSz cx="9144000" cy="6858000" type="screen4x3"/>
   <p:notesSz cx="6858000" cy="9144000"/>
@@ -1370,90 +1369,6 @@
 </p:notes>
 </file>
 
-<file path=ppt/notesSlides/notesSlide18.xml><?xml version="1.0" encoding="utf-8"?>
-<p:notes xmlns:a="http://schemas.openxmlformats.org/drawingml/2006/main" xmlns:r="http://schemas.openxmlformats.org/officeDocument/2006/relationships" xmlns:p="http://schemas.openxmlformats.org/presentationml/2006/main">
-  <p:cSld>
-    <p:spTree>
-      <p:nvGrpSpPr>
-        <p:cNvPr id="1" name=""/>
-        <p:cNvGrpSpPr/>
-        <p:nvPr/>
-      </p:nvGrpSpPr>
-      <p:grpSpPr>
-        <a:xfrm>
-          <a:off x="0" y="0"/>
-          <a:ext cx="0" cy="0"/>
-          <a:chOff x="0" y="0"/>
-          <a:chExt cx="0" cy="0"/>
-        </a:xfrm>
-      </p:grpSpPr>
-      <p:sp>
-        <p:nvSpPr>
-          <p:cNvPr id="2" name="Slide Image Placeholder 1"/>
-          <p:cNvSpPr>
-            <a:spLocks noGrp="1" noRot="1" noChangeAspect="1"/>
-          </p:cNvSpPr>
-          <p:nvPr>
-            <p:ph type="sldImg"/>
-          </p:nvPr>
-        </p:nvSpPr>
-        <p:spPr/>
-      </p:sp>
-      <p:sp>
-        <p:nvSpPr>
-          <p:cNvPr id="3" name="Notes Placeholder 2"/>
-          <p:cNvSpPr>
-            <a:spLocks noGrp="1"/>
-          </p:cNvSpPr>
-          <p:nvPr>
-            <p:ph type="body" idx="1"/>
-          </p:nvPr>
-        </p:nvSpPr>
-        <p:spPr/>
-        <p:txBody>
-          <a:bodyPr/>
-          <a:lstStyle/>
-          <a:p>
-            <a:endParaRPr lang="en-US" dirty="0"/>
-          </a:p>
-        </p:txBody>
-      </p:sp>
-      <p:sp>
-        <p:nvSpPr>
-          <p:cNvPr id="4" name="Slide Number Placeholder 3"/>
-          <p:cNvSpPr>
-            <a:spLocks noGrp="1"/>
-          </p:cNvSpPr>
-          <p:nvPr>
-            <p:ph type="sldNum" sz="quarter" idx="10"/>
-          </p:nvPr>
-        </p:nvSpPr>
-        <p:spPr/>
-        <p:txBody>
-          <a:bodyPr/>
-          <a:lstStyle/>
-          <a:p>
-            <a:fld id="{5BC0CB8E-8FC1-7E47-BA9E-5376527D0B81}" type="slidenum">
-              <a:rPr lang="en-US" smtClean="0"/>
-              <a:t>20</a:t>
-            </a:fld>
-            <a:endParaRPr lang="en-US"/>
-          </a:p>
-        </p:txBody>
-      </p:sp>
-    </p:spTree>
-    <p:extLst>
-      <p:ext uri="{BB962C8B-B14F-4D97-AF65-F5344CB8AC3E}">
-        <p14:creationId xmlns:p14="http://schemas.microsoft.com/office/powerpoint/2010/main" val="1367721304"/>
-      </p:ext>
-    </p:extLst>
-  </p:cSld>
-  <p:clrMapOvr>
-    <a:masterClrMapping/>
-  </p:clrMapOvr>
-</p:notes>
-</file>
-
 <file path=ppt/notesSlides/notesSlide2.xml><?xml version="1.0" encoding="utf-8"?>
 <p:notes xmlns:a="http://schemas.openxmlformats.org/drawingml/2006/main" xmlns:r="http://schemas.openxmlformats.org/officeDocument/2006/relationships" xmlns:p="http://schemas.openxmlformats.org/presentationml/2006/main">
   <p:cSld>
@@ -2664,13 +2579,7 @@
               <a:rPr lang="en-US" dirty="0" smtClean="0">
                 <a:sym typeface="Wingdings"/>
               </a:rPr>
-              <a:t>1 y 1.0 </a:t>
-            </a:r>
-            <a:r>
-              <a:rPr lang="en-US" smtClean="0">
-                <a:sym typeface="Wingdings"/>
-              </a:rPr>
-              <a:t>son el </a:t>
+              <a:t>1 y 1.0 son el </a:t>
             </a:r>
             <a:r>
               <a:rPr lang="en-US" dirty="0" err="1" smtClean="0">
@@ -2936,6 +2845,12 @@
           <a:bodyPr/>
           <a:lstStyle/>
           <a:p>
+            <a:r>
+              <a:rPr lang="es-CO" smtClean="0">
+                <a:hlinkClick r:id="rId3"/>
+              </a:rPr>
+              <a:t>http://11heavens.com/falsy-and-truthy-in-javascript</a:t>
+            </a:r>
             <a:endParaRPr lang="en-US" dirty="0"/>
           </a:p>
         </p:txBody>
@@ -11832,7 +11747,23 @@
           <a:p>
             <a:r>
               <a:rPr lang="es-ES_tradnl" dirty="0" err="1" smtClean="0"/>
-              <a:t>Undefined</a:t>
+              <a:t>Falsy</a:t>
+            </a:r>
+            <a:r>
+              <a:rPr lang="es-ES_tradnl" dirty="0" smtClean="0"/>
+              <a:t> and </a:t>
+            </a:r>
+            <a:r>
+              <a:rPr lang="es-ES_tradnl" dirty="0" err="1" smtClean="0"/>
+              <a:t>Truthy</a:t>
+            </a:r>
+            <a:r>
+              <a:rPr lang="es-ES_tradnl" dirty="0" smtClean="0"/>
+              <a:t> </a:t>
+            </a:r>
+            <a:r>
+              <a:rPr lang="es-ES_tradnl" dirty="0" err="1" smtClean="0"/>
+              <a:t>Values</a:t>
             </a:r>
             <a:endParaRPr lang="es-CO" dirty="0"/>
           </a:p>
@@ -11850,13 +11781,13 @@
         </p:nvSpPr>
         <p:spPr>
           <a:xfrm>
-            <a:off x="286818" y="1399865"/>
-            <a:ext cx="7577063" cy="5079622"/>
+            <a:off x="286818" y="1171943"/>
+            <a:ext cx="7577063" cy="5307544"/>
           </a:xfrm>
         </p:spPr>
         <p:txBody>
           <a:bodyPr numCol="1">
-            <a:normAutofit/>
+            <a:normAutofit lnSpcReduction="10000"/>
           </a:bodyPr>
           <a:lstStyle/>
           <a:p>
@@ -11864,19 +11795,19 @@
               <a:rPr lang="en-US" sz="2400" dirty="0" err="1" smtClean="0">
                 <a:sym typeface="Wingdings"/>
               </a:rPr>
-              <a:t>Cuando</a:t>
+              <a:t>Javascript</a:t>
             </a:r>
             <a:r>
               <a:rPr lang="en-US" sz="2400" dirty="0" smtClean="0">
                 <a:sym typeface="Wingdings"/>
               </a:rPr>
-              <a:t> se </a:t>
+              <a:t> </a:t>
             </a:r>
             <a:r>
               <a:rPr lang="en-US" sz="2400" dirty="0" err="1" smtClean="0">
                 <a:sym typeface="Wingdings"/>
               </a:rPr>
-              <a:t>declara</a:t>
+              <a:t>tiene</a:t>
             </a:r>
             <a:r>
               <a:rPr lang="en-US" sz="2400" dirty="0" smtClean="0">
@@ -11888,69 +11819,110 @@
               <a:rPr lang="en-US" sz="2400" dirty="0" err="1" smtClean="0">
                 <a:sym typeface="Wingdings"/>
               </a:rPr>
-              <a:t>una</a:t>
+              <a:t>valores</a:t>
             </a:r>
             <a:r>
               <a:rPr lang="en-US" sz="2400" dirty="0" smtClean="0">
                 <a:sym typeface="Wingdings"/>
               </a:rPr>
-              <a:t> variable y no se </a:t>
+              <a:t> </a:t>
             </a:r>
             <a:r>
               <a:rPr lang="en-US" sz="2400" dirty="0" err="1" smtClean="0">
                 <a:sym typeface="Wingdings"/>
               </a:rPr>
-              <a:t>inicializa</a:t>
+              <a:t>boolean</a:t>
+            </a:r>
+            <a:r>
+              <a:rPr lang="en-US" sz="2400" dirty="0">
+                <a:sym typeface="Wingdings"/>
+              </a:rPr>
+              <a:t> </a:t>
+            </a:r>
+            <a:r>
+              <a:rPr lang="en-US" sz="2400" i="1" dirty="0" smtClean="0">
+                <a:sym typeface="Wingdings"/>
+              </a:rPr>
+              <a:t>true </a:t>
             </a:r>
             <a:r>
               <a:rPr lang="en-US" sz="2400" dirty="0" smtClean="0">
                 <a:sym typeface="Wingdings"/>
               </a:rPr>
-              <a:t>, </a:t>
+              <a:t>y </a:t>
+            </a:r>
+            <a:r>
+              <a:rPr lang="en-US" sz="2400" i="1" dirty="0" smtClean="0">
+                <a:sym typeface="Wingdings"/>
+              </a:rPr>
+              <a:t>false</a:t>
+            </a:r>
+          </a:p>
+          <a:p>
+            <a:r>
+              <a:rPr lang="en-US" sz="2400" dirty="0" smtClean="0">
+                <a:sym typeface="Wingdings"/>
+              </a:rPr>
+              <a:t>Con </a:t>
             </a:r>
             <a:r>
               <a:rPr lang="en-US" sz="2400" dirty="0" err="1" smtClean="0">
                 <a:sym typeface="Wingdings"/>
               </a:rPr>
-              <a:t>su</a:t>
+              <a:t>algunos</a:t>
             </a:r>
             <a:r>
               <a:rPr lang="en-US" sz="2400" dirty="0" smtClean="0">
                 <a:sym typeface="Wingdings"/>
               </a:rPr>
-              <a:t> valor </a:t>
+              <a:t> </a:t>
             </a:r>
             <a:r>
               <a:rPr lang="en-US" sz="2400" dirty="0" err="1" smtClean="0">
                 <a:sym typeface="Wingdings"/>
               </a:rPr>
-              <a:t>es</a:t>
+              <a:t>operadores</a:t>
             </a:r>
             <a:r>
               <a:rPr lang="en-US" sz="2400" dirty="0" smtClean="0">
                 <a:sym typeface="Wingdings"/>
               </a:rPr>
-              <a:t> undefined</a:t>
-            </a:r>
-          </a:p>
-          <a:p>
+              <a:t> tru</a:t>
+            </a:r>
+            <a:r>
+              <a:rPr lang="en-US" sz="2400" dirty="0" smtClean="0">
+                <a:sym typeface="Wingdings"/>
+              </a:rPr>
+              <a:t>e y false se </a:t>
+            </a:r>
             <a:r>
               <a:rPr lang="en-US" sz="2400" dirty="0" err="1" smtClean="0">
                 <a:sym typeface="Wingdings"/>
               </a:rPr>
-              <a:t>Cuando</a:t>
-            </a:r>
+              <a:t>convierten</a:t>
+            </a:r>
+            <a:r>
+              <a:rPr lang="en-US" sz="2400" smtClean="0">
+                <a:sym typeface="Wingdings"/>
+              </a:rPr>
+              <a:t> a 1 o 0. </a:t>
+            </a:r>
+            <a:endParaRPr lang="en-US" sz="2400" dirty="0" smtClean="0">
+              <a:sym typeface="Wingdings"/>
+            </a:endParaRPr>
+          </a:p>
+          <a:p>
             <a:r>
               <a:rPr lang="en-US" sz="2400" dirty="0" smtClean="0">
                 <a:sym typeface="Wingdings"/>
               </a:rPr>
-              <a:t> se </a:t>
+              <a:t>Los </a:t>
             </a:r>
             <a:r>
               <a:rPr lang="en-US" sz="2400" dirty="0" err="1" smtClean="0">
                 <a:sym typeface="Wingdings"/>
               </a:rPr>
-              <a:t>pregunta</a:t>
+              <a:t>siguientes</a:t>
             </a:r>
             <a:r>
               <a:rPr lang="en-US" sz="2400" dirty="0" smtClean="0">
@@ -11962,140 +11934,43 @@
               <a:rPr lang="en-US" sz="2400" dirty="0" err="1" smtClean="0">
                 <a:sym typeface="Wingdings"/>
               </a:rPr>
-              <a:t>por</a:t>
+              <a:t>valores</a:t>
             </a:r>
             <a:r>
               <a:rPr lang="en-US" sz="2400" dirty="0" smtClean="0">
                 <a:sym typeface="Wingdings"/>
               </a:rPr>
-              <a:t> un </a:t>
+              <a:t> </a:t>
+            </a:r>
+            <a:r>
+              <a:rPr lang="en-US" sz="2400" dirty="0" smtClean="0">
+                <a:sym typeface="Wingdings"/>
+              </a:rPr>
+              <a:t>son </a:t>
             </a:r>
             <a:r>
               <a:rPr lang="en-US" sz="2400" dirty="0" err="1" smtClean="0">
                 <a:sym typeface="Wingdings"/>
               </a:rPr>
-              <a:t>atributo</a:t>
-            </a:r>
-            <a:r>
-              <a:rPr lang="en-US" sz="2400" dirty="0" smtClean="0">
-                <a:sym typeface="Wingdings"/>
-              </a:rPr>
-              <a:t> </a:t>
-            </a:r>
-            <a:r>
-              <a:rPr lang="en-US" sz="2400" dirty="0" err="1" smtClean="0">
-                <a:sym typeface="Wingdings"/>
-              </a:rPr>
-              <a:t>que</a:t>
-            </a:r>
-            <a:r>
-              <a:rPr lang="en-US" sz="2400" dirty="0" smtClean="0">
-                <a:sym typeface="Wingdings"/>
-              </a:rPr>
-              <a:t> un </a:t>
-            </a:r>
-            <a:r>
-              <a:rPr lang="en-US" sz="2400" dirty="0" err="1" smtClean="0">
-                <a:sym typeface="Wingdings"/>
-              </a:rPr>
-              <a:t>objeto</a:t>
-            </a:r>
-            <a:r>
-              <a:rPr lang="en-US" sz="2400" dirty="0" smtClean="0">
-                <a:sym typeface="Wingdings"/>
-              </a:rPr>
-              <a:t> no </a:t>
-            </a:r>
-            <a:r>
-              <a:rPr lang="en-US" sz="2400" dirty="0" err="1" smtClean="0">
-                <a:sym typeface="Wingdings"/>
-              </a:rPr>
-              <a:t>tiene</a:t>
-            </a:r>
-            <a:r>
-              <a:rPr lang="en-US" sz="2400" dirty="0" smtClean="0">
-                <a:sym typeface="Wingdings"/>
-              </a:rPr>
-              <a:t>, el </a:t>
-            </a:r>
-            <a:r>
-              <a:rPr lang="en-US" sz="2400" dirty="0" err="1" smtClean="0">
-                <a:sym typeface="Wingdings"/>
-              </a:rPr>
-              <a:t>resultado</a:t>
-            </a:r>
-            <a:r>
-              <a:rPr lang="en-US" sz="2400" dirty="0" smtClean="0">
-                <a:sym typeface="Wingdings"/>
-              </a:rPr>
-              <a:t> </a:t>
-            </a:r>
-            <a:r>
-              <a:rPr lang="en-US" sz="2400" dirty="0" err="1" smtClean="0">
-                <a:sym typeface="Wingdings"/>
-              </a:rPr>
-              <a:t>es</a:t>
-            </a:r>
-            <a:r>
-              <a:rPr lang="en-US" sz="2400" dirty="0" smtClean="0">
-                <a:sym typeface="Wingdings"/>
-              </a:rPr>
-              <a:t> undefined</a:t>
-            </a:r>
-          </a:p>
-          <a:p>
-            <a:r>
-              <a:rPr lang="en-US" sz="2400" dirty="0" smtClean="0">
-                <a:sym typeface="Wingdings"/>
-              </a:rPr>
-              <a:t>Undefined </a:t>
-            </a:r>
-            <a:r>
-              <a:rPr lang="en-US" sz="2400" dirty="0" err="1" smtClean="0">
-                <a:sym typeface="Wingdings"/>
-              </a:rPr>
-              <a:t>es</a:t>
-            </a:r>
-            <a:r>
-              <a:rPr lang="en-US" sz="2400" dirty="0" smtClean="0">
-                <a:sym typeface="Wingdings"/>
-              </a:rPr>
-              <a:t> un </a:t>
-            </a:r>
-            <a:r>
-              <a:rPr lang="en-US" sz="2400" dirty="0" err="1" smtClean="0">
-                <a:sym typeface="Wingdings"/>
-              </a:rPr>
-              <a:t>tipo</a:t>
-            </a:r>
-            <a:r>
-              <a:rPr lang="en-US" sz="2400" dirty="0" smtClean="0">
-                <a:sym typeface="Wingdings"/>
-              </a:rPr>
-              <a:t> de </a:t>
-            </a:r>
-            <a:r>
-              <a:rPr lang="en-US" sz="2400" dirty="0" err="1" smtClean="0">
-                <a:sym typeface="Wingdings"/>
-              </a:rPr>
-              <a:t>dato</a:t>
-            </a:r>
-            <a:r>
-              <a:rPr lang="en-US" sz="2400" dirty="0">
-                <a:sym typeface="Wingdings"/>
-              </a:rPr>
-              <a:t/>
-            </a:r>
-            <a:br>
-              <a:rPr lang="en-US" sz="2400" dirty="0">
-                <a:sym typeface="Wingdings"/>
-              </a:rPr>
-            </a:br>
-            <a:r>
-              <a:rPr lang="en-US" sz="2400" dirty="0" smtClean="0">
-                <a:sym typeface="Wingdings"/>
-              </a:rPr>
-              <a:t> </a:t>
+              <a:t>falsy</a:t>
+            </a:r>
+            <a:endParaRPr lang="en-US" sz="2400" dirty="0" smtClean="0">
+              <a:sym typeface="Wingdings"/>
+            </a:endParaRPr>
+          </a:p>
+          <a:p>
+            <a:pPr lvl="1"/>
+            <a:r>
+              <a:rPr lang="en-US" sz="2200" dirty="0">
+                <a:sym typeface="Wingdings"/>
+              </a:rPr>
+              <a:t>f</a:t>
+            </a:r>
+            <a:r>
+              <a:rPr lang="en-US" sz="2200" dirty="0" smtClean="0">
+                <a:sym typeface="Wingdings"/>
+              </a:rPr>
+              <a:t>alse</a:t>
             </a:r>
             <a:endParaRPr lang="en-US" sz="2200" dirty="0" smtClean="0">
               <a:sym typeface="Wingdings"/>
@@ -12104,89 +11979,111 @@
           <a:p>
             <a:pPr lvl="1"/>
             <a:r>
+              <a:rPr lang="en-US" sz="2200" dirty="0" smtClean="0">
+                <a:sym typeface="Wingdings"/>
+              </a:rPr>
+              <a:t>0</a:t>
+            </a:r>
+          </a:p>
+          <a:p>
+            <a:pPr lvl="1"/>
+            <a:r>
+              <a:rPr lang="en-US" sz="2200" dirty="0" smtClean="0">
+                <a:sym typeface="Wingdings"/>
+              </a:rPr>
+              <a:t>“”</a:t>
+            </a:r>
+          </a:p>
+          <a:p>
+            <a:pPr lvl="1"/>
+            <a:r>
               <a:rPr lang="en-US" sz="2200" dirty="0" err="1" smtClean="0">
                 <a:sym typeface="Wingdings"/>
               </a:rPr>
-              <a:t>var</a:t>
-            </a:r>
-            <a:r>
-              <a:rPr lang="en-US" sz="2200" dirty="0" smtClean="0">
-                <a:sym typeface="Wingdings"/>
-              </a:rPr>
-              <a:t> </a:t>
-            </a:r>
-            <a:r>
-              <a:rPr lang="en-US" sz="2200" dirty="0" err="1" smtClean="0">
-                <a:sym typeface="Wingdings"/>
-              </a:rPr>
-              <a:t>cosa</a:t>
-            </a:r>
-            <a:r>
-              <a:rPr lang="en-US" sz="2200" dirty="0" smtClean="0">
-                <a:sym typeface="Wingdings"/>
-              </a:rPr>
-              <a:t>;  undefined</a:t>
-            </a:r>
-          </a:p>
-          <a:p>
-            <a:pPr lvl="2"/>
-            <a:r>
-              <a:rPr lang="en-US" sz="2200" dirty="0" err="1" smtClean="0">
-                <a:sym typeface="Wingdings"/>
-              </a:rPr>
-              <a:t>typeof</a:t>
-            </a:r>
-            <a:r>
-              <a:rPr lang="en-US" sz="2200" dirty="0" smtClean="0">
-                <a:sym typeface="Wingdings"/>
-              </a:rPr>
-              <a:t>(</a:t>
-            </a:r>
-            <a:r>
-              <a:rPr lang="en-US" sz="2200" dirty="0" err="1" smtClean="0">
-                <a:sym typeface="Wingdings"/>
-              </a:rPr>
-              <a:t>cosa</a:t>
-            </a:r>
-            <a:r>
-              <a:rPr lang="en-US" sz="2200" dirty="0" smtClean="0">
-                <a:sym typeface="Wingdings"/>
-              </a:rPr>
-              <a:t>)  undefined</a:t>
-            </a:r>
-            <a:br>
-              <a:rPr lang="en-US" sz="2200" dirty="0" smtClean="0">
-                <a:sym typeface="Wingdings"/>
-              </a:rPr>
-            </a:br>
+              <a:t>NaN</a:t>
+            </a:r>
             <a:endParaRPr lang="en-US" sz="2200" dirty="0" smtClean="0">
               <a:sym typeface="Wingdings"/>
             </a:endParaRPr>
           </a:p>
           <a:p>
-            <a:pPr marL="228600" lvl="1" indent="0">
-              <a:buNone/>
-            </a:pPr>
+            <a:pPr lvl="1"/>
+            <a:r>
+              <a:rPr lang="en-US" sz="2200" dirty="0" smtClean="0">
+                <a:sym typeface="Wingdings"/>
+              </a:rPr>
+              <a:t>null</a:t>
+            </a:r>
             <a:endParaRPr lang="en-US" sz="2200" dirty="0" smtClean="0">
               <a:sym typeface="Wingdings"/>
             </a:endParaRPr>
           </a:p>
           <a:p>
             <a:pPr lvl="1"/>
-            <a:endParaRPr lang="en-US" sz="2200" dirty="0" smtClean="0">
-              <a:sym typeface="Wingdings"/>
-            </a:endParaRPr>
-          </a:p>
-          <a:p>
-            <a:pPr lvl="1"/>
+            <a:r>
+              <a:rPr lang="en-US" sz="2200" dirty="0" smtClean="0">
+                <a:sym typeface="Wingdings"/>
+              </a:rPr>
+              <a:t> undefined</a:t>
+            </a:r>
             <a:endParaRPr lang="en-US" sz="2200" dirty="0" smtClean="0"/>
+          </a:p>
+          <a:p>
+            <a:r>
+              <a:rPr lang="en-US" sz="2400" dirty="0" err="1" smtClean="0"/>
+              <a:t>Todos</a:t>
+            </a:r>
+            <a:r>
+              <a:rPr lang="en-US" sz="2400" dirty="0" smtClean="0"/>
+              <a:t> los </a:t>
+            </a:r>
+            <a:r>
+              <a:rPr lang="en-US" sz="2400" dirty="0" err="1" smtClean="0"/>
+              <a:t>otros</a:t>
+            </a:r>
+            <a:r>
+              <a:rPr lang="en-US" sz="2400" dirty="0" smtClean="0"/>
+              <a:t> </a:t>
+            </a:r>
+            <a:r>
+              <a:rPr lang="en-US" sz="2400" dirty="0" err="1" smtClean="0"/>
+              <a:t>valores</a:t>
+            </a:r>
+            <a:r>
+              <a:rPr lang="en-US" sz="2400" dirty="0" smtClean="0"/>
+              <a:t> </a:t>
+            </a:r>
+            <a:r>
+              <a:rPr lang="en-US" sz="2400" dirty="0" err="1" smtClean="0"/>
+              <a:t>retornan</a:t>
+            </a:r>
+            <a:r>
+              <a:rPr lang="en-US" sz="2400" dirty="0" smtClean="0"/>
+              <a:t> </a:t>
+            </a:r>
+            <a:r>
+              <a:rPr lang="en-US" sz="2400" dirty="0" err="1" smtClean="0"/>
+              <a:t>verdadero</a:t>
+            </a:r>
+            <a:r>
+              <a:rPr lang="en-US" sz="2400" dirty="0" smtClean="0"/>
+              <a:t>, </a:t>
+            </a:r>
+            <a:r>
+              <a:rPr lang="en-US" sz="2400" dirty="0" err="1" smtClean="0"/>
+              <a:t>incluyendo</a:t>
+            </a:r>
+            <a:r>
+              <a:rPr lang="en-US" sz="2400" dirty="0" smtClean="0"/>
+              <a:t> “false”, “0”</a:t>
+            </a:r>
           </a:p>
         </p:txBody>
       </p:sp>
     </p:spTree>
     <p:extLst>
       <p:ext uri="{BB962C8B-B14F-4D97-AF65-F5344CB8AC3E}">
-        <p14:creationId xmlns:p14="http://schemas.microsoft.com/office/powerpoint/2010/main" val="2859337267"/>
+        <p14:creationId xmlns:p14="http://schemas.microsoft.com/office/powerpoint/2010/main" val="124055240"/>
       </p:ext>
     </p:extLst>
   </p:cSld>
@@ -12241,24 +12138,8 @@
           <a:lstStyle/>
           <a:p>
             <a:r>
-              <a:rPr lang="es-ES_tradnl" dirty="0" err="1" smtClean="0"/>
-              <a:t>Falsy</a:t>
-            </a:r>
-            <a:r>
               <a:rPr lang="es-ES_tradnl" dirty="0" smtClean="0"/>
-              <a:t> and </a:t>
-            </a:r>
-            <a:r>
-              <a:rPr lang="es-ES_tradnl" dirty="0" err="1" smtClean="0"/>
-              <a:t>Truthy</a:t>
-            </a:r>
-            <a:r>
-              <a:rPr lang="es-ES_tradnl" dirty="0" smtClean="0"/>
-              <a:t> </a:t>
-            </a:r>
-            <a:r>
-              <a:rPr lang="es-ES_tradnl" dirty="0" err="1" smtClean="0"/>
-              <a:t>Values</a:t>
+              <a:t>Operadores</a:t>
             </a:r>
             <a:endParaRPr lang="es-CO" dirty="0"/>
           </a:p>
@@ -12276,312 +12157,145 @@
         </p:nvSpPr>
         <p:spPr>
           <a:xfrm>
-            <a:off x="286818" y="1171943"/>
-            <a:ext cx="7577063" cy="5307544"/>
+            <a:off x="286818" y="1725693"/>
+            <a:ext cx="7577063" cy="4753794"/>
           </a:xfrm>
         </p:spPr>
         <p:txBody>
           <a:bodyPr numCol="1">
-            <a:normAutofit/>
+            <a:noAutofit/>
           </a:bodyPr>
           <a:lstStyle/>
           <a:p>
             <a:r>
-              <a:rPr lang="en-US" sz="2400" dirty="0" err="1" smtClean="0">
-                <a:sym typeface="Wingdings"/>
-              </a:rPr>
-              <a:t>Javascript</a:t>
-            </a:r>
-            <a:r>
-              <a:rPr lang="en-US" sz="2400" dirty="0" smtClean="0">
-                <a:sym typeface="Wingdings"/>
-              </a:rPr>
-              <a:t> </a:t>
-            </a:r>
-            <a:r>
-              <a:rPr lang="en-US" sz="2400" dirty="0" err="1" smtClean="0">
-                <a:sym typeface="Wingdings"/>
-              </a:rPr>
-              <a:t>tiene</a:t>
-            </a:r>
-            <a:r>
-              <a:rPr lang="en-US" sz="2400" dirty="0" smtClean="0">
-                <a:sym typeface="Wingdings"/>
-              </a:rPr>
-              <a:t> </a:t>
-            </a:r>
-            <a:r>
-              <a:rPr lang="en-US" sz="2400" dirty="0" err="1" smtClean="0">
-                <a:sym typeface="Wingdings"/>
-              </a:rPr>
+              <a:rPr lang="en-US" sz="2400" dirty="0" smtClean="0"/>
+              <a:t>“+”</a:t>
+            </a:r>
+          </a:p>
+          <a:p>
+            <a:endParaRPr lang="en-US" sz="2400" dirty="0" smtClean="0"/>
+          </a:p>
+          <a:p>
+            <a:pPr lvl="1"/>
+            <a:r>
+              <a:rPr lang="en-US" sz="2400" dirty="0" smtClean="0"/>
+              <a:t>Si los dos </a:t>
+            </a:r>
+            <a:r>
+              <a:rPr lang="en-US" sz="2400" dirty="0" err="1" smtClean="0"/>
               <a:t>valores</a:t>
             </a:r>
             <a:r>
-              <a:rPr lang="en-US" sz="2400" dirty="0" smtClean="0">
-                <a:sym typeface="Wingdings"/>
-              </a:rPr>
-              <a:t> </a:t>
-            </a:r>
-            <a:r>
-              <a:rPr lang="en-US" sz="2400" dirty="0" err="1" smtClean="0">
-                <a:sym typeface="Wingdings"/>
-              </a:rPr>
-              <a:t>boolean</a:t>
-            </a:r>
-            <a:r>
-              <a:rPr lang="en-US" sz="2400" dirty="0">
-                <a:sym typeface="Wingdings"/>
-              </a:rPr>
-              <a:t> </a:t>
-            </a:r>
-            <a:r>
-              <a:rPr lang="en-US" sz="2400" i="1" dirty="0" smtClean="0">
-                <a:sym typeface="Wingdings"/>
-              </a:rPr>
-              <a:t>true </a:t>
-            </a:r>
-            <a:r>
-              <a:rPr lang="en-US" sz="2400" dirty="0" smtClean="0">
-                <a:sym typeface="Wingdings"/>
-              </a:rPr>
-              <a:t>y </a:t>
-            </a:r>
-            <a:r>
-              <a:rPr lang="en-US" sz="2400" i="1" dirty="0" smtClean="0">
-                <a:sym typeface="Wingdings"/>
-              </a:rPr>
-              <a:t>false</a:t>
-            </a:r>
-          </a:p>
-          <a:p>
-            <a:r>
-              <a:rPr lang="en-US" sz="2400" dirty="0" err="1" smtClean="0">
-                <a:sym typeface="Wingdings"/>
-              </a:rPr>
-              <a:t>Cualquier</a:t>
-            </a:r>
-            <a:r>
-              <a:rPr lang="en-US" sz="2400" dirty="0" smtClean="0">
-                <a:sym typeface="Wingdings"/>
-              </a:rPr>
-              <a:t> valor </a:t>
-            </a:r>
-            <a:r>
-              <a:rPr lang="en-US" sz="2400" dirty="0" err="1" smtClean="0">
-                <a:sym typeface="Wingdings"/>
-              </a:rPr>
-              <a:t>puede</a:t>
-            </a:r>
-            <a:r>
-              <a:rPr lang="en-US" sz="2400" dirty="0" smtClean="0">
-                <a:sym typeface="Wingdings"/>
-              </a:rPr>
-              <a:t> </a:t>
-            </a:r>
-            <a:r>
-              <a:rPr lang="en-US" sz="2400" dirty="0" err="1" smtClean="0">
-                <a:sym typeface="Wingdings"/>
-              </a:rPr>
-              <a:t>ser</a:t>
-            </a:r>
-            <a:r>
-              <a:rPr lang="en-US" sz="2400" dirty="0" smtClean="0">
-                <a:sym typeface="Wingdings"/>
-              </a:rPr>
-              <a:t> </a:t>
-            </a:r>
-            <a:r>
-              <a:rPr lang="en-US" sz="2400" dirty="0" err="1" smtClean="0">
-                <a:sym typeface="Wingdings"/>
-              </a:rPr>
-              <a:t>convertido</a:t>
-            </a:r>
-            <a:r>
-              <a:rPr lang="en-US" sz="2400" dirty="0" smtClean="0">
-                <a:sym typeface="Wingdings"/>
-              </a:rPr>
+              <a:rPr lang="en-US" sz="2400" dirty="0" smtClean="0"/>
               <a:t> a </a:t>
             </a:r>
             <a:r>
-              <a:rPr lang="en-US" sz="2400" dirty="0" err="1" smtClean="0">
-                <a:sym typeface="Wingdings"/>
-              </a:rPr>
-              <a:t>boolean</a:t>
-            </a:r>
-            <a:r>
-              <a:rPr lang="en-US" sz="2400" dirty="0" smtClean="0">
-                <a:sym typeface="Wingdings"/>
-              </a:rPr>
-              <a:t> </a:t>
-            </a:r>
-          </a:p>
-          <a:p>
-            <a:r>
-              <a:rPr lang="en-US" sz="2400" dirty="0" smtClean="0">
-                <a:sym typeface="Wingdings"/>
-              </a:rPr>
-              <a:t>Los </a:t>
-            </a:r>
-            <a:r>
-              <a:rPr lang="en-US" sz="2400" dirty="0" err="1" smtClean="0">
-                <a:sym typeface="Wingdings"/>
-              </a:rPr>
-              <a:t>siguientes</a:t>
-            </a:r>
-            <a:r>
-              <a:rPr lang="en-US" sz="2400" dirty="0" smtClean="0">
-                <a:sym typeface="Wingdings"/>
-              </a:rPr>
-              <a:t> </a:t>
-            </a:r>
-            <a:r>
-              <a:rPr lang="en-US" sz="2400" dirty="0" err="1" smtClean="0">
-                <a:sym typeface="Wingdings"/>
-              </a:rPr>
-              <a:t>valores</a:t>
-            </a:r>
-            <a:r>
-              <a:rPr lang="en-US" sz="2400" dirty="0" smtClean="0">
-                <a:sym typeface="Wingdings"/>
-              </a:rPr>
-              <a:t> se </a:t>
-            </a:r>
-            <a:r>
-              <a:rPr lang="en-US" sz="2400" dirty="0" err="1" smtClean="0">
-                <a:sym typeface="Wingdings"/>
-              </a:rPr>
-              <a:t>convierten</a:t>
-            </a:r>
-            <a:r>
-              <a:rPr lang="en-US" sz="2400" dirty="0" smtClean="0">
-                <a:sym typeface="Wingdings"/>
-              </a:rPr>
-              <a:t> en </a:t>
-            </a:r>
-            <a:r>
-              <a:rPr lang="en-US" sz="2400" dirty="0" err="1" smtClean="0">
-                <a:sym typeface="Wingdings"/>
-              </a:rPr>
-              <a:t>falso</a:t>
-            </a:r>
+              <a:rPr lang="en-US" sz="2400" dirty="0" err="1" smtClean="0"/>
+              <a:t>adicionar</a:t>
+            </a:r>
+            <a:r>
+              <a:rPr lang="en-US" sz="2400" dirty="0" smtClean="0"/>
+              <a:t> son </a:t>
+            </a:r>
+            <a:r>
+              <a:rPr lang="en-US" sz="2400" dirty="0" err="1" smtClean="0"/>
+              <a:t>números</a:t>
+            </a:r>
+            <a:r>
+              <a:rPr lang="en-US" sz="2400" dirty="0" smtClean="0"/>
+              <a:t>, los </a:t>
+            </a:r>
+            <a:r>
+              <a:rPr lang="en-US" sz="2400" dirty="0" err="1" smtClean="0"/>
+              <a:t>suma</a:t>
+            </a:r>
+            <a:r>
+              <a:rPr lang="en-US" sz="2400" dirty="0" smtClean="0"/>
+              <a:t>, </a:t>
+            </a:r>
+            <a:r>
+              <a:rPr lang="en-US" sz="2400" dirty="0" err="1" smtClean="0"/>
+              <a:t>sino</a:t>
+            </a:r>
+            <a:r>
+              <a:rPr lang="en-US" sz="2400" dirty="0" smtClean="0"/>
+              <a:t> los </a:t>
+            </a:r>
+            <a:r>
+              <a:rPr lang="en-US" sz="2400" dirty="0" err="1" smtClean="0"/>
+              <a:t>convierte</a:t>
+            </a:r>
+            <a:r>
+              <a:rPr lang="en-US" sz="2400" dirty="0" smtClean="0"/>
+              <a:t> a String y los </a:t>
+            </a:r>
+            <a:r>
+              <a:rPr lang="en-US" sz="2400" dirty="0" err="1" smtClean="0"/>
+              <a:t>concatena</a:t>
+            </a:r>
+            <a:endParaRPr lang="en-US" sz="2400" dirty="0" smtClean="0"/>
+          </a:p>
+          <a:p>
+            <a:pPr lvl="1"/>
+            <a:endParaRPr lang="en-US" sz="2400" dirty="0" smtClean="0"/>
+          </a:p>
+          <a:p>
+            <a:pPr lvl="2"/>
+            <a:r>
+              <a:rPr lang="en-US" sz="2400" dirty="0" smtClean="0"/>
+              <a:t>1 + 2 = 3</a:t>
+            </a:r>
+          </a:p>
+          <a:p>
+            <a:pPr lvl="2"/>
+            <a:endParaRPr lang="en-US" sz="2400" dirty="0" smtClean="0"/>
+          </a:p>
+          <a:p>
+            <a:pPr lvl="2"/>
+            <a:r>
+              <a:rPr lang="en-US" sz="2400" dirty="0" smtClean="0"/>
+              <a:t>“</a:t>
+            </a:r>
+            <a:r>
+              <a:rPr lang="en-US" sz="2400" dirty="0" err="1" smtClean="0"/>
+              <a:t>Hola</a:t>
+            </a:r>
+            <a:r>
+              <a:rPr lang="en-US" sz="2400" dirty="0" smtClean="0"/>
+              <a:t> ” + 3 = “</a:t>
+            </a:r>
+            <a:r>
+              <a:rPr lang="en-US" sz="2400" dirty="0" err="1" smtClean="0"/>
+              <a:t>Hola</a:t>
+            </a:r>
+            <a:r>
+              <a:rPr lang="en-US" sz="2400" dirty="0" smtClean="0"/>
+              <a:t> 3”</a:t>
+            </a:r>
+          </a:p>
+          <a:p>
+            <a:pPr lvl="2"/>
+            <a:endParaRPr lang="en-US" sz="2400" dirty="0" smtClean="0"/>
+          </a:p>
+          <a:p>
+            <a:pPr lvl="2"/>
+            <a:r>
+              <a:rPr lang="en-US" sz="2400" dirty="0" smtClean="0"/>
+              <a:t>“$” + 3 + 4 = “$34” </a:t>
+            </a:r>
+          </a:p>
+          <a:p>
+            <a:pPr lvl="1"/>
             <a:endParaRPr lang="en-US" sz="2400" dirty="0" smtClean="0">
               <a:sym typeface="Wingdings"/>
             </a:endParaRPr>
           </a:p>
-          <a:p>
-            <a:pPr lvl="1"/>
-            <a:r>
-              <a:rPr lang="en-US" sz="2200" dirty="0" smtClean="0">
-                <a:sym typeface="Wingdings"/>
-              </a:rPr>
-              <a:t>False</a:t>
-            </a:r>
-          </a:p>
-          <a:p>
-            <a:pPr lvl="1"/>
-            <a:r>
-              <a:rPr lang="en-US" sz="2200" dirty="0" smtClean="0">
-                <a:sym typeface="Wingdings"/>
-              </a:rPr>
-              <a:t>0</a:t>
-            </a:r>
-          </a:p>
-          <a:p>
-            <a:pPr lvl="1"/>
-            <a:r>
-              <a:rPr lang="en-US" sz="2200" dirty="0" smtClean="0">
-                <a:sym typeface="Wingdings"/>
-              </a:rPr>
-              <a:t>“”</a:t>
-            </a:r>
-          </a:p>
-          <a:p>
-            <a:pPr lvl="1"/>
-            <a:r>
-              <a:rPr lang="en-US" sz="2200" dirty="0" err="1" smtClean="0">
-                <a:sym typeface="Wingdings"/>
-              </a:rPr>
-              <a:t>NaN</a:t>
-            </a:r>
-            <a:endParaRPr lang="en-US" sz="2200" dirty="0" smtClean="0">
-              <a:sym typeface="Wingdings"/>
-            </a:endParaRPr>
-          </a:p>
-          <a:p>
-            <a:pPr lvl="1"/>
-            <a:r>
-              <a:rPr lang="en-US" sz="2200" dirty="0" smtClean="0">
-                <a:sym typeface="Wingdings"/>
-              </a:rPr>
-              <a:t>Null</a:t>
-            </a:r>
-          </a:p>
-          <a:p>
-            <a:pPr lvl="1"/>
-            <a:r>
-              <a:rPr lang="en-US" sz="2200" dirty="0" smtClean="0">
-                <a:sym typeface="Wingdings"/>
-              </a:rPr>
-              <a:t> undefined</a:t>
-            </a:r>
-            <a:endParaRPr lang="en-US" sz="2200" dirty="0" smtClean="0"/>
-          </a:p>
-          <a:p>
-            <a:r>
-              <a:rPr lang="en-US" sz="2400" dirty="0" err="1" smtClean="0"/>
-              <a:t>Todos</a:t>
-            </a:r>
-            <a:r>
-              <a:rPr lang="en-US" sz="2400" dirty="0" smtClean="0"/>
-              <a:t> los </a:t>
-            </a:r>
-            <a:r>
-              <a:rPr lang="en-US" sz="2400" dirty="0" err="1" smtClean="0"/>
-              <a:t>otros</a:t>
-            </a:r>
-            <a:r>
-              <a:rPr lang="en-US" sz="2400" dirty="0" smtClean="0"/>
-              <a:t> </a:t>
-            </a:r>
-            <a:r>
-              <a:rPr lang="en-US" sz="2400" dirty="0" err="1" smtClean="0"/>
-              <a:t>valores</a:t>
-            </a:r>
-            <a:r>
-              <a:rPr lang="en-US" sz="2400" dirty="0" smtClean="0"/>
-              <a:t> </a:t>
-            </a:r>
-            <a:r>
-              <a:rPr lang="en-US" sz="2400" dirty="0" err="1" smtClean="0"/>
-              <a:t>retornan</a:t>
-            </a:r>
-            <a:r>
-              <a:rPr lang="en-US" sz="2400" dirty="0" smtClean="0"/>
-              <a:t> </a:t>
-            </a:r>
-            <a:r>
-              <a:rPr lang="en-US" sz="2400" dirty="0" err="1" smtClean="0"/>
-              <a:t>verdadero</a:t>
-            </a:r>
-            <a:r>
-              <a:rPr lang="en-US" sz="2400" dirty="0" smtClean="0"/>
-              <a:t>, </a:t>
-            </a:r>
-            <a:r>
-              <a:rPr lang="en-US" sz="2400" dirty="0" err="1" smtClean="0"/>
-              <a:t>incluyendo</a:t>
-            </a:r>
-            <a:r>
-              <a:rPr lang="en-US" sz="2400" dirty="0" smtClean="0"/>
-              <a:t> “false”, “0”</a:t>
-            </a:r>
-          </a:p>
         </p:txBody>
       </p:sp>
     </p:spTree>
     <p:extLst>
       <p:ext uri="{BB962C8B-B14F-4D97-AF65-F5344CB8AC3E}">
-        <p14:creationId xmlns:p14="http://schemas.microsoft.com/office/powerpoint/2010/main" val="124055240"/>
+        <p14:creationId xmlns:p14="http://schemas.microsoft.com/office/powerpoint/2010/main" val="1288238061"/>
       </p:ext>
     </p:extLst>
   </p:cSld>
@@ -12636,8 +12350,8 @@
           <a:lstStyle/>
           <a:p>
             <a:r>
-              <a:rPr lang="es-ES_tradnl" dirty="0" smtClean="0"/>
-              <a:t>Operadores</a:t>
+              <a:rPr lang="es-ES_tradnl" dirty="0" err="1" smtClean="0"/>
+              <a:t>Operators</a:t>
             </a:r>
             <a:endParaRPr lang="es-CO" dirty="0"/>
           </a:p>
@@ -12655,136 +12369,324 @@
         </p:nvSpPr>
         <p:spPr>
           <a:xfrm>
-            <a:off x="286818" y="1725693"/>
-            <a:ext cx="7577063" cy="4753794"/>
+            <a:off x="286818" y="1514051"/>
+            <a:ext cx="7577063" cy="4965436"/>
           </a:xfrm>
         </p:spPr>
         <p:txBody>
           <a:bodyPr numCol="1">
-            <a:noAutofit/>
+            <a:normAutofit/>
           </a:bodyPr>
           <a:lstStyle/>
           <a:p>
             <a:r>
+              <a:rPr lang="en-US" sz="2400" dirty="0"/>
+              <a:t> </a:t>
+            </a:r>
+            <a:r>
               <a:rPr lang="en-US" sz="2400" dirty="0" smtClean="0"/>
-              <a:t>“+”</a:t>
-            </a:r>
-          </a:p>
-          <a:p>
+              <a:t>&amp;&amp; (</a:t>
+            </a:r>
+            <a:r>
+              <a:rPr lang="en-US" sz="2400" dirty="0" err="1" smtClean="0"/>
+              <a:t>a.k.a</a:t>
+            </a:r>
+            <a:r>
+              <a:rPr lang="en-US" sz="2400" dirty="0" smtClean="0"/>
+              <a:t> Guard Operator)</a:t>
+            </a:r>
+            <a:br>
+              <a:rPr lang="en-US" sz="2400" dirty="0" smtClean="0"/>
+            </a:br>
             <a:endParaRPr lang="en-US" sz="2400" dirty="0" smtClean="0"/>
           </a:p>
           <a:p>
             <a:pPr lvl="1"/>
             <a:r>
-              <a:rPr lang="en-US" sz="2400" dirty="0" smtClean="0"/>
-              <a:t>Si los dos </a:t>
-            </a:r>
-            <a:r>
-              <a:rPr lang="en-US" sz="2400" dirty="0" err="1" smtClean="0"/>
-              <a:t>valores</a:t>
-            </a:r>
-            <a:r>
-              <a:rPr lang="en-US" sz="2400" dirty="0" smtClean="0"/>
-              <a:t> a </a:t>
-            </a:r>
-            <a:r>
-              <a:rPr lang="en-US" sz="2400" dirty="0" err="1" smtClean="0"/>
-              <a:t>adicionar</a:t>
-            </a:r>
-            <a:r>
-              <a:rPr lang="en-US" sz="2400" dirty="0" smtClean="0"/>
-              <a:t> son </a:t>
-            </a:r>
-            <a:r>
-              <a:rPr lang="en-US" sz="2400" dirty="0" err="1" smtClean="0"/>
-              <a:t>números</a:t>
-            </a:r>
-            <a:r>
-              <a:rPr lang="en-US" sz="2400" dirty="0" smtClean="0"/>
-              <a:t>, los </a:t>
-            </a:r>
-            <a:r>
-              <a:rPr lang="en-US" sz="2400" dirty="0" err="1" smtClean="0"/>
-              <a:t>suma</a:t>
-            </a:r>
-            <a:r>
-              <a:rPr lang="en-US" sz="2400" dirty="0" smtClean="0"/>
-              <a:t>, </a:t>
-            </a:r>
-            <a:r>
-              <a:rPr lang="en-US" sz="2400" dirty="0" err="1" smtClean="0"/>
-              <a:t>sino</a:t>
-            </a:r>
-            <a:r>
-              <a:rPr lang="en-US" sz="2400" dirty="0" smtClean="0"/>
-              <a:t> los </a:t>
-            </a:r>
-            <a:r>
-              <a:rPr lang="en-US" sz="2400" dirty="0" err="1" smtClean="0"/>
-              <a:t>convierte</a:t>
-            </a:r>
-            <a:r>
-              <a:rPr lang="en-US" sz="2400" dirty="0" smtClean="0"/>
-              <a:t> a String y los </a:t>
-            </a:r>
-            <a:r>
-              <a:rPr lang="en-US" sz="2400" dirty="0" err="1" smtClean="0"/>
-              <a:t>concatena</a:t>
-            </a:r>
-            <a:endParaRPr lang="en-US" sz="2400" dirty="0" smtClean="0"/>
+              <a:rPr lang="en-US" sz="2200" dirty="0"/>
+              <a:t>N</a:t>
+            </a:r>
+            <a:r>
+              <a:rPr lang="en-US" sz="2200" dirty="0" smtClean="0"/>
+              <a:t>o </a:t>
+            </a:r>
+            <a:r>
+              <a:rPr lang="en-US" sz="2200" dirty="0" err="1" smtClean="0"/>
+              <a:t>funciona</a:t>
+            </a:r>
+            <a:r>
+              <a:rPr lang="en-US" sz="2200" dirty="0" smtClean="0"/>
+              <a:t> </a:t>
+            </a:r>
+            <a:r>
+              <a:rPr lang="en-US" sz="2200" dirty="0" err="1" smtClean="0"/>
+              <a:t>como</a:t>
+            </a:r>
+            <a:r>
+              <a:rPr lang="en-US" sz="2200" dirty="0" smtClean="0"/>
+              <a:t> en Java o </a:t>
+            </a:r>
+            <a:r>
+              <a:rPr lang="en-US" sz="2200" dirty="0" err="1" smtClean="0"/>
+              <a:t>.Net</a:t>
+            </a:r>
+            <a:r>
+              <a:rPr lang="en-US" sz="2200" dirty="0"/>
+              <a:t> </a:t>
+            </a:r>
+            <a:endParaRPr lang="en-US" sz="2200" dirty="0" smtClean="0"/>
           </a:p>
           <a:p>
             <a:pPr lvl="1"/>
-            <a:endParaRPr lang="en-US" sz="2400" dirty="0" smtClean="0"/>
+            <a:endParaRPr lang="en-US" sz="2200" dirty="0"/>
+          </a:p>
+          <a:p>
+            <a:pPr lvl="1"/>
+            <a:r>
+              <a:rPr lang="en-US" sz="2200" dirty="0" smtClean="0"/>
+              <a:t>Si el primer valor </a:t>
+            </a:r>
+            <a:r>
+              <a:rPr lang="en-US" sz="2200" dirty="0" err="1" smtClean="0"/>
+              <a:t>es</a:t>
+            </a:r>
+            <a:r>
+              <a:rPr lang="en-US" sz="2200" dirty="0" smtClean="0"/>
+              <a:t> “</a:t>
+            </a:r>
+            <a:r>
+              <a:rPr lang="en-US" sz="2200" dirty="0" err="1" smtClean="0"/>
+              <a:t>truthy</a:t>
+            </a:r>
+            <a:r>
+              <a:rPr lang="en-US" sz="2200" dirty="0" smtClean="0"/>
+              <a:t>” </a:t>
+            </a:r>
+            <a:r>
+              <a:rPr lang="en-US" sz="2200" dirty="0" smtClean="0">
+                <a:sym typeface="Wingdings"/>
+              </a:rPr>
+              <a:t> </a:t>
+            </a:r>
+            <a:r>
+              <a:rPr lang="en-US" sz="2200" dirty="0" err="1" smtClean="0"/>
+              <a:t>retorna</a:t>
+            </a:r>
+            <a:r>
+              <a:rPr lang="en-US" sz="2200" dirty="0" smtClean="0"/>
+              <a:t> el SEGUNDO</a:t>
+            </a:r>
           </a:p>
           <a:p>
             <a:pPr lvl="2"/>
             <a:r>
-              <a:rPr lang="en-US" sz="2400" dirty="0" smtClean="0"/>
-              <a:t>1 + 2 = 3</a:t>
+              <a:rPr lang="en-US" sz="2200" dirty="0"/>
+              <a:t> </a:t>
+            </a:r>
+            <a:r>
+              <a:rPr lang="en-US" sz="2200" dirty="0" smtClean="0"/>
+              <a:t>true &amp;&amp; “WTF? OMG!” </a:t>
+            </a:r>
+            <a:r>
+              <a:rPr lang="en-US" sz="2200" dirty="0" smtClean="0">
+                <a:sym typeface="Wingdings"/>
+              </a:rPr>
+              <a:t></a:t>
+            </a:r>
+            <a:r>
+              <a:rPr lang="en-US" sz="2200" dirty="0">
+                <a:sym typeface="Wingdings"/>
+              </a:rPr>
+              <a:t>“WTF? OMG!</a:t>
+            </a:r>
+            <a:r>
+              <a:rPr lang="en-US" sz="2200" dirty="0" smtClean="0">
+                <a:sym typeface="Wingdings"/>
+              </a:rPr>
+              <a:t>”</a:t>
             </a:r>
           </a:p>
           <a:p>
             <a:pPr lvl="2"/>
-            <a:endParaRPr lang="en-US" sz="2400" dirty="0" smtClean="0"/>
+            <a:r>
+              <a:rPr lang="en-US" sz="2200" dirty="0" smtClean="0">
+                <a:sym typeface="Wingdings"/>
+              </a:rPr>
+              <a:t>1 &amp;&amp; “El 1 </a:t>
+            </a:r>
+            <a:r>
+              <a:rPr lang="en-US" sz="2200" dirty="0" err="1" smtClean="0">
+                <a:sym typeface="Wingdings"/>
+              </a:rPr>
+              <a:t>es</a:t>
+            </a:r>
+            <a:r>
+              <a:rPr lang="en-US" sz="2200" dirty="0" smtClean="0">
+                <a:sym typeface="Wingdings"/>
+              </a:rPr>
+              <a:t> </a:t>
+            </a:r>
+            <a:r>
+              <a:rPr lang="en-US" sz="2200" dirty="0" err="1" smtClean="0">
+                <a:sym typeface="Wingdings"/>
+              </a:rPr>
+              <a:t>Truthy</a:t>
+            </a:r>
+            <a:r>
+              <a:rPr lang="en-US" sz="2200" dirty="0" smtClean="0">
+                <a:sym typeface="Wingdings"/>
+              </a:rPr>
+              <a:t>”  “El 1 </a:t>
+            </a:r>
+            <a:r>
+              <a:rPr lang="en-US" sz="2200" dirty="0" err="1" smtClean="0">
+                <a:sym typeface="Wingdings"/>
+              </a:rPr>
+              <a:t>es</a:t>
+            </a:r>
+            <a:r>
+              <a:rPr lang="en-US" sz="2200" dirty="0" smtClean="0">
+                <a:sym typeface="Wingdings"/>
+              </a:rPr>
+              <a:t> </a:t>
+            </a:r>
+            <a:r>
+              <a:rPr lang="en-US" sz="2200" dirty="0" err="1" smtClean="0">
+                <a:sym typeface="Wingdings"/>
+              </a:rPr>
+              <a:t>truthy</a:t>
+            </a:r>
+            <a:r>
+              <a:rPr lang="en-US" sz="2200" dirty="0" smtClean="0">
+                <a:sym typeface="Wingdings"/>
+              </a:rPr>
+              <a:t>”</a:t>
+            </a:r>
           </a:p>
           <a:p>
             <a:pPr lvl="2"/>
-            <a:r>
-              <a:rPr lang="en-US" sz="2400" dirty="0" smtClean="0"/>
+            <a:endParaRPr lang="en-US" sz="2200" dirty="0" smtClean="0">
+              <a:sym typeface="Wingdings"/>
+            </a:endParaRPr>
+          </a:p>
+          <a:p>
+            <a:pPr lvl="1"/>
+            <a:r>
+              <a:rPr lang="en-US" sz="2200" dirty="0"/>
+              <a:t>Si el primer valor </a:t>
+            </a:r>
+            <a:r>
+              <a:rPr lang="en-US" sz="2200" dirty="0" err="1"/>
+              <a:t>es</a:t>
+            </a:r>
+            <a:r>
+              <a:rPr lang="en-US" sz="2200" dirty="0"/>
+              <a:t> </a:t>
+            </a:r>
+            <a:r>
+              <a:rPr lang="en-US" sz="2200" dirty="0" smtClean="0"/>
               <a:t>“</a:t>
             </a:r>
             <a:r>
-              <a:rPr lang="en-US" sz="2400" dirty="0" err="1" smtClean="0"/>
-              <a:t>Hola</a:t>
-            </a:r>
-            <a:r>
-              <a:rPr lang="en-US" sz="2400" dirty="0" smtClean="0"/>
-              <a:t> ” + 3 = “</a:t>
-            </a:r>
-            <a:r>
-              <a:rPr lang="en-US" sz="2400" dirty="0" err="1" smtClean="0"/>
-              <a:t>Hola</a:t>
-            </a:r>
-            <a:r>
-              <a:rPr lang="en-US" sz="2400" dirty="0" smtClean="0"/>
-              <a:t> 3”</a:t>
-            </a:r>
+              <a:rPr lang="en-US" sz="2200" dirty="0" err="1" smtClean="0"/>
+              <a:t>falsy</a:t>
+            </a:r>
+            <a:r>
+              <a:rPr lang="en-US" sz="2200" dirty="0" smtClean="0"/>
+              <a:t>” </a:t>
+            </a:r>
+            <a:r>
+              <a:rPr lang="en-US" sz="2200" dirty="0">
+                <a:sym typeface="Wingdings"/>
+              </a:rPr>
+              <a:t> </a:t>
+            </a:r>
+            <a:r>
+              <a:rPr lang="en-US" sz="2200" dirty="0" err="1"/>
+              <a:t>retorna</a:t>
+            </a:r>
+            <a:r>
+              <a:rPr lang="en-US" sz="2200" dirty="0"/>
+              <a:t> el </a:t>
+            </a:r>
+            <a:r>
+              <a:rPr lang="en-US" sz="2200" dirty="0" smtClean="0"/>
+              <a:t>PRIMERO</a:t>
+            </a:r>
+            <a:endParaRPr lang="en-US" sz="2200" dirty="0" smtClean="0">
+              <a:sym typeface="Wingdings"/>
+            </a:endParaRPr>
           </a:p>
           <a:p>
             <a:pPr lvl="2"/>
-            <a:endParaRPr lang="en-US" sz="2400" dirty="0" smtClean="0"/>
+            <a:r>
+              <a:rPr lang="en-US" sz="2200" dirty="0">
+                <a:sym typeface="Wingdings"/>
+              </a:rPr>
+              <a:t> </a:t>
+            </a:r>
+            <a:r>
+              <a:rPr lang="en-US" sz="2200" dirty="0" smtClean="0">
+                <a:sym typeface="Wingdings"/>
+              </a:rPr>
+              <a:t>0 &amp;&amp; “Soy un </a:t>
+            </a:r>
+            <a:r>
+              <a:rPr lang="en-US" sz="2200" dirty="0" err="1" smtClean="0">
+                <a:sym typeface="Wingdings"/>
+              </a:rPr>
+              <a:t>éxito</a:t>
+            </a:r>
+            <a:r>
+              <a:rPr lang="en-US" sz="2200" dirty="0" smtClean="0">
+                <a:sym typeface="Wingdings"/>
+              </a:rPr>
+              <a:t>!”  0</a:t>
+            </a:r>
           </a:p>
           <a:p>
             <a:pPr lvl="2"/>
             <a:r>
-              <a:rPr lang="en-US" sz="2400" dirty="0" smtClean="0"/>
-              <a:t>“$” + 3 + 4 = “$34” </a:t>
-            </a:r>
+              <a:rPr lang="en-US" sz="2200" dirty="0">
+                <a:sym typeface="Wingdings"/>
+              </a:rPr>
+              <a:t> </a:t>
+            </a:r>
+            <a:r>
+              <a:rPr lang="en-US" sz="2200" dirty="0" smtClean="0">
+                <a:sym typeface="Wingdings"/>
+              </a:rPr>
+              <a:t>false &amp;&amp; “</a:t>
+            </a:r>
+            <a:r>
+              <a:rPr lang="en-US" sz="2200" dirty="0" err="1" smtClean="0">
+                <a:sym typeface="Wingdings"/>
+              </a:rPr>
+              <a:t>Esto</a:t>
+            </a:r>
+            <a:r>
+              <a:rPr lang="en-US" sz="2200" dirty="0" smtClean="0">
+                <a:sym typeface="Wingdings"/>
+              </a:rPr>
+              <a:t> no sale </a:t>
+            </a:r>
+            <a:r>
+              <a:rPr lang="en-US" sz="2200" dirty="0" err="1" smtClean="0">
+                <a:sym typeface="Wingdings"/>
+              </a:rPr>
+              <a:t>nunca</a:t>
+            </a:r>
+            <a:r>
+              <a:rPr lang="en-US" sz="2200" dirty="0" smtClean="0">
+                <a:sym typeface="Wingdings"/>
+              </a:rPr>
+              <a:t>”  false</a:t>
+            </a:r>
+            <a:endParaRPr lang="en-US" sz="2200" dirty="0"/>
           </a:p>
           <a:p>
             <a:pPr lvl="1"/>
-            <a:endParaRPr lang="en-US" sz="2400" dirty="0" smtClean="0">
+            <a:endParaRPr lang="en-US" sz="2200" dirty="0" smtClean="0">
               <a:sym typeface="Wingdings"/>
             </a:endParaRPr>
           </a:p>
@@ -12793,7 +12695,7 @@
     </p:spTree>
     <p:extLst>
       <p:ext uri="{BB962C8B-B14F-4D97-AF65-F5344CB8AC3E}">
-        <p14:creationId xmlns:p14="http://schemas.microsoft.com/office/powerpoint/2010/main" val="1288238061"/>
+        <p14:creationId xmlns:p14="http://schemas.microsoft.com/office/powerpoint/2010/main" val="1984724481"/>
       </p:ext>
     </p:extLst>
   </p:cSld>
@@ -12848,8 +12750,8 @@
           <a:lstStyle/>
           <a:p>
             <a:r>
-              <a:rPr lang="es-ES_tradnl" dirty="0" err="1" smtClean="0"/>
-              <a:t>Operators</a:t>
+              <a:rPr lang="es-ES_tradnl" dirty="0" smtClean="0"/>
+              <a:t>Operadores</a:t>
             </a:r>
             <a:endParaRPr lang="es-CO" dirty="0"/>
           </a:p>
@@ -12867,8 +12769,8 @@
         </p:nvSpPr>
         <p:spPr>
           <a:xfrm>
-            <a:off x="286818" y="1514051"/>
-            <a:ext cx="7577063" cy="4965436"/>
+            <a:off x="286818" y="1644291"/>
+            <a:ext cx="7577063" cy="4835195"/>
           </a:xfrm>
         </p:spPr>
         <p:txBody>
@@ -12878,313 +12780,265 @@
           <a:lstStyle/>
           <a:p>
             <a:r>
+              <a:rPr lang="en-US" sz="2400" dirty="0" smtClean="0"/>
+              <a:t>“||” (</a:t>
+            </a:r>
+            <a:r>
+              <a:rPr lang="en-US" sz="2400" dirty="0" err="1" smtClean="0"/>
+              <a:t>a.k.a</a:t>
+            </a:r>
+            <a:r>
+              <a:rPr lang="en-US" sz="2400" dirty="0" smtClean="0"/>
+              <a:t> Default Operator)</a:t>
+            </a:r>
+          </a:p>
+          <a:p>
+            <a:endParaRPr lang="en-US" sz="2400" dirty="0" smtClean="0"/>
+          </a:p>
+          <a:p>
+            <a:pPr lvl="1"/>
+            <a:r>
+              <a:rPr lang="en-US" sz="2400" dirty="0"/>
+              <a:t>No </a:t>
+            </a:r>
+            <a:r>
+              <a:rPr lang="en-US" sz="2400" dirty="0" err="1"/>
+              <a:t>funciona</a:t>
+            </a:r>
+            <a:r>
               <a:rPr lang="en-US" sz="2400" dirty="0"/>
               <a:t> </a:t>
             </a:r>
             <a:r>
+              <a:rPr lang="en-US" sz="2400" dirty="0" err="1"/>
+              <a:t>como</a:t>
+            </a:r>
+            <a:r>
+              <a:rPr lang="en-US" sz="2400" dirty="0"/>
+              <a:t> en Java o </a:t>
+            </a:r>
+            <a:r>
+              <a:rPr lang="en-US" sz="2400" dirty="0" err="1"/>
+              <a:t>.Net</a:t>
+            </a:r>
+            <a:r>
+              <a:rPr lang="en-US" sz="2400" dirty="0"/>
+              <a:t> </a:t>
+            </a:r>
+            <a:endParaRPr lang="en-US" sz="2400" dirty="0" smtClean="0"/>
+          </a:p>
+          <a:p>
+            <a:pPr lvl="1"/>
+            <a:endParaRPr lang="en-US" sz="2400" dirty="0"/>
+          </a:p>
+          <a:p>
+            <a:pPr lvl="1"/>
+            <a:r>
+              <a:rPr lang="en-US" sz="2400" dirty="0"/>
+              <a:t>Si el primer valor </a:t>
+            </a:r>
+            <a:r>
+              <a:rPr lang="en-US" sz="2400" dirty="0" err="1"/>
+              <a:t>es</a:t>
+            </a:r>
+            <a:r>
+              <a:rPr lang="en-US" sz="2400" dirty="0"/>
+              <a:t> </a:t>
+            </a:r>
+            <a:r>
+              <a:rPr lang="en-US" sz="2400" dirty="0" err="1" smtClean="0"/>
+              <a:t>Truthy</a:t>
+            </a:r>
+            <a:r>
               <a:rPr lang="en-US" sz="2400" dirty="0" smtClean="0"/>
-              <a:t>&amp;&amp; (</a:t>
+              <a:t>, </a:t>
+            </a:r>
+            <a:r>
+              <a:rPr lang="en-US" sz="2400" dirty="0" err="1"/>
+              <a:t>retorna</a:t>
+            </a:r>
+            <a:r>
+              <a:rPr lang="en-US" sz="2400" dirty="0"/>
+              <a:t> el </a:t>
+            </a:r>
+            <a:r>
+              <a:rPr lang="en-US" sz="2400" dirty="0" smtClean="0"/>
+              <a:t>PRIMERO</a:t>
+            </a:r>
+            <a:endParaRPr lang="en-US" sz="2400" dirty="0"/>
+          </a:p>
+          <a:p>
+            <a:pPr lvl="2"/>
+            <a:r>
+              <a:rPr lang="en-US" sz="2400" dirty="0"/>
+              <a:t> </a:t>
+            </a:r>
+            <a:r>
+              <a:rPr lang="en-US" sz="2400" dirty="0" smtClean="0"/>
+              <a:t>“</a:t>
             </a:r>
             <a:r>
               <a:rPr lang="en-US" sz="2400" dirty="0" err="1" smtClean="0"/>
-              <a:t>a.k.a</a:t>
+              <a:t>Por</a:t>
             </a:r>
             <a:r>
               <a:rPr lang="en-US" sz="2400" dirty="0" smtClean="0"/>
-              <a:t> Guard Operator)</a:t>
-            </a:r>
-            <a:br>
+              <a:t> </a:t>
+            </a:r>
+            <a:r>
+              <a:rPr lang="en-US" sz="2400" dirty="0" err="1" smtClean="0"/>
+              <a:t>Defecto</a:t>
+            </a:r>
+            <a:r>
               <a:rPr lang="en-US" sz="2400" dirty="0" smtClean="0"/>
-            </a:br>
-            <a:endParaRPr lang="en-US" sz="2400" dirty="0" smtClean="0"/>
-          </a:p>
-          <a:p>
-            <a:pPr lvl="1"/>
-            <a:r>
-              <a:rPr lang="en-US" sz="2200" dirty="0"/>
-              <a:t>N</a:t>
-            </a:r>
-            <a:r>
-              <a:rPr lang="en-US" sz="2200" dirty="0" smtClean="0"/>
-              <a:t>o </a:t>
-            </a:r>
-            <a:r>
-              <a:rPr lang="en-US" sz="2200" dirty="0" err="1" smtClean="0"/>
-              <a:t>funciona</a:t>
-            </a:r>
-            <a:r>
-              <a:rPr lang="en-US" sz="2200" dirty="0" smtClean="0"/>
+              <a:t>”|| “</a:t>
+            </a:r>
+            <a:r>
+              <a:rPr lang="en-US" sz="2400" dirty="0" err="1" smtClean="0"/>
+              <a:t>Otro</a:t>
+            </a:r>
+            <a:r>
+              <a:rPr lang="en-US" sz="2400" dirty="0" smtClean="0"/>
+              <a:t>” </a:t>
+            </a:r>
+            <a:r>
+              <a:rPr lang="en-US" sz="2400" dirty="0">
+                <a:sym typeface="Wingdings"/>
+              </a:rPr>
+              <a:t></a:t>
+            </a:r>
+            <a:r>
+              <a:rPr lang="en-US" sz="2400" dirty="0" smtClean="0">
+                <a:sym typeface="Wingdings"/>
+              </a:rPr>
+              <a:t>“</a:t>
+            </a:r>
+            <a:r>
+              <a:rPr lang="en-US" sz="2400" dirty="0" err="1" smtClean="0">
+                <a:sym typeface="Wingdings"/>
+              </a:rPr>
+              <a:t>Por</a:t>
+            </a:r>
+            <a:r>
+              <a:rPr lang="en-US" sz="2400" dirty="0" smtClean="0">
+                <a:sym typeface="Wingdings"/>
+              </a:rPr>
               <a:t> </a:t>
             </a:r>
             <a:r>
-              <a:rPr lang="en-US" sz="2200" dirty="0" err="1" smtClean="0"/>
-              <a:t>como</a:t>
-            </a:r>
-            <a:r>
-              <a:rPr lang="en-US" sz="2200" dirty="0" smtClean="0"/>
-              <a:t> en Java o </a:t>
-            </a:r>
-            <a:r>
-              <a:rPr lang="en-US" sz="2200" dirty="0" err="1" smtClean="0"/>
-              <a:t>.Net</a:t>
-            </a:r>
-            <a:r>
-              <a:rPr lang="en-US" sz="2200" dirty="0"/>
-              <a:t> </a:t>
-            </a:r>
-            <a:endParaRPr lang="en-US" sz="2200" dirty="0" smtClean="0"/>
-          </a:p>
-          <a:p>
-            <a:pPr lvl="1"/>
-            <a:endParaRPr lang="en-US" sz="2200" dirty="0"/>
-          </a:p>
-          <a:p>
-            <a:pPr lvl="1"/>
-            <a:r>
-              <a:rPr lang="en-US" sz="2200" dirty="0" smtClean="0"/>
-              <a:t>Si el primer valor </a:t>
-            </a:r>
-            <a:r>
-              <a:rPr lang="en-US" sz="2200" dirty="0" err="1" smtClean="0"/>
-              <a:t>es</a:t>
-            </a:r>
-            <a:r>
-              <a:rPr lang="en-US" sz="2200" dirty="0" smtClean="0"/>
-              <a:t> “</a:t>
-            </a:r>
-            <a:r>
-              <a:rPr lang="en-US" sz="2200" dirty="0" err="1" smtClean="0"/>
-              <a:t>truthy</a:t>
-            </a:r>
-            <a:r>
-              <a:rPr lang="en-US" sz="2200" dirty="0" smtClean="0"/>
-              <a:t>” </a:t>
-            </a:r>
-            <a:r>
-              <a:rPr lang="en-US" sz="2200" dirty="0" smtClean="0">
-                <a:sym typeface="Wingdings"/>
-              </a:rPr>
-              <a:t> </a:t>
-            </a:r>
-            <a:r>
-              <a:rPr lang="en-US" sz="2200" dirty="0" err="1" smtClean="0"/>
-              <a:t>retorna</a:t>
-            </a:r>
-            <a:r>
-              <a:rPr lang="en-US" sz="2200" dirty="0" smtClean="0"/>
-              <a:t> el SEGUNDO</a:t>
+              <a:rPr lang="en-US" sz="2400" dirty="0" err="1" smtClean="0">
+                <a:sym typeface="Wingdings"/>
+              </a:rPr>
+              <a:t>Defecto</a:t>
+            </a:r>
+            <a:r>
+              <a:rPr lang="en-US" sz="2400" dirty="0" smtClean="0">
+                <a:sym typeface="Wingdings"/>
+              </a:rPr>
+              <a:t>”</a:t>
             </a:r>
           </a:p>
           <a:p>
             <a:pPr lvl="2"/>
-            <a:r>
-              <a:rPr lang="en-US" sz="2200" dirty="0"/>
-              <a:t> </a:t>
-            </a:r>
-            <a:r>
-              <a:rPr lang="en-US" sz="2200" dirty="0" smtClean="0"/>
-              <a:t>true &amp;&amp; “WTF? OMG!” </a:t>
-            </a:r>
-            <a:r>
-              <a:rPr lang="en-US" sz="2200" dirty="0" smtClean="0">
-                <a:sym typeface="Wingdings"/>
-              </a:rPr>
-              <a:t></a:t>
-            </a:r>
-            <a:r>
-              <a:rPr lang="en-US" sz="2200" dirty="0">
-                <a:sym typeface="Wingdings"/>
-              </a:rPr>
-              <a:t>“WTF? OMG!</a:t>
-            </a:r>
-            <a:r>
-              <a:rPr lang="en-US" sz="2200" dirty="0" smtClean="0">
-                <a:sym typeface="Wingdings"/>
-              </a:rPr>
-              <a:t>”</a:t>
-            </a:r>
-          </a:p>
-          <a:p>
-            <a:pPr lvl="2"/>
-            <a:r>
-              <a:rPr lang="en-US" sz="2200" dirty="0" smtClean="0">
-                <a:sym typeface="Wingdings"/>
-              </a:rPr>
-              <a:t>1 &amp;&amp; “El 1 </a:t>
-            </a:r>
-            <a:r>
-              <a:rPr lang="en-US" sz="2200" dirty="0" err="1" smtClean="0">
-                <a:sym typeface="Wingdings"/>
-              </a:rPr>
-              <a:t>es</a:t>
-            </a:r>
-            <a:r>
-              <a:rPr lang="en-US" sz="2200" dirty="0" smtClean="0">
-                <a:sym typeface="Wingdings"/>
-              </a:rPr>
-              <a:t> </a:t>
-            </a:r>
-            <a:r>
-              <a:rPr lang="en-US" sz="2200" dirty="0" err="1" smtClean="0">
-                <a:sym typeface="Wingdings"/>
-              </a:rPr>
-              <a:t>Truthy</a:t>
-            </a:r>
-            <a:r>
-              <a:rPr lang="en-US" sz="2200" dirty="0" smtClean="0">
-                <a:sym typeface="Wingdings"/>
-              </a:rPr>
-              <a:t>”  “El 1 </a:t>
-            </a:r>
-            <a:r>
-              <a:rPr lang="en-US" sz="2200" dirty="0" err="1" smtClean="0">
-                <a:sym typeface="Wingdings"/>
-              </a:rPr>
-              <a:t>es</a:t>
-            </a:r>
-            <a:r>
-              <a:rPr lang="en-US" sz="2200" dirty="0" smtClean="0">
-                <a:sym typeface="Wingdings"/>
-              </a:rPr>
-              <a:t> </a:t>
-            </a:r>
-            <a:r>
-              <a:rPr lang="en-US" sz="2200" dirty="0" err="1" smtClean="0">
-                <a:sym typeface="Wingdings"/>
-              </a:rPr>
-              <a:t>truthy</a:t>
-            </a:r>
-            <a:r>
-              <a:rPr lang="en-US" sz="2200" dirty="0" smtClean="0">
-                <a:sym typeface="Wingdings"/>
-              </a:rPr>
-              <a:t>”</a:t>
-            </a:r>
-          </a:p>
-          <a:p>
-            <a:pPr lvl="2"/>
-            <a:endParaRPr lang="en-US" sz="2200" dirty="0" smtClean="0">
+            <a:endParaRPr lang="en-US" sz="2400" dirty="0">
               <a:sym typeface="Wingdings"/>
             </a:endParaRPr>
           </a:p>
           <a:p>
             <a:pPr lvl="1"/>
             <a:r>
-              <a:rPr lang="en-US" sz="2200" dirty="0"/>
+              <a:rPr lang="en-US" sz="2400" dirty="0" smtClean="0">
+                <a:sym typeface="Wingdings"/>
+              </a:rPr>
               <a:t>Si el primer valor </a:t>
             </a:r>
             <a:r>
-              <a:rPr lang="en-US" sz="2200" dirty="0" err="1"/>
+              <a:rPr lang="en-US" sz="2400" dirty="0" err="1" smtClean="0">
+                <a:sym typeface="Wingdings"/>
+              </a:rPr>
               <a:t>es</a:t>
             </a:r>
             <a:r>
-              <a:rPr lang="en-US" sz="2200" dirty="0"/>
+              <a:rPr lang="en-US" sz="2400" dirty="0" smtClean="0">
+                <a:sym typeface="Wingdings"/>
+              </a:rPr>
               <a:t> </a:t>
             </a:r>
             <a:r>
-              <a:rPr lang="en-US" sz="2200" dirty="0" smtClean="0"/>
-              <a:t>“</a:t>
-            </a:r>
-            <a:r>
-              <a:rPr lang="en-US" sz="2200" dirty="0" err="1" smtClean="0"/>
-              <a:t>falsy</a:t>
-            </a:r>
-            <a:r>
-              <a:rPr lang="en-US" sz="2200" dirty="0" smtClean="0"/>
-              <a:t>” </a:t>
-            </a:r>
-            <a:r>
-              <a:rPr lang="en-US" sz="2200" dirty="0">
-                <a:sym typeface="Wingdings"/>
-              </a:rPr>
-              <a:t> </a:t>
-            </a:r>
-            <a:r>
-              <a:rPr lang="en-US" sz="2200" dirty="0" err="1"/>
+              <a:rPr lang="en-US" sz="2400" dirty="0" err="1" smtClean="0">
+                <a:sym typeface="Wingdings"/>
+              </a:rPr>
+              <a:t>Falsy</a:t>
+            </a:r>
+            <a:r>
+              <a:rPr lang="en-US" sz="2400" dirty="0" smtClean="0">
+                <a:sym typeface="Wingdings"/>
+              </a:rPr>
+              <a:t>, </a:t>
+            </a:r>
+            <a:r>
+              <a:rPr lang="en-US" sz="2400" dirty="0" err="1" smtClean="0">
+                <a:sym typeface="Wingdings"/>
+              </a:rPr>
               <a:t>retorna</a:t>
             </a:r>
             <a:r>
-              <a:rPr lang="en-US" sz="2200" dirty="0"/>
-              <a:t> el </a:t>
-            </a:r>
-            <a:r>
-              <a:rPr lang="en-US" sz="2200" dirty="0" smtClean="0"/>
-              <a:t>PRIMERO</a:t>
-            </a:r>
-            <a:endParaRPr lang="en-US" sz="2200" dirty="0" smtClean="0">
+              <a:rPr lang="en-US" sz="2400" dirty="0" smtClean="0">
+                <a:sym typeface="Wingdings"/>
+              </a:rPr>
+              <a:t> el SEGUNDO</a:t>
+            </a:r>
+          </a:p>
+          <a:p>
+            <a:pPr lvl="2"/>
+            <a:r>
+              <a:rPr lang="en-US" sz="2400" dirty="0">
+                <a:sym typeface="Wingdings"/>
+              </a:rPr>
+              <a:t> </a:t>
+            </a:r>
+            <a:r>
+              <a:rPr lang="en-US" sz="2400" dirty="0" smtClean="0">
+                <a:sym typeface="Wingdings"/>
+              </a:rPr>
+              <a:t>null || “</a:t>
+            </a:r>
+            <a:r>
+              <a:rPr lang="en-US" sz="2400" dirty="0" err="1" smtClean="0">
+                <a:sym typeface="Wingdings"/>
+              </a:rPr>
+              <a:t>Otro</a:t>
+            </a:r>
+            <a:r>
+              <a:rPr lang="en-US" sz="2400" dirty="0" smtClean="0">
+                <a:sym typeface="Wingdings"/>
+              </a:rPr>
+              <a:t> Valor”  “</a:t>
+            </a:r>
+            <a:r>
+              <a:rPr lang="en-US" sz="2400" dirty="0" err="1" smtClean="0">
+                <a:sym typeface="Wingdings"/>
+              </a:rPr>
+              <a:t>Otro</a:t>
+            </a:r>
+            <a:r>
+              <a:rPr lang="en-US" sz="2400" dirty="0" smtClean="0">
+                <a:sym typeface="Wingdings"/>
+              </a:rPr>
+              <a:t> Valor”</a:t>
+            </a:r>
+          </a:p>
+          <a:p>
+            <a:pPr lvl="2"/>
+            <a:endParaRPr lang="en-US" sz="2400" dirty="0">
               <a:sym typeface="Wingdings"/>
             </a:endParaRPr>
           </a:p>
           <a:p>
-            <a:pPr lvl="2"/>
-            <a:r>
-              <a:rPr lang="en-US" sz="2200" dirty="0">
-                <a:sym typeface="Wingdings"/>
-              </a:rPr>
-              <a:t> </a:t>
-            </a:r>
-            <a:r>
-              <a:rPr lang="en-US" sz="2200" dirty="0" smtClean="0">
-                <a:sym typeface="Wingdings"/>
-              </a:rPr>
-              <a:t>0 &amp;&amp; “Soy un </a:t>
-            </a:r>
-            <a:r>
-              <a:rPr lang="en-US" sz="2200" dirty="0" err="1" smtClean="0">
-                <a:sym typeface="Wingdings"/>
-              </a:rPr>
-              <a:t>éxito</a:t>
-            </a:r>
-            <a:r>
-              <a:rPr lang="en-US" sz="2200" dirty="0" smtClean="0">
-                <a:sym typeface="Wingdings"/>
-              </a:rPr>
-              <a:t>!”  0</a:t>
-            </a:r>
-          </a:p>
-          <a:p>
-            <a:pPr lvl="2"/>
-            <a:r>
-              <a:rPr lang="en-US" sz="2200" dirty="0">
-                <a:sym typeface="Wingdings"/>
-              </a:rPr>
-              <a:t> </a:t>
-            </a:r>
-            <a:r>
-              <a:rPr lang="en-US" sz="2200" dirty="0" smtClean="0">
-                <a:sym typeface="Wingdings"/>
-              </a:rPr>
-              <a:t>false &amp;&amp; “</a:t>
-            </a:r>
-            <a:r>
-              <a:rPr lang="en-US" sz="2200" dirty="0" err="1" smtClean="0">
-                <a:sym typeface="Wingdings"/>
-              </a:rPr>
-              <a:t>Esto</a:t>
-            </a:r>
-            <a:r>
-              <a:rPr lang="en-US" sz="2200" dirty="0" smtClean="0">
-                <a:sym typeface="Wingdings"/>
-              </a:rPr>
-              <a:t> no sale </a:t>
-            </a:r>
-            <a:r>
-              <a:rPr lang="en-US" sz="2200" dirty="0" err="1" smtClean="0">
-                <a:sym typeface="Wingdings"/>
-              </a:rPr>
-              <a:t>nunca</a:t>
-            </a:r>
-            <a:r>
-              <a:rPr lang="en-US" sz="2200" dirty="0" smtClean="0">
-                <a:sym typeface="Wingdings"/>
-              </a:rPr>
-              <a:t>”  false</a:t>
-            </a:r>
-            <a:endParaRPr lang="en-US" sz="2200" dirty="0"/>
-          </a:p>
-          <a:p>
-            <a:pPr lvl="1"/>
-            <a:endParaRPr lang="en-US" sz="2200" dirty="0" smtClean="0">
+            <a:pPr marL="228600" lvl="1" indent="0">
+              <a:buNone/>
+            </a:pPr>
+            <a:endParaRPr lang="en-US" sz="2400" dirty="0" smtClean="0">
               <a:sym typeface="Wingdings"/>
             </a:endParaRPr>
           </a:p>
@@ -13193,7 +13047,7 @@
     </p:spTree>
     <p:extLst>
       <p:ext uri="{BB962C8B-B14F-4D97-AF65-F5344CB8AC3E}">
-        <p14:creationId xmlns:p14="http://schemas.microsoft.com/office/powerpoint/2010/main" val="1984724481"/>
+        <p14:creationId xmlns:p14="http://schemas.microsoft.com/office/powerpoint/2010/main" val="3241468309"/>
       </p:ext>
     </p:extLst>
   </p:cSld>
@@ -13248,8 +13102,20 @@
           <a:lstStyle/>
           <a:p>
             <a:r>
+              <a:rPr lang="es-ES_tradnl" dirty="0" err="1" smtClean="0"/>
+              <a:t>Type</a:t>
+            </a:r>
+            <a:r>
               <a:rPr lang="es-ES_tradnl" dirty="0" smtClean="0"/>
-              <a:t>Operadores</a:t>
+              <a:t> </a:t>
+            </a:r>
+            <a:r>
+              <a:rPr lang="es-ES_tradnl" dirty="0" err="1" smtClean="0"/>
+              <a:t>Coercion</a:t>
+            </a:r>
+            <a:r>
+              <a:rPr lang="es-ES_tradnl" dirty="0" smtClean="0"/>
+              <a:t> == vs ===</a:t>
             </a:r>
             <a:endParaRPr lang="es-CO" dirty="0"/>
           </a:p>
@@ -13267,276 +13133,367 @@
         </p:nvSpPr>
         <p:spPr>
           <a:xfrm>
-            <a:off x="286818" y="1644291"/>
-            <a:ext cx="7577063" cy="4835195"/>
+            <a:off x="286818" y="1399865"/>
+            <a:ext cx="7577063" cy="5079622"/>
           </a:xfrm>
         </p:spPr>
         <p:txBody>
           <a:bodyPr numCol="1">
-            <a:normAutofit/>
+            <a:normAutofit lnSpcReduction="10000"/>
           </a:bodyPr>
           <a:lstStyle/>
           <a:p>
             <a:r>
-              <a:rPr lang="en-US" sz="2400" dirty="0" smtClean="0"/>
-              <a:t>“||” (</a:t>
-            </a:r>
-            <a:r>
-              <a:rPr lang="en-US" sz="2400" dirty="0" err="1" smtClean="0"/>
-              <a:t>a.k.a</a:t>
-            </a:r>
-            <a:r>
-              <a:rPr lang="en-US" sz="2400" dirty="0" smtClean="0"/>
-              <a:t> Default Operator)</a:t>
-            </a:r>
-          </a:p>
-          <a:p>
-            <a:endParaRPr lang="en-US" sz="2400" dirty="0" smtClean="0"/>
+              <a:rPr lang="en-US" sz="2400" dirty="0" smtClean="0">
+                <a:sym typeface="Wingdings"/>
+              </a:rPr>
+              <a:t> </a:t>
+            </a:r>
+            <a:r>
+              <a:rPr lang="en-US" sz="2400" dirty="0" err="1" smtClean="0">
+                <a:sym typeface="Wingdings"/>
+              </a:rPr>
+              <a:t>Cuando</a:t>
+            </a:r>
+            <a:r>
+              <a:rPr lang="en-US" sz="2400" dirty="0" smtClean="0">
+                <a:sym typeface="Wingdings"/>
+              </a:rPr>
+              <a:t> se </a:t>
+            </a:r>
+            <a:r>
+              <a:rPr lang="en-US" sz="2400" dirty="0" err="1" smtClean="0">
+                <a:sym typeface="Wingdings"/>
+              </a:rPr>
+              <a:t>usa</a:t>
+            </a:r>
+            <a:r>
+              <a:rPr lang="en-US" sz="2400" dirty="0" smtClean="0">
+                <a:sym typeface="Wingdings"/>
+              </a:rPr>
+              <a:t> == </a:t>
+            </a:r>
           </a:p>
           <a:p>
             <a:pPr lvl="1"/>
             <a:r>
-              <a:rPr lang="en-US" sz="2400" dirty="0"/>
-              <a:t>No </a:t>
-            </a:r>
-            <a:r>
-              <a:rPr lang="en-US" sz="2400" dirty="0" err="1"/>
-              <a:t>funciona</a:t>
-            </a:r>
-            <a:r>
-              <a:rPr lang="en-US" sz="2400" dirty="0"/>
+              <a:rPr lang="en-US" sz="2200" dirty="0" smtClean="0">
+                <a:sym typeface="Wingdings"/>
+              </a:rPr>
+              <a:t>Uno de los </a:t>
+            </a:r>
+            <a:r>
+              <a:rPr lang="en-US" sz="2200" dirty="0" err="1" smtClean="0">
+                <a:sym typeface="Wingdings"/>
+              </a:rPr>
+              <a:t>valores</a:t>
+            </a:r>
+            <a:r>
+              <a:rPr lang="en-US" sz="2200" dirty="0" smtClean="0">
+                <a:sym typeface="Wingdings"/>
+              </a:rPr>
               <a:t> </a:t>
             </a:r>
             <a:r>
-              <a:rPr lang="en-US" sz="2400" dirty="0" err="1"/>
-              <a:t>como</a:t>
-            </a:r>
-            <a:r>
-              <a:rPr lang="en-US" sz="2400" dirty="0"/>
-              <a:t> en Java o </a:t>
-            </a:r>
-            <a:r>
-              <a:rPr lang="en-US" sz="2400" dirty="0" err="1"/>
-              <a:t>.Net</a:t>
-            </a:r>
-            <a:r>
-              <a:rPr lang="en-US" sz="2400" dirty="0"/>
+              <a:rPr lang="en-US" sz="2200" dirty="0" err="1" smtClean="0">
+                <a:sym typeface="Wingdings"/>
+              </a:rPr>
+              <a:t>es</a:t>
+            </a:r>
+            <a:r>
+              <a:rPr lang="en-US" sz="2200" dirty="0" smtClean="0">
+                <a:sym typeface="Wingdings"/>
+              </a:rPr>
               <a:t> </a:t>
             </a:r>
-            <a:endParaRPr lang="en-US" sz="2400" dirty="0" smtClean="0"/>
-          </a:p>
-          <a:p>
-            <a:pPr lvl="1"/>
-            <a:endParaRPr lang="en-US" sz="2400" dirty="0"/>
-          </a:p>
-          <a:p>
-            <a:pPr lvl="1"/>
-            <a:r>
-              <a:rPr lang="en-US" sz="2400" dirty="0"/>
-              <a:t>Si el primer valor </a:t>
-            </a:r>
-            <a:r>
-              <a:rPr lang="en-US" sz="2400" dirty="0" err="1"/>
-              <a:t>es</a:t>
-            </a:r>
-            <a:r>
-              <a:rPr lang="en-US" sz="2400" dirty="0"/>
+            <a:r>
+              <a:rPr lang="en-US" sz="2200" dirty="0" err="1" smtClean="0">
+                <a:sym typeface="Wingdings"/>
+              </a:rPr>
+              <a:t>previamente</a:t>
+            </a:r>
+            <a:r>
+              <a:rPr lang="en-US" sz="2200" dirty="0" smtClean="0">
+                <a:sym typeface="Wingdings"/>
+              </a:rPr>
               <a:t> </a:t>
             </a:r>
             <a:r>
-              <a:rPr lang="en-US" sz="2400" dirty="0" err="1" smtClean="0"/>
-              <a:t>Truthy</a:t>
-            </a:r>
-            <a:r>
-              <a:rPr lang="en-US" sz="2400" dirty="0" smtClean="0"/>
-              <a:t>, </a:t>
-            </a:r>
-            <a:r>
-              <a:rPr lang="en-US" sz="2400" dirty="0" err="1"/>
-              <a:t>retorna</a:t>
-            </a:r>
-            <a:r>
-              <a:rPr lang="en-US" sz="2400" dirty="0"/>
-              <a:t> el </a:t>
-            </a:r>
-            <a:r>
-              <a:rPr lang="en-US" sz="2400" dirty="0" smtClean="0"/>
-              <a:t>PRIMERO</a:t>
-            </a:r>
-            <a:endParaRPr lang="en-US" sz="2400" dirty="0"/>
-          </a:p>
-          <a:p>
-            <a:pPr lvl="2"/>
-            <a:r>
-              <a:rPr lang="en-US" sz="2400" dirty="0"/>
-              <a:t> </a:t>
-            </a:r>
-            <a:r>
-              <a:rPr lang="en-US" sz="2400" dirty="0" smtClean="0"/>
-              <a:t>“</a:t>
-            </a:r>
-            <a:r>
-              <a:rPr lang="en-US" sz="2400" dirty="0" err="1" smtClean="0"/>
-              <a:t>Por</a:t>
-            </a:r>
-            <a:r>
-              <a:rPr lang="en-US" sz="2400" dirty="0" smtClean="0"/>
-              <a:t> </a:t>
-            </a:r>
-            <a:r>
-              <a:rPr lang="en-US" sz="2400" dirty="0" err="1" smtClean="0"/>
-              <a:t>Defecto</a:t>
-            </a:r>
-            <a:r>
-              <a:rPr lang="en-US" sz="2400" dirty="0" smtClean="0"/>
-              <a:t>”|| “</a:t>
-            </a:r>
-            <a:r>
-              <a:rPr lang="en-US" sz="2400" dirty="0" err="1" smtClean="0"/>
-              <a:t>Otro</a:t>
-            </a:r>
-            <a:r>
-              <a:rPr lang="en-US" sz="2400" dirty="0" smtClean="0"/>
-              <a:t>” </a:t>
-            </a:r>
-            <a:r>
-              <a:rPr lang="en-US" sz="2400" dirty="0">
-                <a:sym typeface="Wingdings"/>
-              </a:rPr>
-              <a:t></a:t>
-            </a:r>
-            <a:r>
-              <a:rPr lang="en-US" sz="2400" dirty="0" smtClean="0">
-                <a:sym typeface="Wingdings"/>
-              </a:rPr>
-              <a:t>“</a:t>
-            </a:r>
-            <a:r>
-              <a:rPr lang="en-US" sz="2400" dirty="0" err="1" smtClean="0">
-                <a:sym typeface="Wingdings"/>
-              </a:rPr>
-              <a:t>Por</a:t>
-            </a:r>
-            <a:r>
-              <a:rPr lang="en-US" sz="2400" dirty="0" smtClean="0">
-                <a:sym typeface="Wingdings"/>
-              </a:rPr>
-              <a:t> </a:t>
-            </a:r>
-            <a:r>
-              <a:rPr lang="en-US" sz="2400" dirty="0" err="1" smtClean="0">
-                <a:sym typeface="Wingdings"/>
-              </a:rPr>
-              <a:t>Defecto</a:t>
-            </a:r>
-            <a:r>
-              <a:rPr lang="en-US" sz="2400" dirty="0" smtClean="0">
-                <a:sym typeface="Wingdings"/>
-              </a:rPr>
-              <a:t>”</a:t>
-            </a:r>
-          </a:p>
-          <a:p>
-            <a:pPr lvl="2"/>
-            <a:endParaRPr lang="en-US" sz="2400" dirty="0">
+              <a:rPr lang="en-US" sz="2200" dirty="0" err="1" smtClean="0">
+                <a:sym typeface="Wingdings"/>
+              </a:rPr>
+              <a:t>convertido</a:t>
+            </a:r>
+            <a:r>
+              <a:rPr lang="en-US" sz="2200" dirty="0" smtClean="0">
+                <a:sym typeface="Wingdings"/>
+              </a:rPr>
+              <a:t> antes de la </a:t>
+            </a:r>
+            <a:r>
+              <a:rPr lang="en-US" sz="2200" dirty="0" err="1" smtClean="0">
+                <a:sym typeface="Wingdings"/>
+              </a:rPr>
+              <a:t>comparación</a:t>
+            </a:r>
+            <a:endParaRPr lang="en-US" sz="2200" dirty="0" smtClean="0">
               <a:sym typeface="Wingdings"/>
             </a:endParaRPr>
           </a:p>
           <a:p>
             <a:pPr lvl="1"/>
-            <a:r>
-              <a:rPr lang="en-US" sz="2400" dirty="0" smtClean="0">
-                <a:sym typeface="Wingdings"/>
-              </a:rPr>
-              <a:t>Si el primer valor </a:t>
-            </a:r>
-            <a:r>
-              <a:rPr lang="en-US" sz="2400" dirty="0" err="1" smtClean="0">
-                <a:sym typeface="Wingdings"/>
-              </a:rPr>
-              <a:t>es</a:t>
-            </a:r>
-            <a:r>
-              <a:rPr lang="en-US" sz="2400" dirty="0" smtClean="0">
-                <a:sym typeface="Wingdings"/>
-              </a:rPr>
-              <a:t> </a:t>
-            </a:r>
-            <a:r>
-              <a:rPr lang="en-US" sz="2400" dirty="0" err="1" smtClean="0">
-                <a:sym typeface="Wingdings"/>
-              </a:rPr>
-              <a:t>Falsy</a:t>
-            </a:r>
-            <a:r>
-              <a:rPr lang="en-US" sz="2400" dirty="0" smtClean="0">
-                <a:sym typeface="Wingdings"/>
-              </a:rPr>
-              <a:t>, </a:t>
-            </a:r>
-            <a:r>
-              <a:rPr lang="en-US" sz="2400" dirty="0" err="1" smtClean="0">
-                <a:sym typeface="Wingdings"/>
-              </a:rPr>
-              <a:t>retorna</a:t>
-            </a:r>
-            <a:r>
-              <a:rPr lang="en-US" sz="2400" dirty="0" smtClean="0">
-                <a:sym typeface="Wingdings"/>
-              </a:rPr>
-              <a:t> el SEGUNDO</a:t>
-            </a:r>
-          </a:p>
-          <a:p>
-            <a:pPr lvl="2"/>
-            <a:r>
-              <a:rPr lang="en-US" sz="2400" dirty="0">
-                <a:sym typeface="Wingdings"/>
-              </a:rPr>
-              <a:t> </a:t>
-            </a:r>
-            <a:r>
-              <a:rPr lang="en-US" sz="2400" dirty="0" smtClean="0">
-                <a:sym typeface="Wingdings"/>
-              </a:rPr>
-              <a:t>null || “</a:t>
-            </a:r>
-            <a:r>
-              <a:rPr lang="en-US" sz="2400" dirty="0" err="1" smtClean="0">
-                <a:sym typeface="Wingdings"/>
-              </a:rPr>
-              <a:t>Otro</a:t>
-            </a:r>
-            <a:r>
-              <a:rPr lang="en-US" sz="2400" dirty="0" smtClean="0">
-                <a:sym typeface="Wingdings"/>
-              </a:rPr>
-              <a:t> Valor”  “</a:t>
-            </a:r>
-            <a:r>
-              <a:rPr lang="en-US" sz="2400" dirty="0" err="1" smtClean="0">
-                <a:sym typeface="Wingdings"/>
-              </a:rPr>
-              <a:t>Otro</a:t>
-            </a:r>
-            <a:r>
-              <a:rPr lang="en-US" sz="2400" dirty="0" smtClean="0">
-                <a:sym typeface="Wingdings"/>
-              </a:rPr>
-              <a:t> Valor”</a:t>
-            </a:r>
-          </a:p>
-          <a:p>
-            <a:pPr lvl="2"/>
-            <a:endParaRPr lang="en-US" sz="2400" dirty="0">
+            <a:endParaRPr lang="en-US" sz="2200" dirty="0" smtClean="0">
               <a:sym typeface="Wingdings"/>
             </a:endParaRPr>
+          </a:p>
+          <a:p>
+            <a:pPr lvl="1"/>
+            <a:r>
+              <a:rPr lang="en-US" sz="2200" dirty="0" smtClean="0">
+                <a:sym typeface="Wingdings"/>
+              </a:rPr>
+              <a:t>Hay </a:t>
+            </a:r>
+            <a:r>
+              <a:rPr lang="en-US" sz="2200" dirty="0" err="1" smtClean="0">
+                <a:sym typeface="Wingdings"/>
+              </a:rPr>
+              <a:t>reglas</a:t>
+            </a:r>
+            <a:r>
+              <a:rPr lang="en-US" sz="2200" dirty="0" smtClean="0">
+                <a:sym typeface="Wingdings"/>
+              </a:rPr>
+              <a:t> </a:t>
+            </a:r>
+            <a:r>
+              <a:rPr lang="en-US" sz="2200" dirty="0" err="1" smtClean="0">
+                <a:sym typeface="Wingdings"/>
+              </a:rPr>
+              <a:t>para</a:t>
+            </a:r>
+            <a:r>
+              <a:rPr lang="en-US" sz="2200" dirty="0" smtClean="0">
+                <a:sym typeface="Wingdings"/>
+              </a:rPr>
+              <a:t> la </a:t>
+            </a:r>
+            <a:r>
+              <a:rPr lang="en-US" sz="2200" dirty="0" err="1" smtClean="0">
+                <a:sym typeface="Wingdings"/>
+              </a:rPr>
+              <a:t>conversión</a:t>
+            </a:r>
+            <a:r>
+              <a:rPr lang="en-US" sz="2200" dirty="0" smtClean="0">
+                <a:sym typeface="Wingdings"/>
+              </a:rPr>
+              <a:t>, la </a:t>
+            </a:r>
+            <a:r>
+              <a:rPr lang="en-US" sz="2200" dirty="0" err="1" smtClean="0">
+                <a:sym typeface="Wingdings"/>
+              </a:rPr>
+              <a:t>mayoría</a:t>
+            </a:r>
+            <a:r>
+              <a:rPr lang="en-US" sz="2200" dirty="0" smtClean="0">
+                <a:sym typeface="Wingdings"/>
+              </a:rPr>
+              <a:t> </a:t>
+            </a:r>
+            <a:r>
+              <a:rPr lang="en-US" sz="2200" dirty="0" err="1" smtClean="0">
+                <a:sym typeface="Wingdings"/>
+              </a:rPr>
+              <a:t>convierte</a:t>
+            </a:r>
+            <a:r>
+              <a:rPr lang="en-US" sz="2200" dirty="0" smtClean="0">
+                <a:sym typeface="Wingdings"/>
+              </a:rPr>
+              <a:t> a </a:t>
+            </a:r>
+            <a:r>
+              <a:rPr lang="en-US" sz="2200" dirty="0" err="1" smtClean="0">
+                <a:sym typeface="Wingdings"/>
+              </a:rPr>
+              <a:t>número</a:t>
+            </a:r>
+            <a:r>
+              <a:rPr lang="en-US" sz="2200" dirty="0" smtClean="0">
+                <a:sym typeface="Wingdings"/>
+              </a:rPr>
+              <a:t> </a:t>
+            </a:r>
+            <a:r>
+              <a:rPr lang="en-US" sz="2200" dirty="0" err="1" smtClean="0">
+                <a:sym typeface="Wingdings"/>
+              </a:rPr>
+              <a:t>uno</a:t>
+            </a:r>
+            <a:r>
+              <a:rPr lang="en-US" sz="2200" dirty="0" smtClean="0">
+                <a:sym typeface="Wingdings"/>
+              </a:rPr>
+              <a:t> de los </a:t>
+            </a:r>
+            <a:r>
+              <a:rPr lang="en-US" sz="2200" dirty="0" err="1" smtClean="0">
+                <a:sym typeface="Wingdings"/>
+              </a:rPr>
+              <a:t>valores</a:t>
+            </a:r>
+            <a:r>
+              <a:rPr lang="en-US" sz="2200" dirty="0" smtClean="0">
+                <a:sym typeface="Wingdings"/>
+              </a:rPr>
+              <a:t> con </a:t>
+            </a:r>
+            <a:r>
+              <a:rPr lang="en-US" sz="2200" dirty="0" err="1" smtClean="0">
+                <a:sym typeface="Wingdings"/>
+              </a:rPr>
+              <a:t>toNumber</a:t>
+            </a:r>
+            <a:r>
+              <a:rPr lang="en-US" sz="2200" dirty="0" smtClean="0">
+                <a:sym typeface="Wingdings"/>
+              </a:rPr>
+              <a:t>()</a:t>
+            </a:r>
           </a:p>
           <a:p>
             <a:pPr marL="228600" lvl="1" indent="0">
               <a:buNone/>
             </a:pPr>
-            <a:endParaRPr lang="en-US" sz="2400" dirty="0" smtClean="0">
+            <a:endParaRPr lang="en-US" sz="2200" dirty="0" smtClean="0">
+              <a:sym typeface="Wingdings"/>
+            </a:endParaRPr>
+          </a:p>
+          <a:p>
+            <a:pPr lvl="2"/>
+            <a:r>
+              <a:rPr lang="en-US" sz="2200" dirty="0" smtClean="0">
+                <a:sym typeface="Wingdings"/>
+              </a:rPr>
+              <a:t>1 == true  true</a:t>
+            </a:r>
+          </a:p>
+          <a:p>
+            <a:pPr lvl="2"/>
+            <a:r>
+              <a:rPr lang="en-US" sz="2200" dirty="0" smtClean="0">
+                <a:sym typeface="Wingdings"/>
+              </a:rPr>
+              <a:t> “0.1” == 0.1  true</a:t>
+            </a:r>
+          </a:p>
+          <a:p>
+            <a:pPr lvl="2"/>
+            <a:r>
+              <a:rPr lang="en-US" sz="2200" dirty="0">
+                <a:sym typeface="Wingdings"/>
+              </a:rPr>
+              <a:t> </a:t>
+            </a:r>
+            <a:r>
+              <a:rPr lang="en-US" sz="2200" dirty="0" smtClean="0">
+                <a:sym typeface="Wingdings"/>
+              </a:rPr>
+              <a:t>“</a:t>
+            </a:r>
+            <a:r>
+              <a:rPr lang="en-US" sz="2200" dirty="0" err="1" smtClean="0">
+                <a:sym typeface="Wingdings"/>
+              </a:rPr>
+              <a:t>hola</a:t>
+            </a:r>
+            <a:r>
+              <a:rPr lang="en-US" sz="2200" dirty="0" smtClean="0">
+                <a:sym typeface="Wingdings"/>
+              </a:rPr>
+              <a:t> </a:t>
+            </a:r>
+            <a:r>
+              <a:rPr lang="en-US" sz="2200" dirty="0" err="1" smtClean="0">
+                <a:sym typeface="Wingdings"/>
+              </a:rPr>
+              <a:t>mundo</a:t>
+            </a:r>
+            <a:r>
+              <a:rPr lang="en-US" sz="2200" dirty="0" smtClean="0">
+                <a:sym typeface="Wingdings"/>
+              </a:rPr>
+              <a:t>” == [“</a:t>
+            </a:r>
+            <a:r>
+              <a:rPr lang="en-US" sz="2200" dirty="0" err="1" smtClean="0">
+                <a:sym typeface="Wingdings"/>
+              </a:rPr>
+              <a:t>hola</a:t>
+            </a:r>
+            <a:r>
+              <a:rPr lang="en-US" sz="2200" dirty="0" smtClean="0">
+                <a:sym typeface="Wingdings"/>
+              </a:rPr>
+              <a:t> </a:t>
+            </a:r>
+            <a:r>
+              <a:rPr lang="en-US" sz="2200" dirty="0" err="1" smtClean="0">
+                <a:sym typeface="Wingdings"/>
+              </a:rPr>
+              <a:t>mundo</a:t>
+            </a:r>
+            <a:r>
+              <a:rPr lang="en-US" sz="2200" dirty="0" smtClean="0">
+                <a:sym typeface="Wingdings"/>
+              </a:rPr>
+              <a:t>”]  true</a:t>
+            </a:r>
+          </a:p>
+          <a:p>
+            <a:pPr lvl="2"/>
+            <a:r>
+              <a:rPr lang="en-US" sz="2200" dirty="0" smtClean="0">
+                <a:sym typeface="Wingdings"/>
+              </a:rPr>
+              <a:t>null == null  true</a:t>
+            </a:r>
+          </a:p>
+          <a:p>
+            <a:pPr lvl="2"/>
+            <a:r>
+              <a:rPr lang="en-US" sz="2200" dirty="0">
+                <a:sym typeface="Wingdings"/>
+              </a:rPr>
+              <a:t>u</a:t>
+            </a:r>
+            <a:r>
+              <a:rPr lang="en-US" sz="2200" dirty="0" smtClean="0">
+                <a:sym typeface="Wingdings"/>
+              </a:rPr>
+              <a:t>ndefined == undefined  true</a:t>
+            </a:r>
+          </a:p>
+          <a:p>
+            <a:pPr lvl="2"/>
+            <a:r>
+              <a:rPr lang="en-US" sz="2200" dirty="0">
+                <a:sym typeface="Wingdings"/>
+              </a:rPr>
+              <a:t>n</a:t>
+            </a:r>
+            <a:r>
+              <a:rPr lang="en-US" sz="2200" dirty="0" smtClean="0">
+                <a:sym typeface="Wingdings"/>
+              </a:rPr>
+              <a:t>ull == undefined  true</a:t>
+            </a:r>
+          </a:p>
+          <a:p>
+            <a:pPr lvl="2"/>
+            <a:endParaRPr lang="en-US" sz="2200" dirty="0" smtClean="0">
               <a:sym typeface="Wingdings"/>
             </a:endParaRPr>
           </a:p>
@@ -13545,7 +13502,7 @@
     </p:spTree>
     <p:extLst>
       <p:ext uri="{BB962C8B-B14F-4D97-AF65-F5344CB8AC3E}">
-        <p14:creationId xmlns:p14="http://schemas.microsoft.com/office/powerpoint/2010/main" val="3241468309"/>
+        <p14:creationId xmlns:p14="http://schemas.microsoft.com/office/powerpoint/2010/main" val="1777317032"/>
       </p:ext>
     </p:extLst>
   </p:cSld>
@@ -13637,7 +13594,7 @@
         </p:spPr>
         <p:txBody>
           <a:bodyPr numCol="1">
-            <a:normAutofit lnSpcReduction="10000"/>
+            <a:normAutofit/>
           </a:bodyPr>
           <a:lstStyle/>
           <a:p>
@@ -13669,7 +13626,7 @@
               <a:rPr lang="en-US" sz="2400" dirty="0" smtClean="0">
                 <a:sym typeface="Wingdings"/>
               </a:rPr>
-              <a:t> == </a:t>
+              <a:t> ===</a:t>
             </a:r>
           </a:p>
           <a:p>
@@ -13678,7 +13635,7 @@
               <a:rPr lang="en-US" sz="2200" dirty="0" smtClean="0">
                 <a:sym typeface="Wingdings"/>
               </a:rPr>
-              <a:t>Uno de los </a:t>
+              <a:t>Los </a:t>
             </a:r>
             <a:r>
               <a:rPr lang="en-US" sz="2200" dirty="0" err="1" smtClean="0">
@@ -13696,7 +13653,7 @@
               <a:rPr lang="en-US" sz="2200" dirty="0" err="1" smtClean="0">
                 <a:sym typeface="Wingdings"/>
               </a:rPr>
-              <a:t>es</a:t>
+              <a:t>deben</a:t>
             </a:r>
             <a:r>
               <a:rPr lang="en-US" sz="2200" dirty="0" smtClean="0">
@@ -13708,35 +13665,86 @@
               <a:rPr lang="en-US" sz="2200" dirty="0" err="1" smtClean="0">
                 <a:sym typeface="Wingdings"/>
               </a:rPr>
-              <a:t>previamente</a:t>
+              <a:t>ser</a:t>
             </a:r>
             <a:r>
               <a:rPr lang="en-US" sz="2200" dirty="0" smtClean="0">
                 <a:sym typeface="Wingdings"/>
               </a:rPr>
+              <a:t> del </a:t>
+            </a:r>
+            <a:r>
+              <a:rPr lang="en-US" sz="2200" dirty="0" err="1" smtClean="0">
+                <a:sym typeface="Wingdings"/>
+              </a:rPr>
+              <a:t>mismo</a:t>
+            </a:r>
+            <a:r>
+              <a:rPr lang="en-US" sz="2200" dirty="0" smtClean="0">
+                <a:sym typeface="Wingdings"/>
+              </a:rPr>
               <a:t> </a:t>
             </a:r>
             <a:r>
               <a:rPr lang="en-US" sz="2200" dirty="0" err="1" smtClean="0">
                 <a:sym typeface="Wingdings"/>
               </a:rPr>
-              <a:t>convertido</a:t>
+              <a:t>tipo</a:t>
             </a:r>
             <a:r>
               <a:rPr lang="en-US" sz="2200" dirty="0" smtClean="0">
                 <a:sym typeface="Wingdings"/>
               </a:rPr>
-              <a:t> antes de la </a:t>
+              <a:t>, de lo </a:t>
             </a:r>
             <a:r>
               <a:rPr lang="en-US" sz="2200" dirty="0" err="1" smtClean="0">
                 <a:sym typeface="Wingdings"/>
               </a:rPr>
+              <a:t>contrario</a:t>
+            </a:r>
+            <a:r>
+              <a:rPr lang="en-US" sz="2200" dirty="0" smtClean="0">
+                <a:sym typeface="Wingdings"/>
+              </a:rPr>
+              <a:t> la </a:t>
+            </a:r>
+            <a:r>
+              <a:rPr lang="en-US" sz="2200" dirty="0" err="1" smtClean="0">
+                <a:sym typeface="Wingdings"/>
+              </a:rPr>
               <a:t>comparación</a:t>
             </a:r>
-            <a:endParaRPr lang="en-US" sz="2200" dirty="0" smtClean="0">
-              <a:sym typeface="Wingdings"/>
-            </a:endParaRPr>
+            <a:r>
+              <a:rPr lang="en-US" sz="2200" dirty="0" smtClean="0">
+                <a:sym typeface="Wingdings"/>
+              </a:rPr>
+              <a:t> </a:t>
+            </a:r>
+            <a:r>
+              <a:rPr lang="en-US" sz="2200" dirty="0" err="1" smtClean="0">
+                <a:sym typeface="Wingdings"/>
+              </a:rPr>
+              <a:t>retorna</a:t>
+            </a:r>
+            <a:r>
+              <a:rPr lang="en-US" sz="2200" dirty="0" smtClean="0">
+                <a:sym typeface="Wingdings"/>
+              </a:rPr>
+              <a:t> </a:t>
+            </a:r>
+            <a:r>
+              <a:rPr lang="en-US" sz="2200" dirty="0" err="1" smtClean="0">
+                <a:sym typeface="Wingdings"/>
+              </a:rPr>
+              <a:t>falso</a:t>
+            </a:r>
+            <a:r>
+              <a:rPr lang="en-US" sz="2200" dirty="0" smtClean="0">
+                <a:sym typeface="Wingdings"/>
+              </a:rPr>
+              <a:t> </a:t>
+            </a:r>
           </a:p>
           <a:p>
             <a:pPr lvl="1"/>
@@ -13745,126 +13753,28 @@
             </a:endParaRPr>
           </a:p>
           <a:p>
-            <a:pPr lvl="1"/>
+            <a:pPr lvl="2"/>
             <a:r>
               <a:rPr lang="en-US" sz="2200" dirty="0" smtClean="0">
                 <a:sym typeface="Wingdings"/>
               </a:rPr>
-              <a:t>Hay </a:t>
-            </a:r>
-            <a:r>
-              <a:rPr lang="en-US" sz="2200" dirty="0" err="1" smtClean="0">
-                <a:sym typeface="Wingdings"/>
-              </a:rPr>
-              <a:t>reglas</a:t>
-            </a:r>
+              <a:t>1 === true  false</a:t>
+            </a:r>
+          </a:p>
+          <a:p>
+            <a:pPr lvl="2"/>
             <a:r>
               <a:rPr lang="en-US" sz="2200" dirty="0" smtClean="0">
                 <a:sym typeface="Wingdings"/>
               </a:rPr>
-              <a:t> </a:t>
-            </a:r>
-            <a:r>
-              <a:rPr lang="en-US" sz="2200" dirty="0" err="1" smtClean="0">
-                <a:sym typeface="Wingdings"/>
-              </a:rPr>
-              <a:t>para</a:t>
-            </a:r>
-            <a:r>
-              <a:rPr lang="en-US" sz="2200" dirty="0" smtClean="0">
-                <a:sym typeface="Wingdings"/>
-              </a:rPr>
-              <a:t> la </a:t>
-            </a:r>
-            <a:r>
-              <a:rPr lang="en-US" sz="2200" dirty="0" err="1" smtClean="0">
-                <a:sym typeface="Wingdings"/>
-              </a:rPr>
-              <a:t>conversión</a:t>
-            </a:r>
-            <a:r>
-              <a:rPr lang="en-US" sz="2200" dirty="0" smtClean="0">
-                <a:sym typeface="Wingdings"/>
-              </a:rPr>
-              <a:t>, la </a:t>
-            </a:r>
-            <a:r>
-              <a:rPr lang="en-US" sz="2200" dirty="0" err="1" smtClean="0">
-                <a:sym typeface="Wingdings"/>
-              </a:rPr>
-              <a:t>mayoría</a:t>
-            </a:r>
-            <a:r>
-              <a:rPr lang="en-US" sz="2200" dirty="0" smtClean="0">
-                <a:sym typeface="Wingdings"/>
-              </a:rPr>
-              <a:t> </a:t>
-            </a:r>
-            <a:r>
-              <a:rPr lang="en-US" sz="2200" dirty="0" err="1" smtClean="0">
-                <a:sym typeface="Wingdings"/>
-              </a:rPr>
-              <a:t>convierte</a:t>
-            </a:r>
-            <a:r>
-              <a:rPr lang="en-US" sz="2200" dirty="0" smtClean="0">
-                <a:sym typeface="Wingdings"/>
-              </a:rPr>
-              <a:t> a </a:t>
-            </a:r>
-            <a:r>
-              <a:rPr lang="en-US" sz="2200" dirty="0" err="1" smtClean="0">
-                <a:sym typeface="Wingdings"/>
-              </a:rPr>
-              <a:t>número</a:t>
-            </a:r>
-            <a:r>
-              <a:rPr lang="en-US" sz="2200" dirty="0" smtClean="0">
-                <a:sym typeface="Wingdings"/>
-              </a:rPr>
-              <a:t> </a:t>
-            </a:r>
-            <a:r>
-              <a:rPr lang="en-US" sz="2200" dirty="0" err="1" smtClean="0">
-                <a:sym typeface="Wingdings"/>
-              </a:rPr>
-              <a:t>uno</a:t>
-            </a:r>
-            <a:r>
-              <a:rPr lang="en-US" sz="2200" dirty="0" smtClean="0">
-                <a:sym typeface="Wingdings"/>
-              </a:rPr>
-              <a:t> de los </a:t>
-            </a:r>
-            <a:r>
-              <a:rPr lang="en-US" sz="2200" dirty="0" err="1" smtClean="0">
-                <a:sym typeface="Wingdings"/>
-              </a:rPr>
-              <a:t>valores</a:t>
-            </a:r>
-            <a:r>
-              <a:rPr lang="en-US" sz="2200" dirty="0" smtClean="0">
-                <a:sym typeface="Wingdings"/>
-              </a:rPr>
-              <a:t> con </a:t>
-            </a:r>
-            <a:r>
-              <a:rPr lang="en-US" sz="2200" dirty="0" err="1" smtClean="0">
-                <a:sym typeface="Wingdings"/>
-              </a:rPr>
-              <a:t>toNumber</a:t>
-            </a:r>
-            <a:r>
-              <a:rPr lang="en-US" sz="2200" dirty="0" smtClean="0">
-                <a:sym typeface="Wingdings"/>
-              </a:rPr>
-              <a:t>()</a:t>
-            </a:r>
-          </a:p>
-          <a:p>
-            <a:pPr marL="228600" lvl="1" indent="0">
-              <a:buNone/>
-            </a:pPr>
+              <a:t> “0.1” == 0.1  </a:t>
+            </a:r>
+            <a:r>
+              <a:rPr lang="en-US" sz="2200" dirty="0">
+                <a:sym typeface="Wingdings"/>
+              </a:rPr>
+              <a:t>false</a:t>
+            </a:r>
             <a:endParaRPr lang="en-US" sz="2200" dirty="0" smtClean="0">
               <a:sym typeface="Wingdings"/>
             </a:endParaRPr>
@@ -13872,10 +13782,64 @@
           <a:p>
             <a:pPr lvl="2"/>
             <a:r>
+              <a:rPr lang="en-US" sz="2200" dirty="0">
+                <a:sym typeface="Wingdings"/>
+              </a:rPr>
+              <a:t> </a:t>
+            </a:r>
+            <a:r>
               <a:rPr lang="en-US" sz="2200" dirty="0" smtClean="0">
                 <a:sym typeface="Wingdings"/>
               </a:rPr>
-              <a:t>1 == true  true</a:t>
+              <a:t>“</a:t>
+            </a:r>
+            <a:r>
+              <a:rPr lang="en-US" sz="2200" dirty="0" err="1" smtClean="0">
+                <a:sym typeface="Wingdings"/>
+              </a:rPr>
+              <a:t>hola</a:t>
+            </a:r>
+            <a:r>
+              <a:rPr lang="en-US" sz="2200" dirty="0" smtClean="0">
+                <a:sym typeface="Wingdings"/>
+              </a:rPr>
+              <a:t> </a:t>
+            </a:r>
+            <a:r>
+              <a:rPr lang="en-US" sz="2200" dirty="0" err="1" smtClean="0">
+                <a:sym typeface="Wingdings"/>
+              </a:rPr>
+              <a:t>mundo</a:t>
+            </a:r>
+            <a:r>
+              <a:rPr lang="en-US" sz="2200" dirty="0" smtClean="0">
+                <a:sym typeface="Wingdings"/>
+              </a:rPr>
+              <a:t>” == [“</a:t>
+            </a:r>
+            <a:r>
+              <a:rPr lang="en-US" sz="2200" dirty="0" err="1" smtClean="0">
+                <a:sym typeface="Wingdings"/>
+              </a:rPr>
+              <a:t>hola</a:t>
+            </a:r>
+            <a:r>
+              <a:rPr lang="en-US" sz="2200" dirty="0" smtClean="0">
+                <a:sym typeface="Wingdings"/>
+              </a:rPr>
+              <a:t> </a:t>
+            </a:r>
+            <a:r>
+              <a:rPr lang="en-US" sz="2200" dirty="0" err="1" smtClean="0">
+                <a:sym typeface="Wingdings"/>
+              </a:rPr>
+              <a:t>mundo</a:t>
+            </a:r>
+            <a:r>
+              <a:rPr lang="en-US" sz="2200" dirty="0" smtClean="0">
+                <a:sym typeface="Wingdings"/>
+              </a:rPr>
+              <a:t>”]  false</a:t>
             </a:r>
           </a:p>
           <a:p>
@@ -13884,7 +13848,7 @@
               <a:rPr lang="en-US" sz="2200" dirty="0" smtClean="0">
                 <a:sym typeface="Wingdings"/>
               </a:rPr>
-              <a:t> “0.1” == 0.1  true</a:t>
+              <a:t>null === null  true</a:t>
             </a:r>
           </a:p>
           <a:p>
@@ -13893,100 +13857,28 @@
               <a:rPr lang="en-US" sz="2200" dirty="0">
                 <a:sym typeface="Wingdings"/>
               </a:rPr>
-              <a:t> </a:t>
+              <a:t>u</a:t>
             </a:r>
             <a:r>
               <a:rPr lang="en-US" sz="2200" dirty="0" smtClean="0">
                 <a:sym typeface="Wingdings"/>
               </a:rPr>
-              <a:t>“</a:t>
-            </a:r>
-            <a:r>
-              <a:rPr lang="en-US" sz="2200" dirty="0" err="1" smtClean="0">
-                <a:sym typeface="Wingdings"/>
-              </a:rPr>
-              <a:t>hola</a:t>
+              <a:t>ndefined === undefined  true</a:t>
+            </a:r>
+          </a:p>
+          <a:p>
+            <a:pPr lvl="2"/>
+            <a:r>
+              <a:rPr lang="en-US" sz="2200" dirty="0">
+                <a:sym typeface="Wingdings"/>
+              </a:rPr>
+              <a:t>n</a:t>
             </a:r>
             <a:r>
               <a:rPr lang="en-US" sz="2200" dirty="0" smtClean="0">
                 <a:sym typeface="Wingdings"/>
               </a:rPr>
-              <a:t> </a:t>
-            </a:r>
-            <a:r>
-              <a:rPr lang="en-US" sz="2200" dirty="0" err="1" smtClean="0">
-                <a:sym typeface="Wingdings"/>
-              </a:rPr>
-              <a:t>mundo</a:t>
-            </a:r>
-            <a:r>
-              <a:rPr lang="en-US" sz="2200" dirty="0" smtClean="0">
-                <a:sym typeface="Wingdings"/>
-              </a:rPr>
-              <a:t>” == [“</a:t>
-            </a:r>
-            <a:r>
-              <a:rPr lang="en-US" sz="2200" dirty="0" err="1" smtClean="0">
-                <a:sym typeface="Wingdings"/>
-              </a:rPr>
-              <a:t>hola</a:t>
-            </a:r>
-            <a:r>
-              <a:rPr lang="en-US" sz="2200" dirty="0" smtClean="0">
-                <a:sym typeface="Wingdings"/>
-              </a:rPr>
-              <a:t> </a:t>
-            </a:r>
-            <a:r>
-              <a:rPr lang="en-US" sz="2200" dirty="0" err="1" smtClean="0">
-                <a:sym typeface="Wingdings"/>
-              </a:rPr>
-              <a:t>mundo</a:t>
-            </a:r>
-            <a:r>
-              <a:rPr lang="en-US" sz="2200" dirty="0" smtClean="0">
-                <a:sym typeface="Wingdings"/>
-              </a:rPr>
-              <a:t>”]  true</a:t>
-            </a:r>
-          </a:p>
-          <a:p>
-            <a:pPr lvl="2"/>
-            <a:r>
-              <a:rPr lang="en-US" sz="2200" dirty="0" smtClean="0">
-                <a:sym typeface="Wingdings"/>
-              </a:rPr>
-              <a:t>null == null  true</a:t>
-            </a:r>
-          </a:p>
-          <a:p>
-            <a:pPr lvl="2"/>
-            <a:r>
-              <a:rPr lang="en-US" sz="2200" dirty="0">
-                <a:sym typeface="Wingdings"/>
-              </a:rPr>
-              <a:t>u</a:t>
-            </a:r>
-            <a:r>
-              <a:rPr lang="en-US" sz="2200" dirty="0" smtClean="0">
-                <a:sym typeface="Wingdings"/>
-              </a:rPr>
-              <a:t>ndefined == undefined  true</a:t>
-            </a:r>
-          </a:p>
-          <a:p>
-            <a:pPr lvl="2"/>
-            <a:r>
-              <a:rPr lang="en-US" sz="2200" dirty="0">
-                <a:sym typeface="Wingdings"/>
-              </a:rPr>
-              <a:t>n</a:t>
-            </a:r>
-            <a:r>
-              <a:rPr lang="en-US" sz="2200" dirty="0" smtClean="0">
-                <a:sym typeface="Wingdings"/>
-              </a:rPr>
-              <a:t>ull == undefined  true</a:t>
+              <a:t>ull == undefined  false</a:t>
             </a:r>
           </a:p>
           <a:p>
@@ -14000,7 +13892,7 @@
     </p:spTree>
     <p:extLst>
       <p:ext uri="{BB962C8B-B14F-4D97-AF65-F5344CB8AC3E}">
-        <p14:creationId xmlns:p14="http://schemas.microsoft.com/office/powerpoint/2010/main" val="1777317032"/>
+        <p14:creationId xmlns:p14="http://schemas.microsoft.com/office/powerpoint/2010/main" val="3601062041"/>
       </p:ext>
     </p:extLst>
   </p:cSld>
@@ -14056,19 +13948,7 @@
           <a:p>
             <a:r>
               <a:rPr lang="es-ES_tradnl" dirty="0" err="1" smtClean="0"/>
-              <a:t>Type</a:t>
-            </a:r>
-            <a:r>
-              <a:rPr lang="es-ES_tradnl" dirty="0" smtClean="0"/>
-              <a:t> </a:t>
-            </a:r>
-            <a:r>
-              <a:rPr lang="es-ES_tradnl" dirty="0" err="1" smtClean="0"/>
-              <a:t>Coercion</a:t>
-            </a:r>
-            <a:r>
-              <a:rPr lang="es-ES_tradnl" dirty="0" smtClean="0"/>
-              <a:t> == vs ===</a:t>
+              <a:t>Statements</a:t>
             </a:r>
             <a:endParaRPr lang="es-CO" dirty="0"/>
           </a:p>
@@ -14086,8 +13966,8 @@
         </p:nvSpPr>
         <p:spPr>
           <a:xfrm>
-            <a:off x="286818" y="1399865"/>
-            <a:ext cx="7577063" cy="5079622"/>
+            <a:off x="286818" y="1644291"/>
+            <a:ext cx="7577063" cy="4835195"/>
           </a:xfrm>
         </p:spPr>
         <p:txBody>
@@ -14096,292 +13976,136 @@
           </a:bodyPr>
           <a:lstStyle/>
           <a:p>
+            <a:pPr lvl="1"/>
+            <a:r>
+              <a:rPr lang="en-US" sz="2400" dirty="0">
+                <a:sym typeface="Wingdings"/>
+              </a:rPr>
+              <a:t>f</a:t>
+            </a:r>
             <a:r>
               <a:rPr lang="en-US" sz="2400" dirty="0" smtClean="0">
                 <a:sym typeface="Wingdings"/>
               </a:rPr>
-              <a:t> </a:t>
-            </a:r>
-            <a:r>
-              <a:rPr lang="en-US" sz="2400" dirty="0" err="1" smtClean="0">
-                <a:sym typeface="Wingdings"/>
-              </a:rPr>
-              <a:t>Cuando</a:t>
+              <a:t>or</a:t>
+            </a:r>
+          </a:p>
+          <a:p>
+            <a:pPr lvl="1"/>
+            <a:r>
+              <a:rPr lang="en-US" sz="2400" dirty="0">
+                <a:sym typeface="Wingdings"/>
+              </a:rPr>
+              <a:t>w</a:t>
             </a:r>
             <a:r>
               <a:rPr lang="en-US" sz="2400" dirty="0" smtClean="0">
                 <a:sym typeface="Wingdings"/>
               </a:rPr>
-              <a:t> se </a:t>
-            </a:r>
-            <a:r>
-              <a:rPr lang="en-US" sz="2400" dirty="0" err="1" smtClean="0">
-                <a:sym typeface="Wingdings"/>
-              </a:rPr>
-              <a:t>usa</a:t>
+              <a:t>hile</a:t>
+            </a:r>
+          </a:p>
+          <a:p>
+            <a:pPr lvl="1"/>
+            <a:r>
+              <a:rPr lang="en-US" sz="2400" dirty="0">
+                <a:sym typeface="Wingdings"/>
+              </a:rPr>
+              <a:t>d</a:t>
             </a:r>
             <a:r>
               <a:rPr lang="en-US" sz="2400" dirty="0" smtClean="0">
                 <a:sym typeface="Wingdings"/>
               </a:rPr>
-              <a:t> ===</a:t>
+              <a:t>o While</a:t>
             </a:r>
           </a:p>
           <a:p>
             <a:pPr lvl="1"/>
             <a:r>
-              <a:rPr lang="en-US" sz="2200" dirty="0" smtClean="0">
-                <a:sym typeface="Wingdings"/>
-              </a:rPr>
-              <a:t>Los </a:t>
-            </a:r>
-            <a:r>
-              <a:rPr lang="en-US" sz="2200" dirty="0" err="1" smtClean="0">
-                <a:sym typeface="Wingdings"/>
-              </a:rPr>
-              <a:t>valores</a:t>
-            </a:r>
-            <a:r>
-              <a:rPr lang="en-US" sz="2200" dirty="0" smtClean="0">
-                <a:sym typeface="Wingdings"/>
-              </a:rPr>
-              <a:t> </a:t>
-            </a:r>
-            <a:r>
-              <a:rPr lang="en-US" sz="2200" dirty="0" err="1" smtClean="0">
-                <a:sym typeface="Wingdings"/>
-              </a:rPr>
-              <a:t>deben</a:t>
-            </a:r>
-            <a:r>
-              <a:rPr lang="en-US" sz="2200" dirty="0" smtClean="0">
-                <a:sym typeface="Wingdings"/>
-              </a:rPr>
-              <a:t> </a:t>
-            </a:r>
-            <a:r>
-              <a:rPr lang="en-US" sz="2200" dirty="0" err="1" smtClean="0">
-                <a:sym typeface="Wingdings"/>
-              </a:rPr>
-              <a:t>ser</a:t>
-            </a:r>
-            <a:r>
-              <a:rPr lang="en-US" sz="2200" dirty="0" smtClean="0">
-                <a:sym typeface="Wingdings"/>
-              </a:rPr>
-              <a:t> del </a:t>
-            </a:r>
-            <a:r>
-              <a:rPr lang="en-US" sz="2200" dirty="0" err="1" smtClean="0">
-                <a:sym typeface="Wingdings"/>
-              </a:rPr>
-              <a:t>mismo</a:t>
-            </a:r>
-            <a:r>
-              <a:rPr lang="en-US" sz="2200" dirty="0" smtClean="0">
-                <a:sym typeface="Wingdings"/>
-              </a:rPr>
-              <a:t> </a:t>
-            </a:r>
-            <a:r>
-              <a:rPr lang="en-US" sz="2200" dirty="0" err="1" smtClean="0">
-                <a:sym typeface="Wingdings"/>
-              </a:rPr>
-              <a:t>tipo</a:t>
-            </a:r>
-            <a:r>
-              <a:rPr lang="en-US" sz="2200" dirty="0" smtClean="0">
-                <a:sym typeface="Wingdings"/>
-              </a:rPr>
-              <a:t>, de lo </a:t>
-            </a:r>
-            <a:r>
-              <a:rPr lang="en-US" sz="2200" dirty="0" err="1" smtClean="0">
-                <a:sym typeface="Wingdings"/>
-              </a:rPr>
-              <a:t>contrario</a:t>
-            </a:r>
-            <a:r>
-              <a:rPr lang="en-US" sz="2200" dirty="0" smtClean="0">
-                <a:sym typeface="Wingdings"/>
-              </a:rPr>
-              <a:t> la </a:t>
-            </a:r>
-            <a:r>
-              <a:rPr lang="en-US" sz="2200" dirty="0" err="1" smtClean="0">
-                <a:sym typeface="Wingdings"/>
-              </a:rPr>
-              <a:t>comparación</a:t>
-            </a:r>
-            <a:r>
-              <a:rPr lang="en-US" sz="2200" dirty="0" smtClean="0">
-                <a:sym typeface="Wingdings"/>
-              </a:rPr>
-              <a:t> </a:t>
-            </a:r>
-            <a:r>
-              <a:rPr lang="en-US" sz="2200" dirty="0" err="1" smtClean="0">
-                <a:sym typeface="Wingdings"/>
-              </a:rPr>
-              <a:t>retorna</a:t>
-            </a:r>
-            <a:r>
-              <a:rPr lang="en-US" sz="2200" dirty="0" smtClean="0">
-                <a:sym typeface="Wingdings"/>
-              </a:rPr>
-              <a:t> </a:t>
-            </a:r>
-            <a:r>
-              <a:rPr lang="en-US" sz="2200" dirty="0" err="1" smtClean="0">
-                <a:sym typeface="Wingdings"/>
-              </a:rPr>
-              <a:t>falso</a:t>
-            </a:r>
-            <a:r>
-              <a:rPr lang="en-US" sz="2200" dirty="0" smtClean="0">
-                <a:sym typeface="Wingdings"/>
-              </a:rPr>
-              <a:t> </a:t>
+              <a:rPr lang="en-US" sz="2400" dirty="0">
+                <a:sym typeface="Wingdings"/>
+              </a:rPr>
+              <a:t>s</a:t>
+            </a:r>
+            <a:r>
+              <a:rPr lang="en-US" sz="2400" dirty="0" smtClean="0">
+                <a:sym typeface="Wingdings"/>
+              </a:rPr>
+              <a:t>witch</a:t>
             </a:r>
           </a:p>
           <a:p>
             <a:pPr lvl="1"/>
-            <a:endParaRPr lang="en-US" sz="2200" dirty="0" smtClean="0">
+            <a:r>
+              <a:rPr lang="en-US" sz="2400" dirty="0">
+                <a:sym typeface="Wingdings"/>
+              </a:rPr>
+              <a:t>i</a:t>
+            </a:r>
+            <a:r>
+              <a:rPr lang="en-US" sz="2400" dirty="0" smtClean="0">
+                <a:sym typeface="Wingdings"/>
+              </a:rPr>
+              <a:t>f</a:t>
+            </a:r>
+          </a:p>
+          <a:p>
+            <a:pPr lvl="1"/>
+            <a:r>
+              <a:rPr lang="en-US" sz="2400" dirty="0">
+                <a:sym typeface="Wingdings"/>
+              </a:rPr>
+              <a:t>t</a:t>
+            </a:r>
+            <a:r>
+              <a:rPr lang="en-US" sz="2400" dirty="0" smtClean="0">
+                <a:sym typeface="Wingdings"/>
+              </a:rPr>
+              <a:t>ry/throw</a:t>
+            </a:r>
+          </a:p>
+          <a:p>
+            <a:pPr lvl="1"/>
+            <a:r>
+              <a:rPr lang="en-US" sz="2400" dirty="0" smtClean="0">
+                <a:sym typeface="Wingdings"/>
+              </a:rPr>
+              <a:t>break</a:t>
+            </a:r>
+          </a:p>
+          <a:p>
+            <a:pPr lvl="1"/>
+            <a:r>
+              <a:rPr lang="en-US" sz="2400" dirty="0">
+                <a:sym typeface="Wingdings"/>
+              </a:rPr>
+              <a:t>c</a:t>
+            </a:r>
+            <a:r>
+              <a:rPr lang="en-US" sz="2400" dirty="0" smtClean="0">
+                <a:sym typeface="Wingdings"/>
+              </a:rPr>
+              <a:t>ontinue </a:t>
+            </a:r>
+          </a:p>
+          <a:p>
+            <a:pPr lvl="1"/>
+            <a:endParaRPr lang="en-US" sz="2400" dirty="0" smtClean="0">
               <a:sym typeface="Wingdings"/>
             </a:endParaRPr>
           </a:p>
           <a:p>
-            <a:pPr lvl="2"/>
-            <a:r>
-              <a:rPr lang="en-US" sz="2200" dirty="0" smtClean="0">
-                <a:sym typeface="Wingdings"/>
-              </a:rPr>
-              <a:t>1 === true  false</a:t>
-            </a:r>
-          </a:p>
-          <a:p>
-            <a:pPr lvl="2"/>
-            <a:r>
-              <a:rPr lang="en-US" sz="2200" dirty="0" smtClean="0">
-                <a:sym typeface="Wingdings"/>
-              </a:rPr>
-              <a:t> “0.1” == 0.1  </a:t>
-            </a:r>
-            <a:r>
-              <a:rPr lang="en-US" sz="2200" dirty="0">
-                <a:sym typeface="Wingdings"/>
-              </a:rPr>
-              <a:t>false</a:t>
-            </a:r>
-            <a:endParaRPr lang="en-US" sz="2200" dirty="0" smtClean="0">
+            <a:pPr lvl="1"/>
+            <a:endParaRPr lang="en-US" sz="2400" dirty="0">
               <a:sym typeface="Wingdings"/>
             </a:endParaRPr>
           </a:p>
           <a:p>
-            <a:pPr lvl="2"/>
-            <a:r>
-              <a:rPr lang="en-US" sz="2200" dirty="0">
-                <a:sym typeface="Wingdings"/>
-              </a:rPr>
-              <a:t> </a:t>
-            </a:r>
-            <a:r>
-              <a:rPr lang="en-US" sz="2200" dirty="0" smtClean="0">
-                <a:sym typeface="Wingdings"/>
-              </a:rPr>
-              <a:t>“</a:t>
-            </a:r>
-            <a:r>
-              <a:rPr lang="en-US" sz="2200" dirty="0" err="1" smtClean="0">
-                <a:sym typeface="Wingdings"/>
-              </a:rPr>
-              <a:t>hola</a:t>
-            </a:r>
-            <a:r>
-              <a:rPr lang="en-US" sz="2200" dirty="0" smtClean="0">
-                <a:sym typeface="Wingdings"/>
-              </a:rPr>
-              <a:t> </a:t>
-            </a:r>
-            <a:r>
-              <a:rPr lang="en-US" sz="2200" dirty="0" err="1" smtClean="0">
-                <a:sym typeface="Wingdings"/>
-              </a:rPr>
-              <a:t>mundo</a:t>
-            </a:r>
-            <a:r>
-              <a:rPr lang="en-US" sz="2200" dirty="0" smtClean="0">
-                <a:sym typeface="Wingdings"/>
-              </a:rPr>
-              <a:t>” == [“</a:t>
-            </a:r>
-            <a:r>
-              <a:rPr lang="en-US" sz="2200" dirty="0" err="1" smtClean="0">
-                <a:sym typeface="Wingdings"/>
-              </a:rPr>
-              <a:t>hola</a:t>
-            </a:r>
-            <a:r>
-              <a:rPr lang="en-US" sz="2200" dirty="0" smtClean="0">
-                <a:sym typeface="Wingdings"/>
-              </a:rPr>
-              <a:t> </a:t>
-            </a:r>
-            <a:r>
-              <a:rPr lang="en-US" sz="2200" dirty="0" err="1" smtClean="0">
-                <a:sym typeface="Wingdings"/>
-              </a:rPr>
-              <a:t>mundo</a:t>
-            </a:r>
-            <a:r>
-              <a:rPr lang="en-US" sz="2200" dirty="0" smtClean="0">
-                <a:sym typeface="Wingdings"/>
-              </a:rPr>
-              <a:t>”]  false</a:t>
-            </a:r>
-          </a:p>
-          <a:p>
-            <a:pPr lvl="2"/>
-            <a:r>
-              <a:rPr lang="en-US" sz="2200" dirty="0" smtClean="0">
-                <a:sym typeface="Wingdings"/>
-              </a:rPr>
-              <a:t>null === null  true</a:t>
-            </a:r>
-          </a:p>
-          <a:p>
-            <a:pPr lvl="2"/>
-            <a:r>
-              <a:rPr lang="en-US" sz="2200" dirty="0">
-                <a:sym typeface="Wingdings"/>
-              </a:rPr>
-              <a:t>u</a:t>
-            </a:r>
-            <a:r>
-              <a:rPr lang="en-US" sz="2200" dirty="0" smtClean="0">
-                <a:sym typeface="Wingdings"/>
-              </a:rPr>
-              <a:t>ndefined === undefined  true</a:t>
-            </a:r>
-          </a:p>
-          <a:p>
-            <a:pPr lvl="2"/>
-            <a:r>
-              <a:rPr lang="en-US" sz="2200" dirty="0">
-                <a:sym typeface="Wingdings"/>
-              </a:rPr>
-              <a:t>n</a:t>
-            </a:r>
-            <a:r>
-              <a:rPr lang="en-US" sz="2200" dirty="0" smtClean="0">
-                <a:sym typeface="Wingdings"/>
-              </a:rPr>
-              <a:t>ull == undefined  false</a:t>
-            </a:r>
-          </a:p>
-          <a:p>
-            <a:pPr lvl="2"/>
-            <a:endParaRPr lang="en-US" sz="2200" dirty="0" smtClean="0">
+            <a:pPr marL="228600" lvl="1" indent="0">
+              <a:buNone/>
+            </a:pPr>
+            <a:endParaRPr lang="en-US" sz="2400" dirty="0" smtClean="0">
               <a:sym typeface="Wingdings"/>
             </a:endParaRPr>
           </a:p>
@@ -14390,7 +14114,7 @@
     </p:spTree>
     <p:extLst>
       <p:ext uri="{BB962C8B-B14F-4D97-AF65-F5344CB8AC3E}">
-        <p14:creationId xmlns:p14="http://schemas.microsoft.com/office/powerpoint/2010/main" val="3601062041"/>
+        <p14:creationId xmlns:p14="http://schemas.microsoft.com/office/powerpoint/2010/main" val="2042942719"/>
       </p:ext>
     </p:extLst>
   </p:cSld>
@@ -14470,228 +14194,6 @@
         </p:spPr>
         <p:txBody>
           <a:bodyPr numCol="1">
-            <a:normAutofit/>
-          </a:bodyPr>
-          <a:lstStyle/>
-          <a:p>
-            <a:pPr lvl="1"/>
-            <a:r>
-              <a:rPr lang="en-US" sz="2400" dirty="0">
-                <a:sym typeface="Wingdings"/>
-              </a:rPr>
-              <a:t>f</a:t>
-            </a:r>
-            <a:r>
-              <a:rPr lang="en-US" sz="2400" dirty="0" smtClean="0">
-                <a:sym typeface="Wingdings"/>
-              </a:rPr>
-              <a:t>or</a:t>
-            </a:r>
-          </a:p>
-          <a:p>
-            <a:pPr lvl="1"/>
-            <a:r>
-              <a:rPr lang="en-US" sz="2400" dirty="0">
-                <a:sym typeface="Wingdings"/>
-              </a:rPr>
-              <a:t>w</a:t>
-            </a:r>
-            <a:r>
-              <a:rPr lang="en-US" sz="2400" dirty="0" smtClean="0">
-                <a:sym typeface="Wingdings"/>
-              </a:rPr>
-              <a:t>hile</a:t>
-            </a:r>
-          </a:p>
-          <a:p>
-            <a:pPr lvl="1"/>
-            <a:r>
-              <a:rPr lang="en-US" sz="2400" dirty="0">
-                <a:sym typeface="Wingdings"/>
-              </a:rPr>
-              <a:t>d</a:t>
-            </a:r>
-            <a:r>
-              <a:rPr lang="en-US" sz="2400" dirty="0" smtClean="0">
-                <a:sym typeface="Wingdings"/>
-              </a:rPr>
-              <a:t>o While</a:t>
-            </a:r>
-          </a:p>
-          <a:p>
-            <a:pPr lvl="1"/>
-            <a:r>
-              <a:rPr lang="en-US" sz="2400" dirty="0">
-                <a:sym typeface="Wingdings"/>
-              </a:rPr>
-              <a:t>s</a:t>
-            </a:r>
-            <a:r>
-              <a:rPr lang="en-US" sz="2400" dirty="0" smtClean="0">
-                <a:sym typeface="Wingdings"/>
-              </a:rPr>
-              <a:t>witch</a:t>
-            </a:r>
-          </a:p>
-          <a:p>
-            <a:pPr lvl="1"/>
-            <a:r>
-              <a:rPr lang="en-US" sz="2400" dirty="0">
-                <a:sym typeface="Wingdings"/>
-              </a:rPr>
-              <a:t>i</a:t>
-            </a:r>
-            <a:r>
-              <a:rPr lang="en-US" sz="2400" dirty="0" smtClean="0">
-                <a:sym typeface="Wingdings"/>
-              </a:rPr>
-              <a:t>f</a:t>
-            </a:r>
-          </a:p>
-          <a:p>
-            <a:pPr lvl="1"/>
-            <a:r>
-              <a:rPr lang="en-US" sz="2400" dirty="0">
-                <a:sym typeface="Wingdings"/>
-              </a:rPr>
-              <a:t>t</a:t>
-            </a:r>
-            <a:r>
-              <a:rPr lang="en-US" sz="2400" dirty="0" smtClean="0">
-                <a:sym typeface="Wingdings"/>
-              </a:rPr>
-              <a:t>ry/throw</a:t>
-            </a:r>
-          </a:p>
-          <a:p>
-            <a:pPr lvl="1"/>
-            <a:r>
-              <a:rPr lang="en-US" sz="2400" dirty="0" smtClean="0">
-                <a:sym typeface="Wingdings"/>
-              </a:rPr>
-              <a:t>break</a:t>
-            </a:r>
-          </a:p>
-          <a:p>
-            <a:pPr lvl="1"/>
-            <a:r>
-              <a:rPr lang="en-US" sz="2400" dirty="0">
-                <a:sym typeface="Wingdings"/>
-              </a:rPr>
-              <a:t>c</a:t>
-            </a:r>
-            <a:r>
-              <a:rPr lang="en-US" sz="2400" dirty="0" smtClean="0">
-                <a:sym typeface="Wingdings"/>
-              </a:rPr>
-              <a:t>ontinue </a:t>
-            </a:r>
-          </a:p>
-          <a:p>
-            <a:pPr lvl="1"/>
-            <a:endParaRPr lang="en-US" sz="2400" dirty="0" smtClean="0">
-              <a:sym typeface="Wingdings"/>
-            </a:endParaRPr>
-          </a:p>
-          <a:p>
-            <a:pPr lvl="1"/>
-            <a:endParaRPr lang="en-US" sz="2400" dirty="0">
-              <a:sym typeface="Wingdings"/>
-            </a:endParaRPr>
-          </a:p>
-          <a:p>
-            <a:pPr marL="228600" lvl="1" indent="0">
-              <a:buNone/>
-            </a:pPr>
-            <a:endParaRPr lang="en-US" sz="2400" dirty="0" smtClean="0">
-              <a:sym typeface="Wingdings"/>
-            </a:endParaRPr>
-          </a:p>
-        </p:txBody>
-      </p:sp>
-    </p:spTree>
-    <p:extLst>
-      <p:ext uri="{BB962C8B-B14F-4D97-AF65-F5344CB8AC3E}">
-        <p14:creationId xmlns:p14="http://schemas.microsoft.com/office/powerpoint/2010/main" val="2042942719"/>
-      </p:ext>
-    </p:extLst>
-  </p:cSld>
-  <p:clrMapOvr>
-    <a:masterClrMapping/>
-  </p:clrMapOvr>
-  <p:timing>
-    <p:tnLst>
-      <p:par>
-        <p:cTn id="1" dur="indefinite" restart="never" nodeType="tmRoot"/>
-      </p:par>
-    </p:tnLst>
-  </p:timing>
-</p:sld>
-</file>
-
-<file path=ppt/slides/slide19.xml><?xml version="1.0" encoding="utf-8"?>
-<p:sld xmlns:a="http://schemas.openxmlformats.org/drawingml/2006/main" xmlns:r="http://schemas.openxmlformats.org/officeDocument/2006/relationships" xmlns:p="http://schemas.openxmlformats.org/presentationml/2006/main">
-  <p:cSld>
-    <p:spTree>
-      <p:nvGrpSpPr>
-        <p:cNvPr id="1" name=""/>
-        <p:cNvGrpSpPr/>
-        <p:nvPr/>
-      </p:nvGrpSpPr>
-      <p:grpSpPr>
-        <a:xfrm>
-          <a:off x="0" y="0"/>
-          <a:ext cx="0" cy="0"/>
-          <a:chOff x="0" y="0"/>
-          <a:chExt cx="0" cy="0"/>
-        </a:xfrm>
-      </p:grpSpPr>
-      <p:sp>
-        <p:nvSpPr>
-          <p:cNvPr id="2" name="Title 1"/>
-          <p:cNvSpPr>
-            <a:spLocks noGrp="1"/>
-          </p:cNvSpPr>
-          <p:nvPr>
-            <p:ph type="title"/>
-          </p:nvPr>
-        </p:nvSpPr>
-        <p:spPr>
-          <a:xfrm>
-            <a:off x="498474" y="283759"/>
-            <a:ext cx="7556313" cy="1116106"/>
-          </a:xfrm>
-        </p:spPr>
-        <p:txBody>
-          <a:bodyPr/>
-          <a:lstStyle/>
-          <a:p>
-            <a:r>
-              <a:rPr lang="es-ES_tradnl" dirty="0" err="1" smtClean="0"/>
-              <a:t>Statements</a:t>
-            </a:r>
-            <a:endParaRPr lang="es-CO" dirty="0"/>
-          </a:p>
-        </p:txBody>
-      </p:sp>
-      <p:sp>
-        <p:nvSpPr>
-          <p:cNvPr id="3" name="Content Placeholder 2"/>
-          <p:cNvSpPr>
-            <a:spLocks noGrp="1"/>
-          </p:cNvSpPr>
-          <p:nvPr>
-            <p:ph idx="1"/>
-          </p:nvPr>
-        </p:nvSpPr>
-        <p:spPr>
-          <a:xfrm>
-            <a:off x="286818" y="1644291"/>
-            <a:ext cx="7577063" cy="4835195"/>
-          </a:xfrm>
-        </p:spPr>
-        <p:txBody>
-          <a:bodyPr numCol="1">
             <a:normAutofit fontScale="92500" lnSpcReduction="20000"/>
           </a:bodyPr>
           <a:lstStyle/>
@@ -15157,208 +14659,7 @@
 </p:sld>
 </file>
 
-<file path=ppt/slides/slide2.xml><?xml version="1.0" encoding="utf-8"?>
-<p:sld xmlns:a="http://schemas.openxmlformats.org/drawingml/2006/main" xmlns:r="http://schemas.openxmlformats.org/officeDocument/2006/relationships" xmlns:p="http://schemas.openxmlformats.org/presentationml/2006/main">
-  <p:cSld>
-    <p:spTree>
-      <p:nvGrpSpPr>
-        <p:cNvPr id="1" name=""/>
-        <p:cNvGrpSpPr/>
-        <p:nvPr/>
-      </p:nvGrpSpPr>
-      <p:grpSpPr>
-        <a:xfrm>
-          <a:off x="0" y="0"/>
-          <a:ext cx="0" cy="0"/>
-          <a:chOff x="0" y="0"/>
-          <a:chExt cx="0" cy="0"/>
-        </a:xfrm>
-      </p:grpSpPr>
-      <p:sp>
-        <p:nvSpPr>
-          <p:cNvPr id="2" name="Title 1"/>
-          <p:cNvSpPr>
-            <a:spLocks noGrp="1"/>
-          </p:cNvSpPr>
-          <p:nvPr>
-            <p:ph type="title"/>
-          </p:nvPr>
-        </p:nvSpPr>
-        <p:spPr/>
-        <p:txBody>
-          <a:bodyPr/>
-          <a:lstStyle/>
-          <a:p>
-            <a:r>
-              <a:rPr lang="en-US" sz="4000" dirty="0" smtClean="0"/>
-              <a:t>Lo </a:t>
-            </a:r>
-            <a:r>
-              <a:rPr lang="en-US" sz="4000" dirty="0" err="1" smtClean="0"/>
-              <a:t>que</a:t>
-            </a:r>
-            <a:r>
-              <a:rPr lang="en-US" sz="4000" dirty="0" smtClean="0"/>
-              <a:t> “</a:t>
-            </a:r>
-            <a:r>
-              <a:rPr lang="en-US" sz="4000" dirty="0" err="1" smtClean="0"/>
-              <a:t>sabemos</a:t>
-            </a:r>
-            <a:r>
-              <a:rPr lang="en-US" sz="4000" dirty="0" smtClean="0"/>
-              <a:t>”..</a:t>
-            </a:r>
-            <a:endParaRPr lang="en-US" sz="4000" dirty="0"/>
-          </a:p>
-        </p:txBody>
-      </p:sp>
-      <p:sp>
-        <p:nvSpPr>
-          <p:cNvPr id="3" name="Content Placeholder 2"/>
-          <p:cNvSpPr>
-            <a:spLocks noGrp="1"/>
-          </p:cNvSpPr>
-          <p:nvPr>
-            <p:ph idx="1"/>
-          </p:nvPr>
-        </p:nvSpPr>
-        <p:spPr/>
-        <p:txBody>
-          <a:bodyPr>
-            <a:normAutofit/>
-          </a:bodyPr>
-          <a:lstStyle/>
-          <a:p>
-            <a:r>
-              <a:rPr lang="en-US" sz="3200" dirty="0" smtClean="0"/>
-              <a:t> </a:t>
-            </a:r>
-            <a:r>
-              <a:rPr lang="en-US" sz="3200" dirty="0" err="1" smtClean="0"/>
-              <a:t>Usado</a:t>
-            </a:r>
-            <a:r>
-              <a:rPr lang="en-US" sz="3200" dirty="0" smtClean="0"/>
-              <a:t> </a:t>
-            </a:r>
-            <a:r>
-              <a:rPr lang="en-US" sz="3200" dirty="0" err="1" smtClean="0"/>
-              <a:t>para</a:t>
-            </a:r>
-            <a:r>
-              <a:rPr lang="en-US" sz="3200" dirty="0" smtClean="0"/>
-              <a:t> </a:t>
-            </a:r>
-            <a:r>
-              <a:rPr lang="en-US" sz="3200" dirty="0" err="1" smtClean="0"/>
-              <a:t>crear</a:t>
-            </a:r>
-            <a:r>
-              <a:rPr lang="en-US" sz="3200" dirty="0" smtClean="0"/>
-              <a:t> </a:t>
-            </a:r>
-            <a:r>
-              <a:rPr lang="en-US" sz="3200" dirty="0" err="1" smtClean="0"/>
-              <a:t>páginas</a:t>
-            </a:r>
-            <a:r>
-              <a:rPr lang="en-US" sz="3200" dirty="0" smtClean="0"/>
-              <a:t> web </a:t>
-            </a:r>
-            <a:r>
-              <a:rPr lang="en-US" sz="3200" dirty="0" err="1" smtClean="0"/>
-              <a:t>interactivas</a:t>
-            </a:r>
-            <a:endParaRPr lang="en-US" sz="3200" dirty="0" smtClean="0"/>
-          </a:p>
-          <a:p>
-            <a:r>
-              <a:rPr lang="en-US" sz="3200" dirty="0" smtClean="0"/>
-              <a:t> Se </a:t>
-            </a:r>
-            <a:r>
-              <a:rPr lang="en-US" sz="3200" dirty="0" err="1" smtClean="0"/>
-              <a:t>usa</a:t>
-            </a:r>
-            <a:r>
-              <a:rPr lang="en-US" sz="3200" dirty="0" smtClean="0"/>
-              <a:t> del </a:t>
-            </a:r>
-            <a:r>
-              <a:rPr lang="en-US" sz="3200" dirty="0" err="1" smtClean="0"/>
-              <a:t>lado</a:t>
-            </a:r>
-            <a:r>
-              <a:rPr lang="en-US" sz="3200" dirty="0" smtClean="0"/>
-              <a:t> del </a:t>
-            </a:r>
-            <a:r>
-              <a:rPr lang="en-US" sz="3200" dirty="0" err="1" smtClean="0"/>
-              <a:t>cliente</a:t>
-            </a:r>
-            <a:r>
-              <a:rPr lang="en-US" sz="3200" dirty="0" smtClean="0"/>
-              <a:t>**</a:t>
-            </a:r>
-          </a:p>
-          <a:p>
-            <a:r>
-              <a:rPr lang="en-US" sz="3200" dirty="0"/>
-              <a:t> </a:t>
-            </a:r>
-            <a:r>
-              <a:rPr lang="en-US" sz="3200" dirty="0" smtClean="0"/>
-              <a:t>Solo se </a:t>
-            </a:r>
-            <a:r>
-              <a:rPr lang="en-US" sz="3200" dirty="0" err="1" smtClean="0"/>
-              <a:t>necesita</a:t>
-            </a:r>
-            <a:r>
-              <a:rPr lang="en-US" sz="3200" dirty="0" smtClean="0"/>
-              <a:t> un browser </a:t>
-            </a:r>
-            <a:r>
-              <a:rPr lang="en-US" sz="3200" dirty="0" err="1" smtClean="0"/>
-              <a:t>para</a:t>
-            </a:r>
-            <a:r>
-              <a:rPr lang="en-US" sz="3200" dirty="0" smtClean="0"/>
-              <a:t> </a:t>
-            </a:r>
-            <a:r>
-              <a:rPr lang="en-US" sz="3200" dirty="0" err="1" smtClean="0"/>
-              <a:t>ejecutarlo</a:t>
-            </a:r>
-            <a:r>
-              <a:rPr lang="en-US" sz="3200" dirty="0" smtClean="0"/>
-              <a:t>**</a:t>
-            </a:r>
-          </a:p>
-        </p:txBody>
-      </p:sp>
-    </p:spTree>
-    <p:extLst>
-      <p:ext uri="{BB962C8B-B14F-4D97-AF65-F5344CB8AC3E}">
-        <p14:creationId xmlns:p14="http://schemas.microsoft.com/office/powerpoint/2010/main" val="1192508486"/>
-      </p:ext>
-    </p:extLst>
-  </p:cSld>
-  <p:clrMapOvr>
-    <a:masterClrMapping/>
-  </p:clrMapOvr>
-  <p:timing>
-    <p:tnLst>
-      <p:par>
-        <p:cTn id="1" dur="indefinite" restart="never" nodeType="tmRoot"/>
-      </p:par>
-    </p:tnLst>
-  </p:timing>
-</p:sld>
-</file>
-
-<file path=ppt/slides/slide20.xml><?xml version="1.0" encoding="utf-8"?>
+<file path=ppt/slides/slide19.xml><?xml version="1.0" encoding="utf-8"?>
 <p:sld xmlns:a="http://schemas.openxmlformats.org/drawingml/2006/main" xmlns:r="http://schemas.openxmlformats.org/officeDocument/2006/relationships" xmlns:p="http://schemas.openxmlformats.org/presentationml/2006/main">
   <p:cSld>
     <p:spTree>
@@ -15520,6 +14821,207 @@
 </p:sld>
 </file>
 
+<file path=ppt/slides/slide2.xml><?xml version="1.0" encoding="utf-8"?>
+<p:sld xmlns:a="http://schemas.openxmlformats.org/drawingml/2006/main" xmlns:r="http://schemas.openxmlformats.org/officeDocument/2006/relationships" xmlns:p="http://schemas.openxmlformats.org/presentationml/2006/main">
+  <p:cSld>
+    <p:spTree>
+      <p:nvGrpSpPr>
+        <p:cNvPr id="1" name=""/>
+        <p:cNvGrpSpPr/>
+        <p:nvPr/>
+      </p:nvGrpSpPr>
+      <p:grpSpPr>
+        <a:xfrm>
+          <a:off x="0" y="0"/>
+          <a:ext cx="0" cy="0"/>
+          <a:chOff x="0" y="0"/>
+          <a:chExt cx="0" cy="0"/>
+        </a:xfrm>
+      </p:grpSpPr>
+      <p:sp>
+        <p:nvSpPr>
+          <p:cNvPr id="2" name="Title 1"/>
+          <p:cNvSpPr>
+            <a:spLocks noGrp="1"/>
+          </p:cNvSpPr>
+          <p:nvPr>
+            <p:ph type="title"/>
+          </p:nvPr>
+        </p:nvSpPr>
+        <p:spPr/>
+        <p:txBody>
+          <a:bodyPr/>
+          <a:lstStyle/>
+          <a:p>
+            <a:r>
+              <a:rPr lang="en-US" sz="4000" dirty="0" smtClean="0"/>
+              <a:t>Lo </a:t>
+            </a:r>
+            <a:r>
+              <a:rPr lang="en-US" sz="4000" dirty="0" err="1" smtClean="0"/>
+              <a:t>que</a:t>
+            </a:r>
+            <a:r>
+              <a:rPr lang="en-US" sz="4000" dirty="0" smtClean="0"/>
+              <a:t> “</a:t>
+            </a:r>
+            <a:r>
+              <a:rPr lang="en-US" sz="4000" dirty="0" err="1" smtClean="0"/>
+              <a:t>sabemos</a:t>
+            </a:r>
+            <a:r>
+              <a:rPr lang="en-US" sz="4000" dirty="0" smtClean="0"/>
+              <a:t>”..</a:t>
+            </a:r>
+            <a:endParaRPr lang="en-US" sz="4000" dirty="0"/>
+          </a:p>
+        </p:txBody>
+      </p:sp>
+      <p:sp>
+        <p:nvSpPr>
+          <p:cNvPr id="3" name="Content Placeholder 2"/>
+          <p:cNvSpPr>
+            <a:spLocks noGrp="1"/>
+          </p:cNvSpPr>
+          <p:nvPr>
+            <p:ph idx="1"/>
+          </p:nvPr>
+        </p:nvSpPr>
+        <p:spPr/>
+        <p:txBody>
+          <a:bodyPr>
+            <a:normAutofit/>
+          </a:bodyPr>
+          <a:lstStyle/>
+          <a:p>
+            <a:r>
+              <a:rPr lang="en-US" sz="3200" dirty="0" smtClean="0"/>
+              <a:t> </a:t>
+            </a:r>
+            <a:r>
+              <a:rPr lang="en-US" sz="3200" dirty="0" err="1" smtClean="0"/>
+              <a:t>Usado</a:t>
+            </a:r>
+            <a:r>
+              <a:rPr lang="en-US" sz="3200" dirty="0" smtClean="0"/>
+              <a:t> </a:t>
+            </a:r>
+            <a:r>
+              <a:rPr lang="en-US" sz="3200" dirty="0" err="1" smtClean="0"/>
+              <a:t>para</a:t>
+            </a:r>
+            <a:r>
+              <a:rPr lang="en-US" sz="3200" dirty="0" smtClean="0"/>
+              <a:t> </a:t>
+            </a:r>
+            <a:r>
+              <a:rPr lang="en-US" sz="3200" dirty="0" err="1" smtClean="0"/>
+              <a:t>crear</a:t>
+            </a:r>
+            <a:r>
+              <a:rPr lang="en-US" sz="3200" dirty="0" smtClean="0"/>
+              <a:t> </a:t>
+            </a:r>
+            <a:r>
+              <a:rPr lang="en-US" sz="3200" dirty="0" err="1" smtClean="0"/>
+              <a:t>páginas</a:t>
+            </a:r>
+            <a:r>
+              <a:rPr lang="en-US" sz="3200" dirty="0" smtClean="0"/>
+              <a:t> web </a:t>
+            </a:r>
+            <a:r>
+              <a:rPr lang="en-US" sz="3200" dirty="0" err="1" smtClean="0"/>
+              <a:t>interactivas</a:t>
+            </a:r>
+            <a:endParaRPr lang="en-US" sz="3200" dirty="0" smtClean="0"/>
+          </a:p>
+          <a:p>
+            <a:r>
+              <a:rPr lang="en-US" sz="3200" dirty="0" smtClean="0"/>
+              <a:t> Se </a:t>
+            </a:r>
+            <a:r>
+              <a:rPr lang="en-US" sz="3200" dirty="0" err="1" smtClean="0"/>
+              <a:t>usa</a:t>
+            </a:r>
+            <a:r>
+              <a:rPr lang="en-US" sz="3200" dirty="0" smtClean="0"/>
+              <a:t> del </a:t>
+            </a:r>
+            <a:r>
+              <a:rPr lang="en-US" sz="3200" dirty="0" err="1" smtClean="0"/>
+              <a:t>lado</a:t>
+            </a:r>
+            <a:r>
+              <a:rPr lang="en-US" sz="3200" dirty="0" smtClean="0"/>
+              <a:t> del </a:t>
+            </a:r>
+            <a:r>
+              <a:rPr lang="en-US" sz="3200" dirty="0" err="1" smtClean="0"/>
+              <a:t>cliente</a:t>
+            </a:r>
+            <a:r>
+              <a:rPr lang="en-US" sz="3200" dirty="0" smtClean="0"/>
+              <a:t>**</a:t>
+            </a:r>
+          </a:p>
+          <a:p>
+            <a:r>
+              <a:rPr lang="en-US" sz="3200" dirty="0"/>
+              <a:t> </a:t>
+            </a:r>
+            <a:r>
+              <a:rPr lang="en-US" sz="3200" dirty="0" smtClean="0"/>
+              <a:t>Solo se </a:t>
+            </a:r>
+            <a:r>
+              <a:rPr lang="en-US" sz="3200" dirty="0" err="1" smtClean="0"/>
+              <a:t>necesita</a:t>
+            </a:r>
+            <a:r>
+              <a:rPr lang="en-US" sz="3200" dirty="0" smtClean="0"/>
+              <a:t> un browser </a:t>
+            </a:r>
+            <a:r>
+              <a:rPr lang="en-US" sz="3200" dirty="0" err="1" smtClean="0"/>
+              <a:t>para</a:t>
+            </a:r>
+            <a:r>
+              <a:rPr lang="en-US" sz="3200" dirty="0" smtClean="0"/>
+              <a:t> </a:t>
+            </a:r>
+            <a:r>
+              <a:rPr lang="en-US" sz="3200" dirty="0" err="1" smtClean="0"/>
+              <a:t>ejecutarlo</a:t>
+            </a:r>
+            <a:r>
+              <a:rPr lang="en-US" sz="3200" dirty="0" smtClean="0"/>
+              <a:t>**</a:t>
+            </a:r>
+          </a:p>
+        </p:txBody>
+      </p:sp>
+    </p:spTree>
+    <p:extLst>
+      <p:ext uri="{BB962C8B-B14F-4D97-AF65-F5344CB8AC3E}">
+        <p14:creationId xmlns:p14="http://schemas.microsoft.com/office/powerpoint/2010/main" val="1192508486"/>
+      </p:ext>
+    </p:extLst>
+  </p:cSld>
+  <p:clrMapOvr>
+    <a:masterClrMapping/>
+  </p:clrMapOvr>
+  <p:timing>
+    <p:tnLst>
+      <p:par>
+        <p:cTn id="1" dur="indefinite" restart="never" nodeType="tmRoot"/>
+      </p:par>
+    </p:tnLst>
+  </p:timing>
+</p:sld>
+</file>
+
 <file path=ppt/slides/slide3.xml><?xml version="1.0" encoding="utf-8"?>
 <p:sld xmlns:a="http://schemas.openxmlformats.org/drawingml/2006/main" xmlns:r="http://schemas.openxmlformats.org/officeDocument/2006/relationships" xmlns:p="http://schemas.openxmlformats.org/presentationml/2006/main">
   <p:cSld>
@@ -16216,13 +15718,7 @@
               <a:rPr lang="en-US" sz="3600" dirty="0" smtClean="0">
                 <a:sym typeface="Wingdings"/>
               </a:rPr>
-              <a:t> </a:t>
-            </a:r>
-            <a:r>
-              <a:rPr lang="en-US" sz="3600" dirty="0" smtClean="0">
-                <a:sym typeface="Wingdings"/>
-              </a:rPr>
-              <a:t>Rhino</a:t>
+              <a:t> Rhino</a:t>
             </a:r>
             <a:endParaRPr lang="es-CO" sz="3600" dirty="0" smtClean="0">
               <a:sym typeface="Wingdings" pitchFamily="2" charset="2"/>
@@ -16639,7 +16135,6 @@
               <a:rPr lang="en-US" sz="2800" dirty="0" smtClean="0"/>
               <a:t>Objects</a:t>
             </a:r>
-            <a:endParaRPr lang="en-US" sz="2800" dirty="0" smtClean="0"/>
           </a:p>
           <a:p>
             <a:pPr lvl="2"/>
@@ -16647,7 +16142,6 @@
               <a:rPr lang="en-US" sz="2800" dirty="0" smtClean="0"/>
               <a:t>Array</a:t>
             </a:r>
-            <a:endParaRPr lang="en-US" sz="2800" dirty="0" smtClean="0"/>
           </a:p>
           <a:p>
             <a:pPr lvl="2"/>

--- a/02-Introduccion-Javascript/Javascript101.pptx
+++ b/02-Introduccion-Javascript/Javascript101.pptx
@@ -210,7 +210,7 @@
           <a:p>
             <a:fld id="{6D56E425-C946-AA48-AEA6-D0119D9DB7FC}" type="datetimeFigureOut">
               <a:rPr lang="en-US" smtClean="0"/>
-              <a:t>5/9/2013</a:t>
+              <a:t>5/23/2013</a:t>
             </a:fld>
             <a:endParaRPr lang="en-US"/>
           </a:p>
@@ -3092,7 +3092,7 @@
           <a:p>
             <a:fld id="{D728701E-CAF4-4159-9B3E-41C86DFFA30D}" type="datetimeFigureOut">
               <a:rPr lang="en-US" smtClean="0"/>
-              <a:t>5/9/2013</a:t>
+              <a:t>5/23/2013</a:t>
             </a:fld>
             <a:endParaRPr lang="en-US"/>
           </a:p>
@@ -3546,7 +3546,7 @@
           <a:p>
             <a:fld id="{D728701E-CAF4-4159-9B3E-41C86DFFA30D}" type="datetimeFigureOut">
               <a:rPr lang="en-US" smtClean="0"/>
-              <a:t>5/9/2013</a:t>
+              <a:t>5/23/2013</a:t>
             </a:fld>
             <a:endParaRPr lang="en-US"/>
           </a:p>
@@ -4089,7 +4089,7 @@
           <a:p>
             <a:fld id="{D728701E-CAF4-4159-9B3E-41C86DFFA30D}" type="datetimeFigureOut">
               <a:rPr lang="en-US" smtClean="0"/>
-              <a:t>5/9/2013</a:t>
+              <a:t>5/23/2013</a:t>
             </a:fld>
             <a:endParaRPr lang="en-US"/>
           </a:p>
@@ -4225,7 +4225,7 @@
           <a:p>
             <a:fld id="{D728701E-CAF4-4159-9B3E-41C86DFFA30D}" type="datetimeFigureOut">
               <a:rPr lang="en-US" smtClean="0"/>
-              <a:t>5/9/2013</a:t>
+              <a:t>5/23/2013</a:t>
             </a:fld>
             <a:endParaRPr lang="en-US"/>
           </a:p>
@@ -4563,7 +4563,7 @@
           <a:p>
             <a:fld id="{D728701E-CAF4-4159-9B3E-41C86DFFA30D}" type="datetimeFigureOut">
               <a:rPr lang="en-US" smtClean="0"/>
-              <a:t>5/9/2013</a:t>
+              <a:t>5/23/2013</a:t>
             </a:fld>
             <a:endParaRPr lang="en-US"/>
           </a:p>
@@ -4889,7 +4889,7 @@
           <a:p>
             <a:fld id="{D728701E-CAF4-4159-9B3E-41C86DFFA30D}" type="datetimeFigureOut">
               <a:rPr lang="en-US" smtClean="0"/>
-              <a:t>5/9/2013</a:t>
+              <a:t>5/23/2013</a:t>
             </a:fld>
             <a:endParaRPr lang="en-US"/>
           </a:p>
@@ -5187,7 +5187,7 @@
           <a:p>
             <a:fld id="{D728701E-CAF4-4159-9B3E-41C86DFFA30D}" type="datetimeFigureOut">
               <a:rPr lang="en-US" smtClean="0"/>
-              <a:t>5/9/2013</a:t>
+              <a:t>5/23/2013</a:t>
             </a:fld>
             <a:endParaRPr lang="en-US"/>
           </a:p>
@@ -5574,7 +5574,7 @@
           <a:p>
             <a:fld id="{D728701E-CAF4-4159-9B3E-41C86DFFA30D}" type="datetimeFigureOut">
               <a:rPr lang="en-US" smtClean="0"/>
-              <a:t>5/9/2013</a:t>
+              <a:t>5/23/2013</a:t>
             </a:fld>
             <a:endParaRPr lang="en-US"/>
           </a:p>
@@ -5994,7 +5994,7 @@
           <a:p>
             <a:fld id="{D728701E-CAF4-4159-9B3E-41C86DFFA30D}" type="datetimeFigureOut">
               <a:rPr lang="en-US" smtClean="0"/>
-              <a:t>5/9/2013</a:t>
+              <a:t>5/23/2013</a:t>
             </a:fld>
             <a:endParaRPr lang="en-US"/>
           </a:p>
@@ -6542,7 +6542,7 @@
           <a:p>
             <a:fld id="{D728701E-CAF4-4159-9B3E-41C86DFFA30D}" type="datetimeFigureOut">
               <a:rPr lang="en-US" smtClean="0"/>
-              <a:t>5/9/2013</a:t>
+              <a:t>5/23/2013</a:t>
             </a:fld>
             <a:endParaRPr lang="en-US"/>
           </a:p>
@@ -6900,7 +6900,7 @@
           <a:p>
             <a:fld id="{D728701E-CAF4-4159-9B3E-41C86DFFA30D}" type="datetimeFigureOut">
               <a:rPr lang="en-US" smtClean="0"/>
-              <a:t>5/9/2013</a:t>
+              <a:t>5/23/2013</a:t>
             </a:fld>
             <a:endParaRPr lang="en-US"/>
           </a:p>
@@ -7115,7 +7115,7 @@
           <a:p>
             <a:fld id="{D728701E-CAF4-4159-9B3E-41C86DFFA30D}" type="datetimeFigureOut">
               <a:rPr lang="en-US" smtClean="0"/>
-              <a:t>5/9/2013</a:t>
+              <a:t>5/23/2013</a:t>
             </a:fld>
             <a:endParaRPr lang="en-US"/>
           </a:p>
@@ -7422,7 +7422,7 @@
           <a:p>
             <a:fld id="{D728701E-CAF4-4159-9B3E-41C86DFFA30D}" type="datetimeFigureOut">
               <a:rPr lang="en-US" smtClean="0"/>
-              <a:t>5/9/2013</a:t>
+              <a:t>5/23/2013</a:t>
             </a:fld>
             <a:endParaRPr lang="en-US"/>
           </a:p>
@@ -7678,7 +7678,7 @@
           <a:p>
             <a:fld id="{D728701E-CAF4-4159-9B3E-41C86DFFA30D}" type="datetimeFigureOut">
               <a:rPr lang="en-US" smtClean="0"/>
-              <a:t>5/9/2013</a:t>
+              <a:t>5/23/2013</a:t>
             </a:fld>
             <a:endParaRPr lang="en-US"/>
           </a:p>
@@ -8067,7 +8067,7 @@
           <a:p>
             <a:fld id="{D728701E-CAF4-4159-9B3E-41C86DFFA30D}" type="datetimeFigureOut">
               <a:rPr lang="en-US" smtClean="0"/>
-              <a:t>5/9/2013</a:t>
+              <a:t>5/23/2013</a:t>
             </a:fld>
             <a:endParaRPr lang="en-US"/>
           </a:p>
@@ -8656,7 +8656,7 @@
           <a:p>
             <a:fld id="{D728701E-CAF4-4159-9B3E-41C86DFFA30D}" type="datetimeFigureOut">
               <a:rPr lang="en-US" smtClean="0"/>
-              <a:t>5/9/2013</a:t>
+              <a:t>5/23/2013</a:t>
             </a:fld>
             <a:endParaRPr lang="en-US"/>
           </a:p>
@@ -9171,7 +9171,7 @@
           <a:p>
             <a:fld id="{D728701E-CAF4-4159-9B3E-41C86DFFA30D}" type="datetimeFigureOut">
               <a:rPr lang="en-US" smtClean="0"/>
-              <a:t>5/9/2013</a:t>
+              <a:t>5/23/2013</a:t>
             </a:fld>
             <a:endParaRPr lang="en-US"/>
           </a:p>
@@ -9544,7 +9544,7 @@
           <a:p>
             <a:fld id="{D728701E-CAF4-4159-9B3E-41C86DFFA30D}" type="datetimeFigureOut">
               <a:rPr lang="en-US" smtClean="0"/>
-              <a:t>5/9/2013</a:t>
+              <a:t>5/23/2013</a:t>
             </a:fld>
             <a:endParaRPr lang="en-US"/>
           </a:p>
@@ -9943,7 +9943,7 @@
           <a:p>
             <a:fld id="{D728701E-CAF4-4159-9B3E-41C86DFFA30D}" type="datetimeFigureOut">
               <a:rPr lang="en-US" smtClean="0"/>
-              <a:t>5/9/2013</a:t>
+              <a:t>5/23/2013</a:t>
             </a:fld>
             <a:endParaRPr lang="en-US"/>
           </a:p>
@@ -10363,7 +10363,7 @@
           <a:p>
             <a:fld id="{D728701E-CAF4-4159-9B3E-41C86DFFA30D}" type="datetimeFigureOut">
               <a:rPr lang="en-US" smtClean="0"/>
-              <a:t>5/9/2013</a:t>
+              <a:t>5/23/2013</a:t>
             </a:fld>
             <a:endParaRPr lang="en-US"/>
           </a:p>
@@ -10746,7 +10746,7 @@
           <a:p>
             <a:fld id="{D728701E-CAF4-4159-9B3E-41C86DFFA30D}" type="datetimeFigureOut">
               <a:rPr lang="en-US" smtClean="0"/>
-              <a:t>5/9/2013</a:t>
+              <a:t>5/23/2013</a:t>
             </a:fld>
             <a:endParaRPr lang="en-US"/>
           </a:p>
@@ -11217,12 +11217,12 @@
           <a:lstStyle/>
           <a:p>
             <a:r>
-              <a:rPr lang="en-US" dirty="0" err="1" smtClean="0"/>
-              <a:t>Javascript</a:t>
-            </a:r>
-            <a:r>
               <a:rPr lang="en-US" dirty="0" smtClean="0"/>
-              <a:t> 101</a:t>
+              <a:t>JavaScript </a:t>
+            </a:r>
+            <a:r>
+              <a:rPr lang="en-US" dirty="0" smtClean="0"/>
+              <a:t>101</a:t>
             </a:r>
             <a:endParaRPr lang="en-US" dirty="0"/>
           </a:p>
@@ -11887,13 +11887,7 @@
               <a:rPr lang="en-US" sz="2400" dirty="0" smtClean="0">
                 <a:sym typeface="Wingdings"/>
               </a:rPr>
-              <a:t> tru</a:t>
-            </a:r>
-            <a:r>
-              <a:rPr lang="en-US" sz="2400" dirty="0" smtClean="0">
-                <a:sym typeface="Wingdings"/>
-              </a:rPr>
-              <a:t>e y false se </a:t>
+              <a:t> true y false se </a:t>
             </a:r>
             <a:r>
               <a:rPr lang="en-US" sz="2400" dirty="0" err="1" smtClean="0">
@@ -11940,13 +11934,7 @@
               <a:rPr lang="en-US" sz="2400" dirty="0" smtClean="0">
                 <a:sym typeface="Wingdings"/>
               </a:rPr>
-              <a:t> </a:t>
-            </a:r>
-            <a:r>
-              <a:rPr lang="en-US" sz="2400" dirty="0" smtClean="0">
-                <a:sym typeface="Wingdings"/>
-              </a:rPr>
-              <a:t>son </a:t>
+              <a:t> son </a:t>
             </a:r>
             <a:r>
               <a:rPr lang="en-US" sz="2400" dirty="0" err="1" smtClean="0">
@@ -11972,6 +11960,33 @@
               </a:rPr>
               <a:t>alse</a:t>
             </a:r>
+          </a:p>
+          <a:p>
+            <a:pPr lvl="1"/>
+            <a:r>
+              <a:rPr lang="en-US" sz="2200" dirty="0" smtClean="0">
+                <a:sym typeface="Wingdings"/>
+              </a:rPr>
+              <a:t>0</a:t>
+            </a:r>
+          </a:p>
+          <a:p>
+            <a:pPr lvl="1"/>
+            <a:r>
+              <a:rPr lang="en-US" sz="2200" dirty="0" smtClean="0">
+                <a:sym typeface="Wingdings"/>
+              </a:rPr>
+              <a:t>“”</a:t>
+            </a:r>
+          </a:p>
+          <a:p>
+            <a:pPr lvl="1"/>
+            <a:r>
+              <a:rPr lang="en-US" sz="2200" dirty="0" err="1" smtClean="0">
+                <a:sym typeface="Wingdings"/>
+              </a:rPr>
+              <a:t>NaN</a:t>
+            </a:r>
             <a:endParaRPr lang="en-US" sz="2200" dirty="0" smtClean="0">
               <a:sym typeface="Wingdings"/>
             </a:endParaRPr>
@@ -11982,41 +11997,8 @@
               <a:rPr lang="en-US" sz="2200" dirty="0" smtClean="0">
                 <a:sym typeface="Wingdings"/>
               </a:rPr>
-              <a:t>0</a:t>
-            </a:r>
-          </a:p>
-          <a:p>
-            <a:pPr lvl="1"/>
-            <a:r>
-              <a:rPr lang="en-US" sz="2200" dirty="0" smtClean="0">
-                <a:sym typeface="Wingdings"/>
-              </a:rPr>
-              <a:t>“”</a:t>
-            </a:r>
-          </a:p>
-          <a:p>
-            <a:pPr lvl="1"/>
-            <a:r>
-              <a:rPr lang="en-US" sz="2200" dirty="0" err="1" smtClean="0">
-                <a:sym typeface="Wingdings"/>
-              </a:rPr>
-              <a:t>NaN</a:t>
-            </a:r>
-            <a:endParaRPr lang="en-US" sz="2200" dirty="0" smtClean="0">
-              <a:sym typeface="Wingdings"/>
-            </a:endParaRPr>
-          </a:p>
-          <a:p>
-            <a:pPr lvl="1"/>
-            <a:r>
-              <a:rPr lang="en-US" sz="2200" dirty="0" smtClean="0">
-                <a:sym typeface="Wingdings"/>
-              </a:rPr>
               <a:t>null</a:t>
             </a:r>
-            <a:endParaRPr lang="en-US" sz="2200" dirty="0" smtClean="0">
-              <a:sym typeface="Wingdings"/>
-            </a:endParaRPr>
           </a:p>
           <a:p>
             <a:pPr lvl="1"/>
@@ -12403,38 +12385,29 @@
           <a:p>
             <a:pPr lvl="1"/>
             <a:r>
-              <a:rPr lang="en-US" sz="2200" dirty="0"/>
-              <a:t>N</a:t>
-            </a:r>
-            <a:r>
-              <a:rPr lang="en-US" sz="2200" dirty="0" smtClean="0"/>
-              <a:t>o </a:t>
-            </a:r>
-            <a:r>
-              <a:rPr lang="en-US" sz="2200" dirty="0" err="1" smtClean="0"/>
-              <a:t>funciona</a:t>
-            </a:r>
-            <a:r>
-              <a:rPr lang="en-US" sz="2200" dirty="0" smtClean="0"/>
-              <a:t> </a:t>
-            </a:r>
-            <a:r>
-              <a:rPr lang="en-US" sz="2200" dirty="0" err="1" smtClean="0"/>
-              <a:t>como</a:t>
-            </a:r>
-            <a:r>
-              <a:rPr lang="en-US" sz="2200" dirty="0" smtClean="0"/>
-              <a:t> en Java o </a:t>
-            </a:r>
-            <a:r>
-              <a:rPr lang="en-US" sz="2200" dirty="0" err="1" smtClean="0"/>
-              <a:t>.Net</a:t>
+              <a:rPr lang="en-US" sz="2200" dirty="0" err="1"/>
+              <a:t>Funciona</a:t>
             </a:r>
             <a:r>
               <a:rPr lang="en-US" sz="2200" dirty="0"/>
               <a:t> </a:t>
             </a:r>
-            <a:endParaRPr lang="en-US" sz="2200" dirty="0" smtClean="0"/>
+            <a:r>
+              <a:rPr lang="en-US" sz="2200" dirty="0" err="1"/>
+              <a:t>igual</a:t>
+            </a:r>
+            <a:r>
+              <a:rPr lang="en-US" sz="2200" dirty="0"/>
+              <a:t> a Java o </a:t>
+            </a:r>
+            <a:r>
+              <a:rPr lang="en-US" sz="2200" dirty="0" err="1"/>
+              <a:t>.Net</a:t>
+            </a:r>
+            <a:r>
+              <a:rPr lang="en-US" sz="2200" dirty="0"/>
+              <a:t>  en un if</a:t>
+            </a:r>
           </a:p>
           <a:p>
             <a:pPr lvl="1"/>
@@ -12789,43 +12762,43 @@
             </a:r>
             <a:r>
               <a:rPr lang="en-US" sz="2400" dirty="0" smtClean="0"/>
-              <a:t> Default Operator)</a:t>
-            </a:r>
-          </a:p>
-          <a:p>
+              <a:t> Default Operator</a:t>
+            </a:r>
+            <a:r>
+              <a:rPr lang="en-US" sz="2400" dirty="0" smtClean="0"/>
+              <a:t>)</a:t>
+            </a:r>
+            <a:br>
+              <a:rPr lang="en-US" sz="2400" dirty="0" smtClean="0"/>
+            </a:br>
             <a:endParaRPr lang="en-US" sz="2400" dirty="0" smtClean="0"/>
           </a:p>
           <a:p>
             <a:pPr lvl="1"/>
             <a:r>
-              <a:rPr lang="en-US" sz="2400" dirty="0"/>
-              <a:t>No </a:t>
-            </a:r>
-            <a:r>
-              <a:rPr lang="en-US" sz="2400" dirty="0" err="1"/>
-              <a:t>funciona</a:t>
-            </a:r>
-            <a:r>
-              <a:rPr lang="en-US" sz="2400" dirty="0"/>
+              <a:rPr lang="en-US" sz="2200" dirty="0" err="1"/>
+              <a:t>Funciona</a:t>
+            </a:r>
+            <a:r>
+              <a:rPr lang="en-US" sz="2200" dirty="0"/>
               <a:t> </a:t>
             </a:r>
             <a:r>
-              <a:rPr lang="en-US" sz="2400" dirty="0" err="1"/>
-              <a:t>como</a:t>
-            </a:r>
-            <a:r>
-              <a:rPr lang="en-US" sz="2400" dirty="0"/>
-              <a:t> en Java o </a:t>
-            </a:r>
-            <a:r>
-              <a:rPr lang="en-US" sz="2400" dirty="0" err="1"/>
+              <a:rPr lang="en-US" sz="2200" dirty="0" err="1"/>
+              <a:t>igual</a:t>
+            </a:r>
+            <a:r>
+              <a:rPr lang="en-US" sz="2200" dirty="0"/>
+              <a:t> a Java o </a:t>
+            </a:r>
+            <a:r>
+              <a:rPr lang="en-US" sz="2200" dirty="0" err="1"/>
               <a:t>.Net</a:t>
             </a:r>
             <a:r>
-              <a:rPr lang="en-US" sz="2400" dirty="0"/>
-              <a:t> </a:t>
-            </a:r>
-            <a:endParaRPr lang="en-US" sz="2400" dirty="0" smtClean="0"/>
+              <a:rPr lang="en-US" sz="2200" dirty="0"/>
+              <a:t>  en un if</a:t>
+            </a:r>
           </a:p>
           <a:p>
             <a:pPr lvl="1"/>
@@ -14756,7 +14729,7 @@
           <p:nvPr/>
         </p:nvPicPr>
         <p:blipFill>
-          <a:blip r:embed="rId3">
+          <a:blip r:embed="rId3" cstate="email">
             <a:extLst>
               <a:ext uri="{28A0092B-C50C-407E-A947-70E740481C1C}">
                 <a14:useLocalDpi xmlns:a14="http://schemas.microsoft.com/office/drawing/2010/main" val="0"/>
@@ -14770,8 +14743,8 @@
         </p:blipFill>
         <p:spPr bwMode="auto">
           <a:xfrm>
-            <a:off x="1656718" y="2681689"/>
-            <a:ext cx="5610225" cy="3962400"/>
+            <a:off x="384491" y="1942382"/>
+            <a:ext cx="5256146" cy="3712321"/>
           </a:xfrm>
           <a:prstGeom prst="rect">
             <a:avLst/>
@@ -14801,6 +14774,564 @@
           </a:extLst>
         </p:spPr>
       </p:pic>
+      <p:sp>
+        <p:nvSpPr>
+          <p:cNvPr id="3" name="Rounded Rectangle 2"/>
+          <p:cNvSpPr/>
+          <p:nvPr/>
+        </p:nvSpPr>
+        <p:spPr>
+          <a:xfrm>
+            <a:off x="5860974" y="2610998"/>
+            <a:ext cx="3062690" cy="3043705"/>
+          </a:xfrm>
+          <a:prstGeom prst="roundRect">
+            <a:avLst/>
+          </a:prstGeom>
+        </p:spPr>
+        <p:style>
+          <a:lnRef idx="1">
+            <a:schemeClr val="accent1"/>
+          </a:lnRef>
+          <a:fillRef idx="3">
+            <a:schemeClr val="accent1"/>
+          </a:fillRef>
+          <a:effectRef idx="2">
+            <a:schemeClr val="accent1"/>
+          </a:effectRef>
+          <a:fontRef idx="minor">
+            <a:schemeClr val="lt1"/>
+          </a:fontRef>
+        </p:style>
+        <p:txBody>
+          <a:bodyPr rtlCol="0" anchor="ctr"/>
+          <a:lstStyle/>
+          <a:p>
+            <a:pPr algn="ctr"/>
+            <a:endParaRPr lang="es-CO" b="1" dirty="0">
+              <a:ln w="12700">
+                <a:solidFill>
+                  <a:schemeClr val="tx2">
+                    <a:satMod val="155000"/>
+                  </a:schemeClr>
+                </a:solidFill>
+                <a:prstDash val="solid"/>
+              </a:ln>
+              <a:solidFill>
+                <a:schemeClr val="bg2">
+                  <a:tint val="85000"/>
+                  <a:satMod val="155000"/>
+                </a:schemeClr>
+              </a:solidFill>
+              <a:effectLst>
+                <a:outerShdw blurRad="41275" dist="20320" dir="1800000" algn="tl" rotWithShape="0">
+                  <a:srgbClr val="000000">
+                    <a:alpha val="40000"/>
+                  </a:srgbClr>
+                </a:outerShdw>
+              </a:effectLst>
+            </a:endParaRPr>
+          </a:p>
+        </p:txBody>
+      </p:sp>
+      <p:sp>
+        <p:nvSpPr>
+          <p:cNvPr id="5" name="Rounded Rectangle 4"/>
+          <p:cNvSpPr/>
+          <p:nvPr/>
+        </p:nvSpPr>
+        <p:spPr>
+          <a:xfrm>
+            <a:off x="6004193" y="3481330"/>
+            <a:ext cx="2798284" cy="1961788"/>
+          </a:xfrm>
+          <a:prstGeom prst="roundRect">
+            <a:avLst/>
+          </a:prstGeom>
+          <a:solidFill>
+            <a:schemeClr val="accent5">
+              <a:lumMod val="75000"/>
+            </a:schemeClr>
+          </a:solidFill>
+        </p:spPr>
+        <p:style>
+          <a:lnRef idx="1">
+            <a:schemeClr val="accent1"/>
+          </a:lnRef>
+          <a:fillRef idx="3">
+            <a:schemeClr val="accent1"/>
+          </a:fillRef>
+          <a:effectRef idx="2">
+            <a:schemeClr val="accent1"/>
+          </a:effectRef>
+          <a:fontRef idx="minor">
+            <a:schemeClr val="lt1"/>
+          </a:fontRef>
+        </p:style>
+        <p:txBody>
+          <a:bodyPr rtlCol="0" anchor="ctr"/>
+          <a:lstStyle/>
+          <a:p>
+            <a:pPr algn="ctr"/>
+            <a:endParaRPr lang="es-CO"/>
+          </a:p>
+        </p:txBody>
+      </p:sp>
+      <p:sp>
+        <p:nvSpPr>
+          <p:cNvPr id="6" name="Rounded Rectangle 5"/>
+          <p:cNvSpPr/>
+          <p:nvPr/>
+        </p:nvSpPr>
+        <p:spPr>
+          <a:xfrm>
+            <a:off x="6257581" y="4164376"/>
+            <a:ext cx="2181339" cy="1090670"/>
+          </a:xfrm>
+          <a:prstGeom prst="roundRect">
+            <a:avLst/>
+          </a:prstGeom>
+          <a:solidFill>
+            <a:schemeClr val="accent6">
+              <a:lumMod val="60000"/>
+              <a:lumOff val="40000"/>
+            </a:schemeClr>
+          </a:solidFill>
+        </p:spPr>
+        <p:style>
+          <a:lnRef idx="1">
+            <a:schemeClr val="accent1"/>
+          </a:lnRef>
+          <a:fillRef idx="3">
+            <a:schemeClr val="accent1"/>
+          </a:fillRef>
+          <a:effectRef idx="2">
+            <a:schemeClr val="accent1"/>
+          </a:effectRef>
+          <a:fontRef idx="minor">
+            <a:schemeClr val="lt1"/>
+          </a:fontRef>
+        </p:style>
+        <p:txBody>
+          <a:bodyPr rtlCol="0" anchor="ctr"/>
+          <a:lstStyle/>
+          <a:p>
+            <a:pPr algn="ctr"/>
+            <a:endParaRPr lang="es-CO"/>
+          </a:p>
+        </p:txBody>
+      </p:sp>
+      <p:sp>
+        <p:nvSpPr>
+          <p:cNvPr id="7" name="Down Arrow 6"/>
+          <p:cNvSpPr/>
+          <p:nvPr/>
+        </p:nvSpPr>
+        <p:spPr>
+          <a:xfrm flipV="1">
+            <a:off x="7663687" y="3153900"/>
+            <a:ext cx="210777" cy="586171"/>
+          </a:xfrm>
+          <a:prstGeom prst="downArrow">
+            <a:avLst/>
+          </a:prstGeom>
+          <a:solidFill>
+            <a:srgbClr val="00B050"/>
+          </a:solidFill>
+        </p:spPr>
+        <p:style>
+          <a:lnRef idx="1">
+            <a:schemeClr val="accent1"/>
+          </a:lnRef>
+          <a:fillRef idx="3">
+            <a:schemeClr val="accent1"/>
+          </a:fillRef>
+          <a:effectRef idx="2">
+            <a:schemeClr val="accent1"/>
+          </a:effectRef>
+          <a:fontRef idx="minor">
+            <a:schemeClr val="lt1"/>
+          </a:fontRef>
+        </p:style>
+        <p:txBody>
+          <a:bodyPr rtlCol="0" anchor="ctr"/>
+          <a:lstStyle/>
+          <a:p>
+            <a:pPr algn="ctr"/>
+            <a:endParaRPr lang="es-CO"/>
+          </a:p>
+        </p:txBody>
+      </p:sp>
+      <p:sp>
+        <p:nvSpPr>
+          <p:cNvPr id="8" name="Rectangle 7"/>
+          <p:cNvSpPr/>
+          <p:nvPr/>
+        </p:nvSpPr>
+        <p:spPr>
+          <a:xfrm>
+            <a:off x="6132342" y="2594392"/>
+            <a:ext cx="1531345" cy="523220"/>
+          </a:xfrm>
+          <a:prstGeom prst="rect">
+            <a:avLst/>
+          </a:prstGeom>
+          <a:noFill/>
+        </p:spPr>
+        <p:txBody>
+          <a:bodyPr wrap="square" lIns="91440" tIns="45720" rIns="91440" bIns="45720">
+            <a:spAutoFit/>
+          </a:bodyPr>
+          <a:lstStyle/>
+          <a:p>
+            <a:pPr algn="ctr"/>
+            <a:r>
+              <a:rPr lang="en-US" sz="2800" b="1" dirty="0" smtClean="0">
+                <a:ln w="900" cmpd="sng">
+                  <a:solidFill>
+                    <a:schemeClr val="accent1">
+                      <a:satMod val="190000"/>
+                      <a:alpha val="55000"/>
+                    </a:schemeClr>
+                  </a:solidFill>
+                  <a:prstDash val="solid"/>
+                </a:ln>
+                <a:solidFill>
+                  <a:schemeClr val="accent1">
+                    <a:satMod val="200000"/>
+                    <a:tint val="3000"/>
+                  </a:schemeClr>
+                </a:solidFill>
+                <a:effectLst>
+                  <a:innerShdw blurRad="101600" dist="76200" dir="5400000">
+                    <a:schemeClr val="accent1">
+                      <a:satMod val="190000"/>
+                      <a:tint val="100000"/>
+                      <a:alpha val="74000"/>
+                    </a:schemeClr>
+                  </a:innerShdw>
+                </a:effectLst>
+              </a:rPr>
+              <a:t>student</a:t>
+            </a:r>
+            <a:endParaRPr lang="en-US" sz="2800" b="1" cap="none" spc="0" dirty="0">
+              <a:ln w="900" cmpd="sng">
+                <a:solidFill>
+                  <a:schemeClr val="accent1">
+                    <a:satMod val="190000"/>
+                    <a:alpha val="55000"/>
+                  </a:schemeClr>
+                </a:solidFill>
+                <a:prstDash val="solid"/>
+              </a:ln>
+              <a:solidFill>
+                <a:schemeClr val="accent1">
+                  <a:satMod val="200000"/>
+                  <a:tint val="3000"/>
+                </a:schemeClr>
+              </a:solidFill>
+              <a:effectLst>
+                <a:innerShdw blurRad="101600" dist="76200" dir="5400000">
+                  <a:schemeClr val="accent1">
+                    <a:satMod val="190000"/>
+                    <a:tint val="100000"/>
+                    <a:alpha val="74000"/>
+                  </a:schemeClr>
+                </a:innerShdw>
+              </a:effectLst>
+            </a:endParaRPr>
+          </a:p>
+        </p:txBody>
+      </p:sp>
+      <p:sp>
+        <p:nvSpPr>
+          <p:cNvPr id="10" name="Down Arrow 9"/>
+          <p:cNvSpPr/>
+          <p:nvPr/>
+        </p:nvSpPr>
+        <p:spPr>
+          <a:xfrm flipV="1">
+            <a:off x="8066880" y="3153900"/>
+            <a:ext cx="210777" cy="1308324"/>
+          </a:xfrm>
+          <a:prstGeom prst="downArrow">
+            <a:avLst/>
+          </a:prstGeom>
+          <a:solidFill>
+            <a:srgbClr val="FF0000"/>
+          </a:solidFill>
+        </p:spPr>
+        <p:style>
+          <a:lnRef idx="1">
+            <a:schemeClr val="accent1"/>
+          </a:lnRef>
+          <a:fillRef idx="3">
+            <a:schemeClr val="accent1"/>
+          </a:fillRef>
+          <a:effectRef idx="2">
+            <a:schemeClr val="accent1"/>
+          </a:effectRef>
+          <a:fontRef idx="minor">
+            <a:schemeClr val="lt1"/>
+          </a:fontRef>
+        </p:style>
+        <p:txBody>
+          <a:bodyPr rtlCol="0" anchor="ctr"/>
+          <a:lstStyle/>
+          <a:p>
+            <a:pPr algn="ctr"/>
+            <a:endParaRPr lang="es-CO"/>
+          </a:p>
+        </p:txBody>
+      </p:sp>
+      <p:sp>
+        <p:nvSpPr>
+          <p:cNvPr id="11" name="Rectangle 10"/>
+          <p:cNvSpPr/>
+          <p:nvPr/>
+        </p:nvSpPr>
+        <p:spPr>
+          <a:xfrm>
+            <a:off x="6033191" y="3534505"/>
+            <a:ext cx="1531345" cy="338554"/>
+          </a:xfrm>
+          <a:prstGeom prst="rect">
+            <a:avLst/>
+          </a:prstGeom>
+          <a:noFill/>
+        </p:spPr>
+        <p:txBody>
+          <a:bodyPr wrap="square" lIns="91440" tIns="45720" rIns="91440" bIns="45720">
+            <a:spAutoFit/>
+            <a:scene3d>
+              <a:camera prst="orthographicFront"/>
+              <a:lightRig rig="soft" dir="tl">
+                <a:rot lat="0" lon="0" rev="0"/>
+              </a:lightRig>
+            </a:scene3d>
+            <a:sp3d contourW="25400" prstMaterial="matte">
+              <a:bevelT w="25400" h="55880" prst="artDeco"/>
+              <a:contourClr>
+                <a:schemeClr val="accent2">
+                  <a:tint val="20000"/>
+                </a:schemeClr>
+              </a:contourClr>
+            </a:sp3d>
+          </a:bodyPr>
+          <a:lstStyle/>
+          <a:p>
+            <a:pPr algn="ctr"/>
+            <a:r>
+              <a:rPr lang="en-US" sz="1600" b="1" spc="50" dirty="0" err="1" smtClean="0">
+                <a:ln w="11430"/>
+                <a:gradFill>
+                  <a:gsLst>
+                    <a:gs pos="25000">
+                      <a:schemeClr val="accent2">
+                        <a:satMod val="155000"/>
+                      </a:schemeClr>
+                    </a:gs>
+                    <a:gs pos="100000">
+                      <a:schemeClr val="accent2">
+                        <a:shade val="45000"/>
+                        <a:satMod val="165000"/>
+                      </a:schemeClr>
+                    </a:gs>
+                  </a:gsLst>
+                  <a:lin ang="5400000"/>
+                </a:gradFill>
+                <a:effectLst>
+                  <a:outerShdw blurRad="76200" dist="50800" dir="5400000" algn="tl" rotWithShape="0">
+                    <a:srgbClr val="000000">
+                      <a:alpha val="65000"/>
+                    </a:srgbClr>
+                  </a:outerShdw>
+                </a:effectLst>
+              </a:rPr>
+              <a:t>printName</a:t>
+            </a:r>
+            <a:r>
+              <a:rPr lang="en-US" sz="1600" b="1" spc="50" dirty="0" smtClean="0">
+                <a:ln w="11430"/>
+                <a:gradFill>
+                  <a:gsLst>
+                    <a:gs pos="25000">
+                      <a:schemeClr val="accent2">
+                        <a:satMod val="155000"/>
+                      </a:schemeClr>
+                    </a:gs>
+                    <a:gs pos="100000">
+                      <a:schemeClr val="accent2">
+                        <a:shade val="45000"/>
+                        <a:satMod val="165000"/>
+                      </a:schemeClr>
+                    </a:gs>
+                  </a:gsLst>
+                  <a:lin ang="5400000"/>
+                </a:gradFill>
+                <a:effectLst>
+                  <a:outerShdw blurRad="76200" dist="50800" dir="5400000" algn="tl" rotWithShape="0">
+                    <a:srgbClr val="000000">
+                      <a:alpha val="65000"/>
+                    </a:srgbClr>
+                  </a:outerShdw>
+                </a:effectLst>
+              </a:rPr>
+              <a:t>()</a:t>
+            </a:r>
+            <a:endParaRPr lang="en-US" sz="1600" b="1" spc="50" dirty="0">
+              <a:ln w="11430"/>
+              <a:gradFill>
+                <a:gsLst>
+                  <a:gs pos="25000">
+                    <a:schemeClr val="accent2">
+                      <a:satMod val="155000"/>
+                    </a:schemeClr>
+                  </a:gs>
+                  <a:gs pos="100000">
+                    <a:schemeClr val="accent2">
+                      <a:shade val="45000"/>
+                      <a:satMod val="165000"/>
+                    </a:schemeClr>
+                  </a:gs>
+                </a:gsLst>
+                <a:lin ang="5400000"/>
+              </a:gradFill>
+              <a:effectLst>
+                <a:outerShdw blurRad="76200" dist="50800" dir="5400000" algn="tl" rotWithShape="0">
+                  <a:srgbClr val="000000">
+                    <a:alpha val="65000"/>
+                  </a:srgbClr>
+                </a:outerShdw>
+              </a:effectLst>
+            </a:endParaRPr>
+          </a:p>
+        </p:txBody>
+      </p:sp>
+      <p:sp>
+        <p:nvSpPr>
+          <p:cNvPr id="12" name="Rectangle 11"/>
+          <p:cNvSpPr/>
+          <p:nvPr/>
+        </p:nvSpPr>
+        <p:spPr>
+          <a:xfrm>
+            <a:off x="6343119" y="4190712"/>
+            <a:ext cx="1531345" cy="338554"/>
+          </a:xfrm>
+          <a:prstGeom prst="rect">
+            <a:avLst/>
+          </a:prstGeom>
+          <a:noFill/>
+        </p:spPr>
+        <p:txBody>
+          <a:bodyPr wrap="square" lIns="91440" tIns="45720" rIns="91440" bIns="45720">
+            <a:spAutoFit/>
+            <a:scene3d>
+              <a:camera prst="orthographicFront"/>
+              <a:lightRig rig="soft" dir="tl">
+                <a:rot lat="0" lon="0" rev="0"/>
+              </a:lightRig>
+            </a:scene3d>
+            <a:sp3d contourW="25400" prstMaterial="matte">
+              <a:bevelT w="25400" h="55880" prst="artDeco"/>
+              <a:contourClr>
+                <a:schemeClr val="accent2">
+                  <a:tint val="20000"/>
+                </a:schemeClr>
+              </a:contourClr>
+            </a:sp3d>
+          </a:bodyPr>
+          <a:lstStyle/>
+          <a:p>
+            <a:pPr algn="ctr"/>
+            <a:r>
+              <a:rPr lang="en-US" sz="1600" b="1" spc="50" dirty="0" err="1" smtClean="0">
+                <a:ln w="11430"/>
+                <a:gradFill>
+                  <a:gsLst>
+                    <a:gs pos="25000">
+                      <a:schemeClr val="accent2">
+                        <a:satMod val="155000"/>
+                      </a:schemeClr>
+                    </a:gs>
+                    <a:gs pos="100000">
+                      <a:schemeClr val="accent2">
+                        <a:shade val="45000"/>
+                        <a:satMod val="165000"/>
+                      </a:schemeClr>
+                    </a:gs>
+                  </a:gsLst>
+                  <a:lin ang="5400000"/>
+                </a:gradFill>
+                <a:effectLst>
+                  <a:outerShdw blurRad="76200" dist="50800" dir="5400000" algn="tl" rotWithShape="0">
+                    <a:srgbClr val="000000">
+                      <a:alpha val="65000"/>
+                    </a:srgbClr>
+                  </a:outerShdw>
+                </a:effectLst>
+              </a:rPr>
+              <a:t>printHelper</a:t>
+            </a:r>
+            <a:r>
+              <a:rPr lang="en-US" sz="1600" b="1" spc="50" dirty="0" smtClean="0">
+                <a:ln w="11430"/>
+                <a:gradFill>
+                  <a:gsLst>
+                    <a:gs pos="25000">
+                      <a:schemeClr val="accent2">
+                        <a:satMod val="155000"/>
+                      </a:schemeClr>
+                    </a:gs>
+                    <a:gs pos="100000">
+                      <a:schemeClr val="accent2">
+                        <a:shade val="45000"/>
+                        <a:satMod val="165000"/>
+                      </a:schemeClr>
+                    </a:gs>
+                  </a:gsLst>
+                  <a:lin ang="5400000"/>
+                </a:gradFill>
+                <a:effectLst>
+                  <a:outerShdw blurRad="76200" dist="50800" dir="5400000" algn="tl" rotWithShape="0">
+                    <a:srgbClr val="000000">
+                      <a:alpha val="65000"/>
+                    </a:srgbClr>
+                  </a:outerShdw>
+                </a:effectLst>
+              </a:rPr>
+              <a:t>()</a:t>
+            </a:r>
+            <a:endParaRPr lang="en-US" sz="1600" b="1" spc="50" dirty="0">
+              <a:ln w="11430"/>
+              <a:gradFill>
+                <a:gsLst>
+                  <a:gs pos="25000">
+                    <a:schemeClr val="accent2">
+                      <a:satMod val="155000"/>
+                    </a:schemeClr>
+                  </a:gs>
+                  <a:gs pos="100000">
+                    <a:schemeClr val="accent2">
+                      <a:shade val="45000"/>
+                      <a:satMod val="165000"/>
+                    </a:schemeClr>
+                  </a:gs>
+                </a:gsLst>
+                <a:lin ang="5400000"/>
+              </a:gradFill>
+              <a:effectLst>
+                <a:outerShdw blurRad="76200" dist="50800" dir="5400000" algn="tl" rotWithShape="0">
+                  <a:srgbClr val="000000">
+                    <a:alpha val="65000"/>
+                  </a:srgbClr>
+                </a:outerShdw>
+              </a:effectLst>
+            </a:endParaRPr>
+          </a:p>
+        </p:txBody>
+      </p:sp>
     </p:spTree>
     <p:extLst>
       <p:ext uri="{BB962C8B-B14F-4D97-AF65-F5344CB8AC3E}">

--- a/02-Introduccion-Javascript/Javascript101.pptx
+++ b/02-Introduccion-Javascript/Javascript101.pptx
@@ -5,7 +5,7 @@
     <p:sldMasterId id="2147483660" r:id="rId1"/>
   </p:sldMasterIdLst>
   <p:notesMasterIdLst>
-    <p:notesMasterId r:id="rId21"/>
+    <p:notesMasterId r:id="rId22"/>
   </p:notesMasterIdLst>
   <p:sldIdLst>
     <p:sldId id="256" r:id="rId2"/>
@@ -27,6 +27,7 @@
     <p:sldId id="274" r:id="rId18"/>
     <p:sldId id="275" r:id="rId19"/>
     <p:sldId id="276" r:id="rId20"/>
+    <p:sldId id="277" r:id="rId21"/>
   </p:sldIdLst>
   <p:sldSz cx="9144000" cy="6858000" type="screen4x3"/>
   <p:notesSz cx="6858000" cy="9144000"/>
@@ -210,7 +211,7 @@
           <a:p>
             <a:fld id="{6D56E425-C946-AA48-AEA6-D0119D9DB7FC}" type="datetimeFigureOut">
               <a:rPr lang="en-US" smtClean="0"/>
-              <a:t>5/23/2013</a:t>
+              <a:t>5/27/2013</a:t>
             </a:fld>
             <a:endParaRPr lang="en-US"/>
           </a:p>
@@ -1369,6 +1370,90 @@
 </p:notes>
 </file>
 
+<file path=ppt/notesSlides/notesSlide18.xml><?xml version="1.0" encoding="utf-8"?>
+<p:notes xmlns:a="http://schemas.openxmlformats.org/drawingml/2006/main" xmlns:r="http://schemas.openxmlformats.org/officeDocument/2006/relationships" xmlns:p="http://schemas.openxmlformats.org/presentationml/2006/main">
+  <p:cSld>
+    <p:spTree>
+      <p:nvGrpSpPr>
+        <p:cNvPr id="1" name=""/>
+        <p:cNvGrpSpPr/>
+        <p:nvPr/>
+      </p:nvGrpSpPr>
+      <p:grpSpPr>
+        <a:xfrm>
+          <a:off x="0" y="0"/>
+          <a:ext cx="0" cy="0"/>
+          <a:chOff x="0" y="0"/>
+          <a:chExt cx="0" cy="0"/>
+        </a:xfrm>
+      </p:grpSpPr>
+      <p:sp>
+        <p:nvSpPr>
+          <p:cNvPr id="2" name="Slide Image Placeholder 1"/>
+          <p:cNvSpPr>
+            <a:spLocks noGrp="1" noRot="1" noChangeAspect="1"/>
+          </p:cNvSpPr>
+          <p:nvPr>
+            <p:ph type="sldImg"/>
+          </p:nvPr>
+        </p:nvSpPr>
+        <p:spPr/>
+      </p:sp>
+      <p:sp>
+        <p:nvSpPr>
+          <p:cNvPr id="3" name="Notes Placeholder 2"/>
+          <p:cNvSpPr>
+            <a:spLocks noGrp="1"/>
+          </p:cNvSpPr>
+          <p:nvPr>
+            <p:ph type="body" idx="1"/>
+          </p:nvPr>
+        </p:nvSpPr>
+        <p:spPr/>
+        <p:txBody>
+          <a:bodyPr/>
+          <a:lstStyle/>
+          <a:p>
+            <a:endParaRPr lang="en-US" dirty="0"/>
+          </a:p>
+        </p:txBody>
+      </p:sp>
+      <p:sp>
+        <p:nvSpPr>
+          <p:cNvPr id="4" name="Slide Number Placeholder 3"/>
+          <p:cNvSpPr>
+            <a:spLocks noGrp="1"/>
+          </p:cNvSpPr>
+          <p:nvPr>
+            <p:ph type="sldNum" sz="quarter" idx="10"/>
+          </p:nvPr>
+        </p:nvSpPr>
+        <p:spPr/>
+        <p:txBody>
+          <a:bodyPr/>
+          <a:lstStyle/>
+          <a:p>
+            <a:fld id="{5BC0CB8E-8FC1-7E47-BA9E-5376527D0B81}" type="slidenum">
+              <a:rPr lang="en-US" smtClean="0"/>
+              <a:t>20</a:t>
+            </a:fld>
+            <a:endParaRPr lang="en-US"/>
+          </a:p>
+        </p:txBody>
+      </p:sp>
+    </p:spTree>
+    <p:extLst>
+      <p:ext uri="{BB962C8B-B14F-4D97-AF65-F5344CB8AC3E}">
+        <p14:creationId xmlns:p14="http://schemas.microsoft.com/office/powerpoint/2010/main" val="1367721304"/>
+      </p:ext>
+    </p:extLst>
+  </p:cSld>
+  <p:clrMapOvr>
+    <a:masterClrMapping/>
+  </p:clrMapOvr>
+</p:notes>
+</file>
+
 <file path=ppt/notesSlides/notesSlide2.xml><?xml version="1.0" encoding="utf-8"?>
 <p:notes xmlns:a="http://schemas.openxmlformats.org/drawingml/2006/main" xmlns:r="http://schemas.openxmlformats.org/officeDocument/2006/relationships" xmlns:p="http://schemas.openxmlformats.org/presentationml/2006/main">
   <p:cSld>
@@ -3092,7 +3177,7 @@
           <a:p>
             <a:fld id="{D728701E-CAF4-4159-9B3E-41C86DFFA30D}" type="datetimeFigureOut">
               <a:rPr lang="en-US" smtClean="0"/>
-              <a:t>5/23/2013</a:t>
+              <a:t>5/27/2013</a:t>
             </a:fld>
             <a:endParaRPr lang="en-US"/>
           </a:p>
@@ -3546,7 +3631,7 @@
           <a:p>
             <a:fld id="{D728701E-CAF4-4159-9B3E-41C86DFFA30D}" type="datetimeFigureOut">
               <a:rPr lang="en-US" smtClean="0"/>
-              <a:t>5/23/2013</a:t>
+              <a:t>5/27/2013</a:t>
             </a:fld>
             <a:endParaRPr lang="en-US"/>
           </a:p>
@@ -4089,7 +4174,7 @@
           <a:p>
             <a:fld id="{D728701E-CAF4-4159-9B3E-41C86DFFA30D}" type="datetimeFigureOut">
               <a:rPr lang="en-US" smtClean="0"/>
-              <a:t>5/23/2013</a:t>
+              <a:t>5/27/2013</a:t>
             </a:fld>
             <a:endParaRPr lang="en-US"/>
           </a:p>
@@ -4225,7 +4310,7 @@
           <a:p>
             <a:fld id="{D728701E-CAF4-4159-9B3E-41C86DFFA30D}" type="datetimeFigureOut">
               <a:rPr lang="en-US" smtClean="0"/>
-              <a:t>5/23/2013</a:t>
+              <a:t>5/27/2013</a:t>
             </a:fld>
             <a:endParaRPr lang="en-US"/>
           </a:p>
@@ -4563,7 +4648,7 @@
           <a:p>
             <a:fld id="{D728701E-CAF4-4159-9B3E-41C86DFFA30D}" type="datetimeFigureOut">
               <a:rPr lang="en-US" smtClean="0"/>
-              <a:t>5/23/2013</a:t>
+              <a:t>5/27/2013</a:t>
             </a:fld>
             <a:endParaRPr lang="en-US"/>
           </a:p>
@@ -4889,7 +4974,7 @@
           <a:p>
             <a:fld id="{D728701E-CAF4-4159-9B3E-41C86DFFA30D}" type="datetimeFigureOut">
               <a:rPr lang="en-US" smtClean="0"/>
-              <a:t>5/23/2013</a:t>
+              <a:t>5/27/2013</a:t>
             </a:fld>
             <a:endParaRPr lang="en-US"/>
           </a:p>
@@ -5187,7 +5272,7 @@
           <a:p>
             <a:fld id="{D728701E-CAF4-4159-9B3E-41C86DFFA30D}" type="datetimeFigureOut">
               <a:rPr lang="en-US" smtClean="0"/>
-              <a:t>5/23/2013</a:t>
+              <a:t>5/27/2013</a:t>
             </a:fld>
             <a:endParaRPr lang="en-US"/>
           </a:p>
@@ -5574,7 +5659,7 @@
           <a:p>
             <a:fld id="{D728701E-CAF4-4159-9B3E-41C86DFFA30D}" type="datetimeFigureOut">
               <a:rPr lang="en-US" smtClean="0"/>
-              <a:t>5/23/2013</a:t>
+              <a:t>5/27/2013</a:t>
             </a:fld>
             <a:endParaRPr lang="en-US"/>
           </a:p>
@@ -5994,7 +6079,7 @@
           <a:p>
             <a:fld id="{D728701E-CAF4-4159-9B3E-41C86DFFA30D}" type="datetimeFigureOut">
               <a:rPr lang="en-US" smtClean="0"/>
-              <a:t>5/23/2013</a:t>
+              <a:t>5/27/2013</a:t>
             </a:fld>
             <a:endParaRPr lang="en-US"/>
           </a:p>
@@ -6542,7 +6627,7 @@
           <a:p>
             <a:fld id="{D728701E-CAF4-4159-9B3E-41C86DFFA30D}" type="datetimeFigureOut">
               <a:rPr lang="en-US" smtClean="0"/>
-              <a:t>5/23/2013</a:t>
+              <a:t>5/27/2013</a:t>
             </a:fld>
             <a:endParaRPr lang="en-US"/>
           </a:p>
@@ -6900,7 +6985,7 @@
           <a:p>
             <a:fld id="{D728701E-CAF4-4159-9B3E-41C86DFFA30D}" type="datetimeFigureOut">
               <a:rPr lang="en-US" smtClean="0"/>
-              <a:t>5/23/2013</a:t>
+              <a:t>5/27/2013</a:t>
             </a:fld>
             <a:endParaRPr lang="en-US"/>
           </a:p>
@@ -7115,7 +7200,7 @@
           <a:p>
             <a:fld id="{D728701E-CAF4-4159-9B3E-41C86DFFA30D}" type="datetimeFigureOut">
               <a:rPr lang="en-US" smtClean="0"/>
-              <a:t>5/23/2013</a:t>
+              <a:t>5/27/2013</a:t>
             </a:fld>
             <a:endParaRPr lang="en-US"/>
           </a:p>
@@ -7422,7 +7507,7 @@
           <a:p>
             <a:fld id="{D728701E-CAF4-4159-9B3E-41C86DFFA30D}" type="datetimeFigureOut">
               <a:rPr lang="en-US" smtClean="0"/>
-              <a:t>5/23/2013</a:t>
+              <a:t>5/27/2013</a:t>
             </a:fld>
             <a:endParaRPr lang="en-US"/>
           </a:p>
@@ -7678,7 +7763,7 @@
           <a:p>
             <a:fld id="{D728701E-CAF4-4159-9B3E-41C86DFFA30D}" type="datetimeFigureOut">
               <a:rPr lang="en-US" smtClean="0"/>
-              <a:t>5/23/2013</a:t>
+              <a:t>5/27/2013</a:t>
             </a:fld>
             <a:endParaRPr lang="en-US"/>
           </a:p>
@@ -8067,7 +8152,7 @@
           <a:p>
             <a:fld id="{D728701E-CAF4-4159-9B3E-41C86DFFA30D}" type="datetimeFigureOut">
               <a:rPr lang="en-US" smtClean="0"/>
-              <a:t>5/23/2013</a:t>
+              <a:t>5/27/2013</a:t>
             </a:fld>
             <a:endParaRPr lang="en-US"/>
           </a:p>
@@ -8656,7 +8741,7 @@
           <a:p>
             <a:fld id="{D728701E-CAF4-4159-9B3E-41C86DFFA30D}" type="datetimeFigureOut">
               <a:rPr lang="en-US" smtClean="0"/>
-              <a:t>5/23/2013</a:t>
+              <a:t>5/27/2013</a:t>
             </a:fld>
             <a:endParaRPr lang="en-US"/>
           </a:p>
@@ -9171,7 +9256,7 @@
           <a:p>
             <a:fld id="{D728701E-CAF4-4159-9B3E-41C86DFFA30D}" type="datetimeFigureOut">
               <a:rPr lang="en-US" smtClean="0"/>
-              <a:t>5/23/2013</a:t>
+              <a:t>5/27/2013</a:t>
             </a:fld>
             <a:endParaRPr lang="en-US"/>
           </a:p>
@@ -9544,7 +9629,7 @@
           <a:p>
             <a:fld id="{D728701E-CAF4-4159-9B3E-41C86DFFA30D}" type="datetimeFigureOut">
               <a:rPr lang="en-US" smtClean="0"/>
-              <a:t>5/23/2013</a:t>
+              <a:t>5/27/2013</a:t>
             </a:fld>
             <a:endParaRPr lang="en-US"/>
           </a:p>
@@ -9943,7 +10028,7 @@
           <a:p>
             <a:fld id="{D728701E-CAF4-4159-9B3E-41C86DFFA30D}" type="datetimeFigureOut">
               <a:rPr lang="en-US" smtClean="0"/>
-              <a:t>5/23/2013</a:t>
+              <a:t>5/27/2013</a:t>
             </a:fld>
             <a:endParaRPr lang="en-US"/>
           </a:p>
@@ -10363,7 +10448,7 @@
           <a:p>
             <a:fld id="{D728701E-CAF4-4159-9B3E-41C86DFFA30D}" type="datetimeFigureOut">
               <a:rPr lang="en-US" smtClean="0"/>
-              <a:t>5/23/2013</a:t>
+              <a:t>5/27/2013</a:t>
             </a:fld>
             <a:endParaRPr lang="en-US"/>
           </a:p>
@@ -10746,7 +10831,7 @@
           <a:p>
             <a:fld id="{D728701E-CAF4-4159-9B3E-41C86DFFA30D}" type="datetimeFigureOut">
               <a:rPr lang="en-US" smtClean="0"/>
-              <a:t>5/23/2013</a:t>
+              <a:t>5/27/2013</a:t>
             </a:fld>
             <a:endParaRPr lang="en-US"/>
           </a:p>
@@ -11218,11 +11303,7 @@
           <a:p>
             <a:r>
               <a:rPr lang="en-US" dirty="0" smtClean="0"/>
-              <a:t>JavaScript </a:t>
-            </a:r>
-            <a:r>
-              <a:rPr lang="en-US" dirty="0" smtClean="0"/>
-              <a:t>101</a:t>
+              <a:t>JavaScript 101</a:t>
             </a:r>
             <a:endParaRPr lang="en-US" dirty="0"/>
           </a:p>
@@ -12762,11 +12843,7 @@
             </a:r>
             <a:r>
               <a:rPr lang="en-US" sz="2400" dirty="0" smtClean="0"/>
-              <a:t> Default Operator</a:t>
-            </a:r>
-            <a:r>
-              <a:rPr lang="en-US" sz="2400" dirty="0" smtClean="0"/>
-              <a:t>)</a:t>
+              <a:t> Default Operator)</a:t>
             </a:r>
             <a:br>
               <a:rPr lang="en-US" sz="2400" dirty="0" smtClean="0"/>
@@ -14670,10 +14747,6 @@
           <a:lstStyle/>
           <a:p>
             <a:r>
-              <a:rPr lang="es-ES_tradnl" dirty="0" smtClean="0"/>
-              <a:t>Funciones y </a:t>
-            </a:r>
-            <a:r>
               <a:rPr lang="es-ES_tradnl" dirty="0" err="1" smtClean="0"/>
               <a:t>Scope</a:t>
             </a:r>
@@ -14703,16 +14776,39 @@
           <a:p>
             <a:r>
               <a:rPr lang="es-CO" dirty="0" smtClean="0"/>
-              <a:t>Hay dos </a:t>
+              <a:t>Solo existen dos </a:t>
             </a:r>
             <a:r>
               <a:rPr lang="es-CO" dirty="0" err="1" smtClean="0"/>
-              <a:t>scopes</a:t>
+              <a:t>Scopes</a:t>
             </a:r>
             <a:r>
               <a:rPr lang="es-CO" dirty="0" smtClean="0"/>
-              <a:t>: Global y por función</a:t>
-            </a:r>
+              <a:t>: Global y por </a:t>
+            </a:r>
+            <a:r>
+              <a:rPr lang="es-CO" dirty="0"/>
+              <a:t>F</a:t>
+            </a:r>
+            <a:r>
+              <a:rPr lang="es-CO" dirty="0" smtClean="0"/>
+              <a:t>unción</a:t>
+            </a:r>
+          </a:p>
+          <a:p>
+            <a:r>
+              <a:rPr lang="es-CO" dirty="0" smtClean="0"/>
+              <a:t>No hay </a:t>
+            </a:r>
+            <a:r>
+              <a:rPr lang="es-CO" dirty="0" err="1" smtClean="0"/>
+              <a:t>Scope</a:t>
+            </a:r>
+            <a:r>
+              <a:rPr lang="es-CO" dirty="0" smtClean="0"/>
+              <a:t> por bloque de código</a:t>
+            </a:r>
+            <a:endParaRPr lang="es-CO" dirty="0" smtClean="0"/>
           </a:p>
           <a:p>
             <a:pPr lvl="1"/>
@@ -14722,14 +14818,14 @@
       </p:sp>
       <p:pic>
         <p:nvPicPr>
-          <p:cNvPr id="1031" name="Picture 7"/>
+          <p:cNvPr id="1026" name="Picture 2"/>
           <p:cNvPicPr>
             <a:picLocks noChangeAspect="1" noChangeArrowheads="1"/>
           </p:cNvPicPr>
           <p:nvPr/>
         </p:nvPicPr>
         <p:blipFill>
-          <a:blip r:embed="rId3" cstate="email">
+          <a:blip r:embed="rId3">
             <a:extLst>
               <a:ext uri="{28A0092B-C50C-407E-A947-70E740481C1C}">
                 <a14:useLocalDpi xmlns:a14="http://schemas.microsoft.com/office/drawing/2010/main" val="0"/>
@@ -14743,8 +14839,8 @@
         </p:blipFill>
         <p:spPr bwMode="auto">
           <a:xfrm>
-            <a:off x="384491" y="1942382"/>
-            <a:ext cx="5256146" cy="3712321"/>
+            <a:off x="826379" y="2416309"/>
+            <a:ext cx="6279501" cy="2344530"/>
           </a:xfrm>
           <a:prstGeom prst="rect">
             <a:avLst/>
@@ -14774,564 +14870,6 @@
           </a:extLst>
         </p:spPr>
       </p:pic>
-      <p:sp>
-        <p:nvSpPr>
-          <p:cNvPr id="3" name="Rounded Rectangle 2"/>
-          <p:cNvSpPr/>
-          <p:nvPr/>
-        </p:nvSpPr>
-        <p:spPr>
-          <a:xfrm>
-            <a:off x="5860974" y="2610998"/>
-            <a:ext cx="3062690" cy="3043705"/>
-          </a:xfrm>
-          <a:prstGeom prst="roundRect">
-            <a:avLst/>
-          </a:prstGeom>
-        </p:spPr>
-        <p:style>
-          <a:lnRef idx="1">
-            <a:schemeClr val="accent1"/>
-          </a:lnRef>
-          <a:fillRef idx="3">
-            <a:schemeClr val="accent1"/>
-          </a:fillRef>
-          <a:effectRef idx="2">
-            <a:schemeClr val="accent1"/>
-          </a:effectRef>
-          <a:fontRef idx="minor">
-            <a:schemeClr val="lt1"/>
-          </a:fontRef>
-        </p:style>
-        <p:txBody>
-          <a:bodyPr rtlCol="0" anchor="ctr"/>
-          <a:lstStyle/>
-          <a:p>
-            <a:pPr algn="ctr"/>
-            <a:endParaRPr lang="es-CO" b="1" dirty="0">
-              <a:ln w="12700">
-                <a:solidFill>
-                  <a:schemeClr val="tx2">
-                    <a:satMod val="155000"/>
-                  </a:schemeClr>
-                </a:solidFill>
-                <a:prstDash val="solid"/>
-              </a:ln>
-              <a:solidFill>
-                <a:schemeClr val="bg2">
-                  <a:tint val="85000"/>
-                  <a:satMod val="155000"/>
-                </a:schemeClr>
-              </a:solidFill>
-              <a:effectLst>
-                <a:outerShdw blurRad="41275" dist="20320" dir="1800000" algn="tl" rotWithShape="0">
-                  <a:srgbClr val="000000">
-                    <a:alpha val="40000"/>
-                  </a:srgbClr>
-                </a:outerShdw>
-              </a:effectLst>
-            </a:endParaRPr>
-          </a:p>
-        </p:txBody>
-      </p:sp>
-      <p:sp>
-        <p:nvSpPr>
-          <p:cNvPr id="5" name="Rounded Rectangle 4"/>
-          <p:cNvSpPr/>
-          <p:nvPr/>
-        </p:nvSpPr>
-        <p:spPr>
-          <a:xfrm>
-            <a:off x="6004193" y="3481330"/>
-            <a:ext cx="2798284" cy="1961788"/>
-          </a:xfrm>
-          <a:prstGeom prst="roundRect">
-            <a:avLst/>
-          </a:prstGeom>
-          <a:solidFill>
-            <a:schemeClr val="accent5">
-              <a:lumMod val="75000"/>
-            </a:schemeClr>
-          </a:solidFill>
-        </p:spPr>
-        <p:style>
-          <a:lnRef idx="1">
-            <a:schemeClr val="accent1"/>
-          </a:lnRef>
-          <a:fillRef idx="3">
-            <a:schemeClr val="accent1"/>
-          </a:fillRef>
-          <a:effectRef idx="2">
-            <a:schemeClr val="accent1"/>
-          </a:effectRef>
-          <a:fontRef idx="minor">
-            <a:schemeClr val="lt1"/>
-          </a:fontRef>
-        </p:style>
-        <p:txBody>
-          <a:bodyPr rtlCol="0" anchor="ctr"/>
-          <a:lstStyle/>
-          <a:p>
-            <a:pPr algn="ctr"/>
-            <a:endParaRPr lang="es-CO"/>
-          </a:p>
-        </p:txBody>
-      </p:sp>
-      <p:sp>
-        <p:nvSpPr>
-          <p:cNvPr id="6" name="Rounded Rectangle 5"/>
-          <p:cNvSpPr/>
-          <p:nvPr/>
-        </p:nvSpPr>
-        <p:spPr>
-          <a:xfrm>
-            <a:off x="6257581" y="4164376"/>
-            <a:ext cx="2181339" cy="1090670"/>
-          </a:xfrm>
-          <a:prstGeom prst="roundRect">
-            <a:avLst/>
-          </a:prstGeom>
-          <a:solidFill>
-            <a:schemeClr val="accent6">
-              <a:lumMod val="60000"/>
-              <a:lumOff val="40000"/>
-            </a:schemeClr>
-          </a:solidFill>
-        </p:spPr>
-        <p:style>
-          <a:lnRef idx="1">
-            <a:schemeClr val="accent1"/>
-          </a:lnRef>
-          <a:fillRef idx="3">
-            <a:schemeClr val="accent1"/>
-          </a:fillRef>
-          <a:effectRef idx="2">
-            <a:schemeClr val="accent1"/>
-          </a:effectRef>
-          <a:fontRef idx="minor">
-            <a:schemeClr val="lt1"/>
-          </a:fontRef>
-        </p:style>
-        <p:txBody>
-          <a:bodyPr rtlCol="0" anchor="ctr"/>
-          <a:lstStyle/>
-          <a:p>
-            <a:pPr algn="ctr"/>
-            <a:endParaRPr lang="es-CO"/>
-          </a:p>
-        </p:txBody>
-      </p:sp>
-      <p:sp>
-        <p:nvSpPr>
-          <p:cNvPr id="7" name="Down Arrow 6"/>
-          <p:cNvSpPr/>
-          <p:nvPr/>
-        </p:nvSpPr>
-        <p:spPr>
-          <a:xfrm flipV="1">
-            <a:off x="7663687" y="3153900"/>
-            <a:ext cx="210777" cy="586171"/>
-          </a:xfrm>
-          <a:prstGeom prst="downArrow">
-            <a:avLst/>
-          </a:prstGeom>
-          <a:solidFill>
-            <a:srgbClr val="00B050"/>
-          </a:solidFill>
-        </p:spPr>
-        <p:style>
-          <a:lnRef idx="1">
-            <a:schemeClr val="accent1"/>
-          </a:lnRef>
-          <a:fillRef idx="3">
-            <a:schemeClr val="accent1"/>
-          </a:fillRef>
-          <a:effectRef idx="2">
-            <a:schemeClr val="accent1"/>
-          </a:effectRef>
-          <a:fontRef idx="minor">
-            <a:schemeClr val="lt1"/>
-          </a:fontRef>
-        </p:style>
-        <p:txBody>
-          <a:bodyPr rtlCol="0" anchor="ctr"/>
-          <a:lstStyle/>
-          <a:p>
-            <a:pPr algn="ctr"/>
-            <a:endParaRPr lang="es-CO"/>
-          </a:p>
-        </p:txBody>
-      </p:sp>
-      <p:sp>
-        <p:nvSpPr>
-          <p:cNvPr id="8" name="Rectangle 7"/>
-          <p:cNvSpPr/>
-          <p:nvPr/>
-        </p:nvSpPr>
-        <p:spPr>
-          <a:xfrm>
-            <a:off x="6132342" y="2594392"/>
-            <a:ext cx="1531345" cy="523220"/>
-          </a:xfrm>
-          <a:prstGeom prst="rect">
-            <a:avLst/>
-          </a:prstGeom>
-          <a:noFill/>
-        </p:spPr>
-        <p:txBody>
-          <a:bodyPr wrap="square" lIns="91440" tIns="45720" rIns="91440" bIns="45720">
-            <a:spAutoFit/>
-          </a:bodyPr>
-          <a:lstStyle/>
-          <a:p>
-            <a:pPr algn="ctr"/>
-            <a:r>
-              <a:rPr lang="en-US" sz="2800" b="1" dirty="0" smtClean="0">
-                <a:ln w="900" cmpd="sng">
-                  <a:solidFill>
-                    <a:schemeClr val="accent1">
-                      <a:satMod val="190000"/>
-                      <a:alpha val="55000"/>
-                    </a:schemeClr>
-                  </a:solidFill>
-                  <a:prstDash val="solid"/>
-                </a:ln>
-                <a:solidFill>
-                  <a:schemeClr val="accent1">
-                    <a:satMod val="200000"/>
-                    <a:tint val="3000"/>
-                  </a:schemeClr>
-                </a:solidFill>
-                <a:effectLst>
-                  <a:innerShdw blurRad="101600" dist="76200" dir="5400000">
-                    <a:schemeClr val="accent1">
-                      <a:satMod val="190000"/>
-                      <a:tint val="100000"/>
-                      <a:alpha val="74000"/>
-                    </a:schemeClr>
-                  </a:innerShdw>
-                </a:effectLst>
-              </a:rPr>
-              <a:t>student</a:t>
-            </a:r>
-            <a:endParaRPr lang="en-US" sz="2800" b="1" cap="none" spc="0" dirty="0">
-              <a:ln w="900" cmpd="sng">
-                <a:solidFill>
-                  <a:schemeClr val="accent1">
-                    <a:satMod val="190000"/>
-                    <a:alpha val="55000"/>
-                  </a:schemeClr>
-                </a:solidFill>
-                <a:prstDash val="solid"/>
-              </a:ln>
-              <a:solidFill>
-                <a:schemeClr val="accent1">
-                  <a:satMod val="200000"/>
-                  <a:tint val="3000"/>
-                </a:schemeClr>
-              </a:solidFill>
-              <a:effectLst>
-                <a:innerShdw blurRad="101600" dist="76200" dir="5400000">
-                  <a:schemeClr val="accent1">
-                    <a:satMod val="190000"/>
-                    <a:tint val="100000"/>
-                    <a:alpha val="74000"/>
-                  </a:schemeClr>
-                </a:innerShdw>
-              </a:effectLst>
-            </a:endParaRPr>
-          </a:p>
-        </p:txBody>
-      </p:sp>
-      <p:sp>
-        <p:nvSpPr>
-          <p:cNvPr id="10" name="Down Arrow 9"/>
-          <p:cNvSpPr/>
-          <p:nvPr/>
-        </p:nvSpPr>
-        <p:spPr>
-          <a:xfrm flipV="1">
-            <a:off x="8066880" y="3153900"/>
-            <a:ext cx="210777" cy="1308324"/>
-          </a:xfrm>
-          <a:prstGeom prst="downArrow">
-            <a:avLst/>
-          </a:prstGeom>
-          <a:solidFill>
-            <a:srgbClr val="FF0000"/>
-          </a:solidFill>
-        </p:spPr>
-        <p:style>
-          <a:lnRef idx="1">
-            <a:schemeClr val="accent1"/>
-          </a:lnRef>
-          <a:fillRef idx="3">
-            <a:schemeClr val="accent1"/>
-          </a:fillRef>
-          <a:effectRef idx="2">
-            <a:schemeClr val="accent1"/>
-          </a:effectRef>
-          <a:fontRef idx="minor">
-            <a:schemeClr val="lt1"/>
-          </a:fontRef>
-        </p:style>
-        <p:txBody>
-          <a:bodyPr rtlCol="0" anchor="ctr"/>
-          <a:lstStyle/>
-          <a:p>
-            <a:pPr algn="ctr"/>
-            <a:endParaRPr lang="es-CO"/>
-          </a:p>
-        </p:txBody>
-      </p:sp>
-      <p:sp>
-        <p:nvSpPr>
-          <p:cNvPr id="11" name="Rectangle 10"/>
-          <p:cNvSpPr/>
-          <p:nvPr/>
-        </p:nvSpPr>
-        <p:spPr>
-          <a:xfrm>
-            <a:off x="6033191" y="3534505"/>
-            <a:ext cx="1531345" cy="338554"/>
-          </a:xfrm>
-          <a:prstGeom prst="rect">
-            <a:avLst/>
-          </a:prstGeom>
-          <a:noFill/>
-        </p:spPr>
-        <p:txBody>
-          <a:bodyPr wrap="square" lIns="91440" tIns="45720" rIns="91440" bIns="45720">
-            <a:spAutoFit/>
-            <a:scene3d>
-              <a:camera prst="orthographicFront"/>
-              <a:lightRig rig="soft" dir="tl">
-                <a:rot lat="0" lon="0" rev="0"/>
-              </a:lightRig>
-            </a:scene3d>
-            <a:sp3d contourW="25400" prstMaterial="matte">
-              <a:bevelT w="25400" h="55880" prst="artDeco"/>
-              <a:contourClr>
-                <a:schemeClr val="accent2">
-                  <a:tint val="20000"/>
-                </a:schemeClr>
-              </a:contourClr>
-            </a:sp3d>
-          </a:bodyPr>
-          <a:lstStyle/>
-          <a:p>
-            <a:pPr algn="ctr"/>
-            <a:r>
-              <a:rPr lang="en-US" sz="1600" b="1" spc="50" dirty="0" err="1" smtClean="0">
-                <a:ln w="11430"/>
-                <a:gradFill>
-                  <a:gsLst>
-                    <a:gs pos="25000">
-                      <a:schemeClr val="accent2">
-                        <a:satMod val="155000"/>
-                      </a:schemeClr>
-                    </a:gs>
-                    <a:gs pos="100000">
-                      <a:schemeClr val="accent2">
-                        <a:shade val="45000"/>
-                        <a:satMod val="165000"/>
-                      </a:schemeClr>
-                    </a:gs>
-                  </a:gsLst>
-                  <a:lin ang="5400000"/>
-                </a:gradFill>
-                <a:effectLst>
-                  <a:outerShdw blurRad="76200" dist="50800" dir="5400000" algn="tl" rotWithShape="0">
-                    <a:srgbClr val="000000">
-                      <a:alpha val="65000"/>
-                    </a:srgbClr>
-                  </a:outerShdw>
-                </a:effectLst>
-              </a:rPr>
-              <a:t>printName</a:t>
-            </a:r>
-            <a:r>
-              <a:rPr lang="en-US" sz="1600" b="1" spc="50" dirty="0" smtClean="0">
-                <a:ln w="11430"/>
-                <a:gradFill>
-                  <a:gsLst>
-                    <a:gs pos="25000">
-                      <a:schemeClr val="accent2">
-                        <a:satMod val="155000"/>
-                      </a:schemeClr>
-                    </a:gs>
-                    <a:gs pos="100000">
-                      <a:schemeClr val="accent2">
-                        <a:shade val="45000"/>
-                        <a:satMod val="165000"/>
-                      </a:schemeClr>
-                    </a:gs>
-                  </a:gsLst>
-                  <a:lin ang="5400000"/>
-                </a:gradFill>
-                <a:effectLst>
-                  <a:outerShdw blurRad="76200" dist="50800" dir="5400000" algn="tl" rotWithShape="0">
-                    <a:srgbClr val="000000">
-                      <a:alpha val="65000"/>
-                    </a:srgbClr>
-                  </a:outerShdw>
-                </a:effectLst>
-              </a:rPr>
-              <a:t>()</a:t>
-            </a:r>
-            <a:endParaRPr lang="en-US" sz="1600" b="1" spc="50" dirty="0">
-              <a:ln w="11430"/>
-              <a:gradFill>
-                <a:gsLst>
-                  <a:gs pos="25000">
-                    <a:schemeClr val="accent2">
-                      <a:satMod val="155000"/>
-                    </a:schemeClr>
-                  </a:gs>
-                  <a:gs pos="100000">
-                    <a:schemeClr val="accent2">
-                      <a:shade val="45000"/>
-                      <a:satMod val="165000"/>
-                    </a:schemeClr>
-                  </a:gs>
-                </a:gsLst>
-                <a:lin ang="5400000"/>
-              </a:gradFill>
-              <a:effectLst>
-                <a:outerShdw blurRad="76200" dist="50800" dir="5400000" algn="tl" rotWithShape="0">
-                  <a:srgbClr val="000000">
-                    <a:alpha val="65000"/>
-                  </a:srgbClr>
-                </a:outerShdw>
-              </a:effectLst>
-            </a:endParaRPr>
-          </a:p>
-        </p:txBody>
-      </p:sp>
-      <p:sp>
-        <p:nvSpPr>
-          <p:cNvPr id="12" name="Rectangle 11"/>
-          <p:cNvSpPr/>
-          <p:nvPr/>
-        </p:nvSpPr>
-        <p:spPr>
-          <a:xfrm>
-            <a:off x="6343119" y="4190712"/>
-            <a:ext cx="1531345" cy="338554"/>
-          </a:xfrm>
-          <a:prstGeom prst="rect">
-            <a:avLst/>
-          </a:prstGeom>
-          <a:noFill/>
-        </p:spPr>
-        <p:txBody>
-          <a:bodyPr wrap="square" lIns="91440" tIns="45720" rIns="91440" bIns="45720">
-            <a:spAutoFit/>
-            <a:scene3d>
-              <a:camera prst="orthographicFront"/>
-              <a:lightRig rig="soft" dir="tl">
-                <a:rot lat="0" lon="0" rev="0"/>
-              </a:lightRig>
-            </a:scene3d>
-            <a:sp3d contourW="25400" prstMaterial="matte">
-              <a:bevelT w="25400" h="55880" prst="artDeco"/>
-              <a:contourClr>
-                <a:schemeClr val="accent2">
-                  <a:tint val="20000"/>
-                </a:schemeClr>
-              </a:contourClr>
-            </a:sp3d>
-          </a:bodyPr>
-          <a:lstStyle/>
-          <a:p>
-            <a:pPr algn="ctr"/>
-            <a:r>
-              <a:rPr lang="en-US" sz="1600" b="1" spc="50" dirty="0" err="1" smtClean="0">
-                <a:ln w="11430"/>
-                <a:gradFill>
-                  <a:gsLst>
-                    <a:gs pos="25000">
-                      <a:schemeClr val="accent2">
-                        <a:satMod val="155000"/>
-                      </a:schemeClr>
-                    </a:gs>
-                    <a:gs pos="100000">
-                      <a:schemeClr val="accent2">
-                        <a:shade val="45000"/>
-                        <a:satMod val="165000"/>
-                      </a:schemeClr>
-                    </a:gs>
-                  </a:gsLst>
-                  <a:lin ang="5400000"/>
-                </a:gradFill>
-                <a:effectLst>
-                  <a:outerShdw blurRad="76200" dist="50800" dir="5400000" algn="tl" rotWithShape="0">
-                    <a:srgbClr val="000000">
-                      <a:alpha val="65000"/>
-                    </a:srgbClr>
-                  </a:outerShdw>
-                </a:effectLst>
-              </a:rPr>
-              <a:t>printHelper</a:t>
-            </a:r>
-            <a:r>
-              <a:rPr lang="en-US" sz="1600" b="1" spc="50" dirty="0" smtClean="0">
-                <a:ln w="11430"/>
-                <a:gradFill>
-                  <a:gsLst>
-                    <a:gs pos="25000">
-                      <a:schemeClr val="accent2">
-                        <a:satMod val="155000"/>
-                      </a:schemeClr>
-                    </a:gs>
-                    <a:gs pos="100000">
-                      <a:schemeClr val="accent2">
-                        <a:shade val="45000"/>
-                        <a:satMod val="165000"/>
-                      </a:schemeClr>
-                    </a:gs>
-                  </a:gsLst>
-                  <a:lin ang="5400000"/>
-                </a:gradFill>
-                <a:effectLst>
-                  <a:outerShdw blurRad="76200" dist="50800" dir="5400000" algn="tl" rotWithShape="0">
-                    <a:srgbClr val="000000">
-                      <a:alpha val="65000"/>
-                    </a:srgbClr>
-                  </a:outerShdw>
-                </a:effectLst>
-              </a:rPr>
-              <a:t>()</a:t>
-            </a:r>
-            <a:endParaRPr lang="en-US" sz="1600" b="1" spc="50" dirty="0">
-              <a:ln w="11430"/>
-              <a:gradFill>
-                <a:gsLst>
-                  <a:gs pos="25000">
-                    <a:schemeClr val="accent2">
-                      <a:satMod val="155000"/>
-                    </a:schemeClr>
-                  </a:gs>
-                  <a:gs pos="100000">
-                    <a:schemeClr val="accent2">
-                      <a:shade val="45000"/>
-                      <a:satMod val="165000"/>
-                    </a:schemeClr>
-                  </a:gs>
-                </a:gsLst>
-                <a:lin ang="5400000"/>
-              </a:gradFill>
-              <a:effectLst>
-                <a:outerShdw blurRad="76200" dist="50800" dir="5400000" algn="tl" rotWithShape="0">
-                  <a:srgbClr val="000000">
-                    <a:alpha val="65000"/>
-                  </a:srgbClr>
-                </a:outerShdw>
-              </a:effectLst>
-            </a:endParaRPr>
-          </a:p>
-        </p:txBody>
-      </p:sp>
     </p:spTree>
     <p:extLst>
       <p:ext uri="{BB962C8B-B14F-4D97-AF65-F5344CB8AC3E}">
@@ -15537,6 +15075,726 @@
     <p:extLst>
       <p:ext uri="{BB962C8B-B14F-4D97-AF65-F5344CB8AC3E}">
         <p14:creationId xmlns:p14="http://schemas.microsoft.com/office/powerpoint/2010/main" val="1192508486"/>
+      </p:ext>
+    </p:extLst>
+  </p:cSld>
+  <p:clrMapOvr>
+    <a:masterClrMapping/>
+  </p:clrMapOvr>
+  <p:timing>
+    <p:tnLst>
+      <p:par>
+        <p:cTn id="1" dur="indefinite" restart="never" nodeType="tmRoot"/>
+      </p:par>
+    </p:tnLst>
+  </p:timing>
+</p:sld>
+</file>
+
+<file path=ppt/slides/slide20.xml><?xml version="1.0" encoding="utf-8"?>
+<p:sld xmlns:a="http://schemas.openxmlformats.org/drawingml/2006/main" xmlns:r="http://schemas.openxmlformats.org/officeDocument/2006/relationships" xmlns:p="http://schemas.openxmlformats.org/presentationml/2006/main">
+  <p:cSld>
+    <p:spTree>
+      <p:nvGrpSpPr>
+        <p:cNvPr id="1" name=""/>
+        <p:cNvGrpSpPr/>
+        <p:nvPr/>
+      </p:nvGrpSpPr>
+      <p:grpSpPr>
+        <a:xfrm>
+          <a:off x="0" y="0"/>
+          <a:ext cx="0" cy="0"/>
+          <a:chOff x="0" y="0"/>
+          <a:chExt cx="0" cy="0"/>
+        </a:xfrm>
+      </p:grpSpPr>
+      <p:sp>
+        <p:nvSpPr>
+          <p:cNvPr id="2" name="Title 1"/>
+          <p:cNvSpPr>
+            <a:spLocks noGrp="1"/>
+          </p:cNvSpPr>
+          <p:nvPr>
+            <p:ph type="title"/>
+          </p:nvPr>
+        </p:nvSpPr>
+        <p:spPr>
+          <a:xfrm>
+            <a:off x="498474" y="283759"/>
+            <a:ext cx="7556313" cy="1116106"/>
+          </a:xfrm>
+        </p:spPr>
+        <p:txBody>
+          <a:bodyPr/>
+          <a:lstStyle/>
+          <a:p>
+            <a:r>
+              <a:rPr lang="es-ES_tradnl" dirty="0" err="1" smtClean="0"/>
+              <a:t>Scope</a:t>
+            </a:r>
+            <a:endParaRPr lang="es-CO" dirty="0"/>
+          </a:p>
+        </p:txBody>
+      </p:sp>
+      <p:sp>
+        <p:nvSpPr>
+          <p:cNvPr id="4" name="Content Placeholder 3"/>
+          <p:cNvSpPr>
+            <a:spLocks noGrp="1"/>
+          </p:cNvSpPr>
+          <p:nvPr>
+            <p:ph idx="1"/>
+          </p:nvPr>
+        </p:nvSpPr>
+        <p:spPr>
+          <a:xfrm>
+            <a:off x="498474" y="1298155"/>
+            <a:ext cx="7556313" cy="4144963"/>
+          </a:xfrm>
+        </p:spPr>
+        <p:txBody>
+          <a:bodyPr/>
+          <a:lstStyle/>
+          <a:p>
+            <a:endParaRPr lang="es-CO" dirty="0" smtClean="0"/>
+          </a:p>
+          <a:p>
+            <a:pPr lvl="1"/>
+            <a:endParaRPr lang="es-CO" dirty="0"/>
+          </a:p>
+        </p:txBody>
+      </p:sp>
+      <p:pic>
+        <p:nvPicPr>
+          <p:cNvPr id="1031" name="Picture 7"/>
+          <p:cNvPicPr>
+            <a:picLocks noChangeAspect="1" noChangeArrowheads="1"/>
+          </p:cNvPicPr>
+          <p:nvPr/>
+        </p:nvPicPr>
+        <p:blipFill>
+          <a:blip r:embed="rId3" cstate="email">
+            <a:extLst>
+              <a:ext uri="{28A0092B-C50C-407E-A947-70E740481C1C}">
+                <a14:useLocalDpi xmlns:a14="http://schemas.microsoft.com/office/drawing/2010/main" val="0"/>
+              </a:ext>
+            </a:extLst>
+          </a:blip>
+          <a:srcRect/>
+          <a:stretch>
+            <a:fillRect/>
+          </a:stretch>
+        </p:blipFill>
+        <p:spPr bwMode="auto">
+          <a:xfrm>
+            <a:off x="397630" y="1576953"/>
+            <a:ext cx="6851966" cy="4839419"/>
+          </a:xfrm>
+          <a:prstGeom prst="rect">
+            <a:avLst/>
+          </a:prstGeom>
+          <a:noFill/>
+          <a:ln>
+            <a:noFill/>
+          </a:ln>
+          <a:extLst>
+            <a:ext uri="{909E8E84-426E-40DD-AFC4-6F175D3DCCD1}">
+              <a14:hiddenFill xmlns:a14="http://schemas.microsoft.com/office/drawing/2010/main">
+                <a:solidFill>
+                  <a:schemeClr val="accent1"/>
+                </a:solidFill>
+              </a14:hiddenFill>
+            </a:ext>
+            <a:ext uri="{91240B29-F687-4F45-9708-019B960494DF}">
+              <a14:hiddenLine xmlns:a14="http://schemas.microsoft.com/office/drawing/2010/main" w="9525">
+                <a:solidFill>
+                  <a:schemeClr val="tx1"/>
+                </a:solidFill>
+                <a:miter lim="800000"/>
+                <a:headEnd/>
+                <a:tailEnd/>
+              </a14:hiddenLine>
+            </a:ext>
+          </a:extLst>
+        </p:spPr>
+      </p:pic>
+      <p:grpSp>
+        <p:nvGrpSpPr>
+          <p:cNvPr id="9" name="Group 8"/>
+          <p:cNvGrpSpPr/>
+          <p:nvPr/>
+        </p:nvGrpSpPr>
+        <p:grpSpPr>
+          <a:xfrm>
+            <a:off x="5778553" y="3932516"/>
+            <a:ext cx="3018622" cy="2770821"/>
+            <a:chOff x="5860974" y="2594392"/>
+            <a:chExt cx="3062690" cy="3060311"/>
+          </a:xfrm>
+        </p:grpSpPr>
+        <p:sp>
+          <p:nvSpPr>
+            <p:cNvPr id="3" name="Rounded Rectangle 2"/>
+            <p:cNvSpPr/>
+            <p:nvPr/>
+          </p:nvSpPr>
+          <p:spPr>
+            <a:xfrm>
+              <a:off x="5860974" y="2610998"/>
+              <a:ext cx="3062690" cy="3043705"/>
+            </a:xfrm>
+            <a:prstGeom prst="roundRect">
+              <a:avLst/>
+            </a:prstGeom>
+          </p:spPr>
+          <p:style>
+            <a:lnRef idx="1">
+              <a:schemeClr val="accent1"/>
+            </a:lnRef>
+            <a:fillRef idx="3">
+              <a:schemeClr val="accent1"/>
+            </a:fillRef>
+            <a:effectRef idx="2">
+              <a:schemeClr val="accent1"/>
+            </a:effectRef>
+            <a:fontRef idx="minor">
+              <a:schemeClr val="lt1"/>
+            </a:fontRef>
+          </p:style>
+          <p:txBody>
+            <a:bodyPr rtlCol="0" anchor="ctr"/>
+            <a:lstStyle/>
+            <a:p>
+              <a:pPr algn="ctr"/>
+              <a:endParaRPr lang="es-CO" b="1" dirty="0">
+                <a:ln w="12700">
+                  <a:solidFill>
+                    <a:schemeClr val="tx2">
+                      <a:satMod val="155000"/>
+                    </a:schemeClr>
+                  </a:solidFill>
+                  <a:prstDash val="solid"/>
+                </a:ln>
+                <a:solidFill>
+                  <a:schemeClr val="bg2">
+                    <a:tint val="85000"/>
+                    <a:satMod val="155000"/>
+                  </a:schemeClr>
+                </a:solidFill>
+                <a:effectLst>
+                  <a:outerShdw blurRad="41275" dist="20320" dir="1800000" algn="tl" rotWithShape="0">
+                    <a:srgbClr val="000000">
+                      <a:alpha val="40000"/>
+                    </a:srgbClr>
+                  </a:outerShdw>
+                </a:effectLst>
+              </a:endParaRPr>
+            </a:p>
+          </p:txBody>
+        </p:sp>
+        <p:sp>
+          <p:nvSpPr>
+            <p:cNvPr id="5" name="Rounded Rectangle 4"/>
+            <p:cNvSpPr/>
+            <p:nvPr/>
+          </p:nvSpPr>
+          <p:spPr>
+            <a:xfrm>
+              <a:off x="6004193" y="3481330"/>
+              <a:ext cx="2798284" cy="1961788"/>
+            </a:xfrm>
+            <a:prstGeom prst="roundRect">
+              <a:avLst/>
+            </a:prstGeom>
+            <a:solidFill>
+              <a:schemeClr val="accent5">
+                <a:lumMod val="75000"/>
+              </a:schemeClr>
+            </a:solidFill>
+          </p:spPr>
+          <p:style>
+            <a:lnRef idx="1">
+              <a:schemeClr val="accent1"/>
+            </a:lnRef>
+            <a:fillRef idx="3">
+              <a:schemeClr val="accent1"/>
+            </a:fillRef>
+            <a:effectRef idx="2">
+              <a:schemeClr val="accent1"/>
+            </a:effectRef>
+            <a:fontRef idx="minor">
+              <a:schemeClr val="lt1"/>
+            </a:fontRef>
+          </p:style>
+          <p:txBody>
+            <a:bodyPr rtlCol="0" anchor="ctr"/>
+            <a:lstStyle/>
+            <a:p>
+              <a:pPr algn="ctr"/>
+              <a:endParaRPr lang="es-CO"/>
+            </a:p>
+          </p:txBody>
+        </p:sp>
+        <p:sp>
+          <p:nvSpPr>
+            <p:cNvPr id="6" name="Rounded Rectangle 5"/>
+            <p:cNvSpPr/>
+            <p:nvPr/>
+          </p:nvSpPr>
+          <p:spPr>
+            <a:xfrm>
+              <a:off x="6257581" y="4164376"/>
+              <a:ext cx="2181339" cy="1090670"/>
+            </a:xfrm>
+            <a:prstGeom prst="roundRect">
+              <a:avLst/>
+            </a:prstGeom>
+            <a:solidFill>
+              <a:schemeClr val="accent6">
+                <a:lumMod val="60000"/>
+                <a:lumOff val="40000"/>
+              </a:schemeClr>
+            </a:solidFill>
+          </p:spPr>
+          <p:style>
+            <a:lnRef idx="1">
+              <a:schemeClr val="accent1"/>
+            </a:lnRef>
+            <a:fillRef idx="3">
+              <a:schemeClr val="accent1"/>
+            </a:fillRef>
+            <a:effectRef idx="2">
+              <a:schemeClr val="accent1"/>
+            </a:effectRef>
+            <a:fontRef idx="minor">
+              <a:schemeClr val="lt1"/>
+            </a:fontRef>
+          </p:style>
+          <p:txBody>
+            <a:bodyPr rtlCol="0" anchor="ctr"/>
+            <a:lstStyle/>
+            <a:p>
+              <a:pPr algn="ctr"/>
+              <a:endParaRPr lang="es-CO"/>
+            </a:p>
+          </p:txBody>
+        </p:sp>
+        <p:sp>
+          <p:nvSpPr>
+            <p:cNvPr id="7" name="Down Arrow 6"/>
+            <p:cNvSpPr/>
+            <p:nvPr/>
+          </p:nvSpPr>
+          <p:spPr>
+            <a:xfrm flipV="1">
+              <a:off x="7663687" y="3153900"/>
+              <a:ext cx="210777" cy="586171"/>
+            </a:xfrm>
+            <a:prstGeom prst="downArrow">
+              <a:avLst/>
+            </a:prstGeom>
+            <a:solidFill>
+              <a:srgbClr val="00B050"/>
+            </a:solidFill>
+          </p:spPr>
+          <p:style>
+            <a:lnRef idx="1">
+              <a:schemeClr val="accent1"/>
+            </a:lnRef>
+            <a:fillRef idx="3">
+              <a:schemeClr val="accent1"/>
+            </a:fillRef>
+            <a:effectRef idx="2">
+              <a:schemeClr val="accent1"/>
+            </a:effectRef>
+            <a:fontRef idx="minor">
+              <a:schemeClr val="lt1"/>
+            </a:fontRef>
+          </p:style>
+          <p:txBody>
+            <a:bodyPr rtlCol="0" anchor="ctr"/>
+            <a:lstStyle/>
+            <a:p>
+              <a:pPr algn="ctr"/>
+              <a:endParaRPr lang="es-CO"/>
+            </a:p>
+          </p:txBody>
+        </p:sp>
+        <p:sp>
+          <p:nvSpPr>
+            <p:cNvPr id="8" name="Rectangle 7"/>
+            <p:cNvSpPr/>
+            <p:nvPr/>
+          </p:nvSpPr>
+          <p:spPr>
+            <a:xfrm>
+              <a:off x="6132342" y="2594392"/>
+              <a:ext cx="1531345" cy="523220"/>
+            </a:xfrm>
+            <a:prstGeom prst="rect">
+              <a:avLst/>
+            </a:prstGeom>
+            <a:noFill/>
+          </p:spPr>
+          <p:txBody>
+            <a:bodyPr wrap="square" lIns="91440" tIns="45720" rIns="91440" bIns="45720">
+              <a:spAutoFit/>
+            </a:bodyPr>
+            <a:lstStyle/>
+            <a:p>
+              <a:pPr algn="ctr"/>
+              <a:r>
+                <a:rPr lang="en-US" sz="2800" b="1" dirty="0" smtClean="0">
+                  <a:ln w="900" cmpd="sng">
+                    <a:solidFill>
+                      <a:schemeClr val="accent1">
+                        <a:satMod val="190000"/>
+                        <a:alpha val="55000"/>
+                      </a:schemeClr>
+                    </a:solidFill>
+                    <a:prstDash val="solid"/>
+                  </a:ln>
+                  <a:solidFill>
+                    <a:schemeClr val="accent1">
+                      <a:satMod val="200000"/>
+                      <a:tint val="3000"/>
+                    </a:schemeClr>
+                  </a:solidFill>
+                  <a:effectLst>
+                    <a:innerShdw blurRad="101600" dist="76200" dir="5400000">
+                      <a:schemeClr val="accent1">
+                        <a:satMod val="190000"/>
+                        <a:tint val="100000"/>
+                        <a:alpha val="74000"/>
+                      </a:schemeClr>
+                    </a:innerShdw>
+                  </a:effectLst>
+                </a:rPr>
+                <a:t>student</a:t>
+              </a:r>
+              <a:endParaRPr lang="en-US" sz="2800" b="1" cap="none" spc="0" dirty="0">
+                <a:ln w="900" cmpd="sng">
+                  <a:solidFill>
+                    <a:schemeClr val="accent1">
+                      <a:satMod val="190000"/>
+                      <a:alpha val="55000"/>
+                    </a:schemeClr>
+                  </a:solidFill>
+                  <a:prstDash val="solid"/>
+                </a:ln>
+                <a:solidFill>
+                  <a:schemeClr val="accent1">
+                    <a:satMod val="200000"/>
+                    <a:tint val="3000"/>
+                  </a:schemeClr>
+                </a:solidFill>
+                <a:effectLst>
+                  <a:innerShdw blurRad="101600" dist="76200" dir="5400000">
+                    <a:schemeClr val="accent1">
+                      <a:satMod val="190000"/>
+                      <a:tint val="100000"/>
+                      <a:alpha val="74000"/>
+                    </a:schemeClr>
+                  </a:innerShdw>
+                </a:effectLst>
+              </a:endParaRPr>
+            </a:p>
+          </p:txBody>
+        </p:sp>
+        <p:sp>
+          <p:nvSpPr>
+            <p:cNvPr id="10" name="Down Arrow 9"/>
+            <p:cNvSpPr/>
+            <p:nvPr/>
+          </p:nvSpPr>
+          <p:spPr>
+            <a:xfrm flipV="1">
+              <a:off x="8066880" y="3153900"/>
+              <a:ext cx="210777" cy="1308324"/>
+            </a:xfrm>
+            <a:prstGeom prst="downArrow">
+              <a:avLst/>
+            </a:prstGeom>
+            <a:solidFill>
+              <a:srgbClr val="FF0000"/>
+            </a:solidFill>
+          </p:spPr>
+          <p:style>
+            <a:lnRef idx="1">
+              <a:schemeClr val="accent1"/>
+            </a:lnRef>
+            <a:fillRef idx="3">
+              <a:schemeClr val="accent1"/>
+            </a:fillRef>
+            <a:effectRef idx="2">
+              <a:schemeClr val="accent1"/>
+            </a:effectRef>
+            <a:fontRef idx="minor">
+              <a:schemeClr val="lt1"/>
+            </a:fontRef>
+          </p:style>
+          <p:txBody>
+            <a:bodyPr rtlCol="0" anchor="ctr"/>
+            <a:lstStyle/>
+            <a:p>
+              <a:pPr algn="ctr"/>
+              <a:endParaRPr lang="es-CO"/>
+            </a:p>
+          </p:txBody>
+        </p:sp>
+        <p:sp>
+          <p:nvSpPr>
+            <p:cNvPr id="11" name="Rectangle 10"/>
+            <p:cNvSpPr/>
+            <p:nvPr/>
+          </p:nvSpPr>
+          <p:spPr>
+            <a:xfrm>
+              <a:off x="6033191" y="3534505"/>
+              <a:ext cx="1531345" cy="338554"/>
+            </a:xfrm>
+            <a:prstGeom prst="rect">
+              <a:avLst/>
+            </a:prstGeom>
+            <a:noFill/>
+          </p:spPr>
+          <p:txBody>
+            <a:bodyPr wrap="square" lIns="91440" tIns="45720" rIns="91440" bIns="45720">
+              <a:spAutoFit/>
+              <a:scene3d>
+                <a:camera prst="orthographicFront"/>
+                <a:lightRig rig="soft" dir="tl">
+                  <a:rot lat="0" lon="0" rev="0"/>
+                </a:lightRig>
+              </a:scene3d>
+              <a:sp3d contourW="25400" prstMaterial="matte">
+                <a:bevelT w="25400" h="55880" prst="artDeco"/>
+                <a:contourClr>
+                  <a:schemeClr val="accent2">
+                    <a:tint val="20000"/>
+                  </a:schemeClr>
+                </a:contourClr>
+              </a:sp3d>
+            </a:bodyPr>
+            <a:lstStyle/>
+            <a:p>
+              <a:pPr algn="ctr"/>
+              <a:r>
+                <a:rPr lang="en-US" sz="1600" b="1" spc="50" dirty="0" err="1" smtClean="0">
+                  <a:ln w="11430"/>
+                  <a:gradFill>
+                    <a:gsLst>
+                      <a:gs pos="25000">
+                        <a:schemeClr val="accent2">
+                          <a:satMod val="155000"/>
+                        </a:schemeClr>
+                      </a:gs>
+                      <a:gs pos="100000">
+                        <a:schemeClr val="accent2">
+                          <a:shade val="45000"/>
+                          <a:satMod val="165000"/>
+                        </a:schemeClr>
+                      </a:gs>
+                    </a:gsLst>
+                    <a:lin ang="5400000"/>
+                  </a:gradFill>
+                  <a:effectLst>
+                    <a:outerShdw blurRad="76200" dist="50800" dir="5400000" algn="tl" rotWithShape="0">
+                      <a:srgbClr val="000000">
+                        <a:alpha val="65000"/>
+                      </a:srgbClr>
+                    </a:outerShdw>
+                  </a:effectLst>
+                </a:rPr>
+                <a:t>printName</a:t>
+              </a:r>
+              <a:r>
+                <a:rPr lang="en-US" sz="1600" b="1" spc="50" dirty="0" smtClean="0">
+                  <a:ln w="11430"/>
+                  <a:gradFill>
+                    <a:gsLst>
+                      <a:gs pos="25000">
+                        <a:schemeClr val="accent2">
+                          <a:satMod val="155000"/>
+                        </a:schemeClr>
+                      </a:gs>
+                      <a:gs pos="100000">
+                        <a:schemeClr val="accent2">
+                          <a:shade val="45000"/>
+                          <a:satMod val="165000"/>
+                        </a:schemeClr>
+                      </a:gs>
+                    </a:gsLst>
+                    <a:lin ang="5400000"/>
+                  </a:gradFill>
+                  <a:effectLst>
+                    <a:outerShdw blurRad="76200" dist="50800" dir="5400000" algn="tl" rotWithShape="0">
+                      <a:srgbClr val="000000">
+                        <a:alpha val="65000"/>
+                      </a:srgbClr>
+                    </a:outerShdw>
+                  </a:effectLst>
+                </a:rPr>
+                <a:t>()</a:t>
+              </a:r>
+              <a:endParaRPr lang="en-US" sz="1600" b="1" spc="50" dirty="0">
+                <a:ln w="11430"/>
+                <a:gradFill>
+                  <a:gsLst>
+                    <a:gs pos="25000">
+                      <a:schemeClr val="accent2">
+                        <a:satMod val="155000"/>
+                      </a:schemeClr>
+                    </a:gs>
+                    <a:gs pos="100000">
+                      <a:schemeClr val="accent2">
+                        <a:shade val="45000"/>
+                        <a:satMod val="165000"/>
+                      </a:schemeClr>
+                    </a:gs>
+                  </a:gsLst>
+                  <a:lin ang="5400000"/>
+                </a:gradFill>
+                <a:effectLst>
+                  <a:outerShdw blurRad="76200" dist="50800" dir="5400000" algn="tl" rotWithShape="0">
+                    <a:srgbClr val="000000">
+                      <a:alpha val="65000"/>
+                    </a:srgbClr>
+                  </a:outerShdw>
+                </a:effectLst>
+              </a:endParaRPr>
+            </a:p>
+          </p:txBody>
+        </p:sp>
+        <p:sp>
+          <p:nvSpPr>
+            <p:cNvPr id="12" name="Rectangle 11"/>
+            <p:cNvSpPr/>
+            <p:nvPr/>
+          </p:nvSpPr>
+          <p:spPr>
+            <a:xfrm>
+              <a:off x="6343119" y="4190712"/>
+              <a:ext cx="1531345" cy="338554"/>
+            </a:xfrm>
+            <a:prstGeom prst="rect">
+              <a:avLst/>
+            </a:prstGeom>
+            <a:noFill/>
+          </p:spPr>
+          <p:txBody>
+            <a:bodyPr wrap="square" lIns="91440" tIns="45720" rIns="91440" bIns="45720">
+              <a:spAutoFit/>
+              <a:scene3d>
+                <a:camera prst="orthographicFront"/>
+                <a:lightRig rig="soft" dir="tl">
+                  <a:rot lat="0" lon="0" rev="0"/>
+                </a:lightRig>
+              </a:scene3d>
+              <a:sp3d contourW="25400" prstMaterial="matte">
+                <a:bevelT w="25400" h="55880" prst="artDeco"/>
+                <a:contourClr>
+                  <a:schemeClr val="accent2">
+                    <a:tint val="20000"/>
+                  </a:schemeClr>
+                </a:contourClr>
+              </a:sp3d>
+            </a:bodyPr>
+            <a:lstStyle/>
+            <a:p>
+              <a:pPr algn="ctr"/>
+              <a:r>
+                <a:rPr lang="en-US" sz="1600" b="1" spc="50" dirty="0" err="1" smtClean="0">
+                  <a:ln w="11430"/>
+                  <a:gradFill>
+                    <a:gsLst>
+                      <a:gs pos="25000">
+                        <a:schemeClr val="accent2">
+                          <a:satMod val="155000"/>
+                        </a:schemeClr>
+                      </a:gs>
+                      <a:gs pos="100000">
+                        <a:schemeClr val="accent2">
+                          <a:shade val="45000"/>
+                          <a:satMod val="165000"/>
+                        </a:schemeClr>
+                      </a:gs>
+                    </a:gsLst>
+                    <a:lin ang="5400000"/>
+                  </a:gradFill>
+                  <a:effectLst>
+                    <a:outerShdw blurRad="76200" dist="50800" dir="5400000" algn="tl" rotWithShape="0">
+                      <a:srgbClr val="000000">
+                        <a:alpha val="65000"/>
+                      </a:srgbClr>
+                    </a:outerShdw>
+                  </a:effectLst>
+                </a:rPr>
+                <a:t>printHelper</a:t>
+              </a:r>
+              <a:r>
+                <a:rPr lang="en-US" sz="1600" b="1" spc="50" dirty="0" smtClean="0">
+                  <a:ln w="11430"/>
+                  <a:gradFill>
+                    <a:gsLst>
+                      <a:gs pos="25000">
+                        <a:schemeClr val="accent2">
+                          <a:satMod val="155000"/>
+                        </a:schemeClr>
+                      </a:gs>
+                      <a:gs pos="100000">
+                        <a:schemeClr val="accent2">
+                          <a:shade val="45000"/>
+                          <a:satMod val="165000"/>
+                        </a:schemeClr>
+                      </a:gs>
+                    </a:gsLst>
+                    <a:lin ang="5400000"/>
+                  </a:gradFill>
+                  <a:effectLst>
+                    <a:outerShdw blurRad="76200" dist="50800" dir="5400000" algn="tl" rotWithShape="0">
+                      <a:srgbClr val="000000">
+                        <a:alpha val="65000"/>
+                      </a:srgbClr>
+                    </a:outerShdw>
+                  </a:effectLst>
+                </a:rPr>
+                <a:t>()</a:t>
+              </a:r>
+              <a:endParaRPr lang="en-US" sz="1600" b="1" spc="50" dirty="0">
+                <a:ln w="11430"/>
+                <a:gradFill>
+                  <a:gsLst>
+                    <a:gs pos="25000">
+                      <a:schemeClr val="accent2">
+                        <a:satMod val="155000"/>
+                      </a:schemeClr>
+                    </a:gs>
+                    <a:gs pos="100000">
+                      <a:schemeClr val="accent2">
+                        <a:shade val="45000"/>
+                        <a:satMod val="165000"/>
+                      </a:schemeClr>
+                    </a:gs>
+                  </a:gsLst>
+                  <a:lin ang="5400000"/>
+                </a:gradFill>
+                <a:effectLst>
+                  <a:outerShdw blurRad="76200" dist="50800" dir="5400000" algn="tl" rotWithShape="0">
+                    <a:srgbClr val="000000">
+                      <a:alpha val="65000"/>
+                    </a:srgbClr>
+                  </a:outerShdw>
+                </a:effectLst>
+              </a:endParaRPr>
+            </a:p>
+          </p:txBody>
+        </p:sp>
+      </p:grpSp>
+    </p:spTree>
+    <p:extLst>
+      <p:ext uri="{BB962C8B-B14F-4D97-AF65-F5344CB8AC3E}">
+        <p14:creationId xmlns:p14="http://schemas.microsoft.com/office/powerpoint/2010/main" val="3169771306"/>
       </p:ext>
     </p:extLst>
   </p:cSld>
